--- a/10.1093/nargab/lqad067/files/figures.pptx
+++ b/10.1093/nargab/lqad067/files/figures.pptx
@@ -10,8 +10,8 @@
   <p:sldIdLst>
     <p:sldId id="260" r:id="rId2"/>
     <p:sldId id="259" r:id="rId3"/>
-    <p:sldId id="264" r:id="rId4"/>
-    <p:sldId id="267" r:id="rId5"/>
+    <p:sldId id="267" r:id="rId4"/>
+    <p:sldId id="269" r:id="rId5"/>
     <p:sldId id="261" r:id="rId6"/>
     <p:sldId id="266" r:id="rId7"/>
     <p:sldId id="263" r:id="rId8"/>
@@ -205,7 +205,7 @@
           <a:p>
             <a:fld id="{DD49E99B-5FC3-5749-8BEF-5E7A24BB1FD9}" type="datetimeFigureOut">
               <a:rPr lang="en-JP" smtClean="0"/>
-              <a:t>2021/03/03</a:t>
+              <a:t>2022/07/21</a:t>
             </a:fld>
             <a:endParaRPr lang="en-JP"/>
           </a:p>
@@ -715,7 +715,7 @@
     </p:spTree>
     <p:extLst>
       <p:ext uri="{BB962C8B-B14F-4D97-AF65-F5344CB8AC3E}">
-        <p14:creationId xmlns:p14="http://schemas.microsoft.com/office/powerpoint/2010/main" val="1004415837"/>
+        <p14:creationId xmlns:p14="http://schemas.microsoft.com/office/powerpoint/2010/main" val="3028731176"/>
       </p:ext>
     </p:extLst>
   </p:cSld>
@@ -799,7 +799,7 @@
     </p:spTree>
     <p:extLst>
       <p:ext uri="{BB962C8B-B14F-4D97-AF65-F5344CB8AC3E}">
-        <p14:creationId xmlns:p14="http://schemas.microsoft.com/office/powerpoint/2010/main" val="3028731176"/>
+        <p14:creationId xmlns:p14="http://schemas.microsoft.com/office/powerpoint/2010/main" val="227226673"/>
       </p:ext>
     </p:extLst>
   </p:cSld>
@@ -1276,7 +1276,7 @@
           <a:p>
             <a:fld id="{4FAAFE4D-1EDA-744D-B99E-CC22EA1AFE82}" type="datetimeFigureOut">
               <a:rPr lang="en-JP" smtClean="0"/>
-              <a:t>2021/03/03</a:t>
+              <a:t>2022/07/21</a:t>
             </a:fld>
             <a:endParaRPr lang="en-JP"/>
           </a:p>
@@ -1446,7 +1446,7 @@
           <a:p>
             <a:fld id="{4FAAFE4D-1EDA-744D-B99E-CC22EA1AFE82}" type="datetimeFigureOut">
               <a:rPr lang="en-JP" smtClean="0"/>
-              <a:t>2021/03/03</a:t>
+              <a:t>2022/07/21</a:t>
             </a:fld>
             <a:endParaRPr lang="en-JP"/>
           </a:p>
@@ -1626,7 +1626,7 @@
           <a:p>
             <a:fld id="{4FAAFE4D-1EDA-744D-B99E-CC22EA1AFE82}" type="datetimeFigureOut">
               <a:rPr lang="en-JP" smtClean="0"/>
-              <a:t>2021/03/03</a:t>
+              <a:t>2022/07/21</a:t>
             </a:fld>
             <a:endParaRPr lang="en-JP"/>
           </a:p>
@@ -1796,7 +1796,7 @@
           <a:p>
             <a:fld id="{4FAAFE4D-1EDA-744D-B99E-CC22EA1AFE82}" type="datetimeFigureOut">
               <a:rPr lang="en-JP" smtClean="0"/>
-              <a:t>2021/03/03</a:t>
+              <a:t>2022/07/21</a:t>
             </a:fld>
             <a:endParaRPr lang="en-JP"/>
           </a:p>
@@ -2040,7 +2040,7 @@
           <a:p>
             <a:fld id="{4FAAFE4D-1EDA-744D-B99E-CC22EA1AFE82}" type="datetimeFigureOut">
               <a:rPr lang="en-JP" smtClean="0"/>
-              <a:t>2021/03/03</a:t>
+              <a:t>2022/07/21</a:t>
             </a:fld>
             <a:endParaRPr lang="en-JP"/>
           </a:p>
@@ -2272,7 +2272,7 @@
           <a:p>
             <a:fld id="{4FAAFE4D-1EDA-744D-B99E-CC22EA1AFE82}" type="datetimeFigureOut">
               <a:rPr lang="en-JP" smtClean="0"/>
-              <a:t>2021/03/03</a:t>
+              <a:t>2022/07/21</a:t>
             </a:fld>
             <a:endParaRPr lang="en-JP"/>
           </a:p>
@@ -2639,7 +2639,7 @@
           <a:p>
             <a:fld id="{4FAAFE4D-1EDA-744D-B99E-CC22EA1AFE82}" type="datetimeFigureOut">
               <a:rPr lang="en-JP" smtClean="0"/>
-              <a:t>2021/03/03</a:t>
+              <a:t>2022/07/21</a:t>
             </a:fld>
             <a:endParaRPr lang="en-JP"/>
           </a:p>
@@ -2757,7 +2757,7 @@
           <a:p>
             <a:fld id="{4FAAFE4D-1EDA-744D-B99E-CC22EA1AFE82}" type="datetimeFigureOut">
               <a:rPr lang="en-JP" smtClean="0"/>
-              <a:t>2021/03/03</a:t>
+              <a:t>2022/07/21</a:t>
             </a:fld>
             <a:endParaRPr lang="en-JP"/>
           </a:p>
@@ -2852,7 +2852,7 @@
           <a:p>
             <a:fld id="{4FAAFE4D-1EDA-744D-B99E-CC22EA1AFE82}" type="datetimeFigureOut">
               <a:rPr lang="en-JP" smtClean="0"/>
-              <a:t>2021/03/03</a:t>
+              <a:t>2022/07/21</a:t>
             </a:fld>
             <a:endParaRPr lang="en-JP"/>
           </a:p>
@@ -3129,7 +3129,7 @@
           <a:p>
             <a:fld id="{4FAAFE4D-1EDA-744D-B99E-CC22EA1AFE82}" type="datetimeFigureOut">
               <a:rPr lang="en-JP" smtClean="0"/>
-              <a:t>2021/03/03</a:t>
+              <a:t>2022/07/21</a:t>
             </a:fld>
             <a:endParaRPr lang="en-JP"/>
           </a:p>
@@ -3386,7 +3386,7 @@
           <a:p>
             <a:fld id="{4FAAFE4D-1EDA-744D-B99E-CC22EA1AFE82}" type="datetimeFigureOut">
               <a:rPr lang="en-JP" smtClean="0"/>
-              <a:t>2021/03/03</a:t>
+              <a:t>2022/07/21</a:t>
             </a:fld>
             <a:endParaRPr lang="en-JP"/>
           </a:p>
@@ -3599,7 +3599,7 @@
           <a:p>
             <a:fld id="{4FAAFE4D-1EDA-744D-B99E-CC22EA1AFE82}" type="datetimeFigureOut">
               <a:rPr lang="en-JP" smtClean="0"/>
-              <a:t>2021/03/03</a:t>
+              <a:t>2022/07/21</a:t>
             </a:fld>
             <a:endParaRPr lang="en-JP"/>
           </a:p>
@@ -9688,8 +9688,8 @@
         </p:nvSpPr>
         <p:spPr>
           <a:xfrm>
-            <a:off x="0" y="1305324"/>
-            <a:ext cx="6858000" cy="7102696"/>
+            <a:off x="18923" y="-18528"/>
+            <a:ext cx="6858000" cy="9924527"/>
           </a:xfrm>
           <a:prstGeom prst="rect">
             <a:avLst/>
@@ -9730,10 +9730,10 @@
       </p:sp>
       <p:pic>
         <p:nvPicPr>
-          <p:cNvPr id="24" name="Picture 23">
-            <a:extLst>
-              <a:ext uri="{FF2B5EF4-FFF2-40B4-BE49-F238E27FC236}">
-                <a16:creationId xmlns:a16="http://schemas.microsoft.com/office/drawing/2014/main" id="{7C7C21A9-CA62-D04C-8A70-D93FE922033C}"/>
+          <p:cNvPr id="153" name="Picture 152" descr="Chart, scatter chart&#10;&#10;Description automatically generated">
+            <a:extLst>
+              <a:ext uri="{FF2B5EF4-FFF2-40B4-BE49-F238E27FC236}">
+                <a16:creationId xmlns:a16="http://schemas.microsoft.com/office/drawing/2014/main" id="{50AA38EE-EF2B-84D4-481F-0DDB4346856E}"/>
               </a:ext>
             </a:extLst>
           </p:cNvPr>
@@ -9742,102 +9742,15 @@
           </p:cNvPicPr>
           <p:nvPr/>
         </p:nvPicPr>
-        <p:blipFill rotWithShape="1">
+        <p:blipFill>
           <a:blip r:embed="rId3"/>
-          <a:srcRect l="5444" r="20808" b="18178"/>
-          <a:stretch/>
-        </p:blipFill>
-        <p:spPr>
-          <a:xfrm>
-            <a:off x="3725241" y="4905369"/>
-            <a:ext cx="3063857" cy="2266200"/>
-          </a:xfrm>
-          <a:prstGeom prst="rect">
-            <a:avLst/>
-          </a:prstGeom>
-        </p:spPr>
-      </p:pic>
-      <p:pic>
-        <p:nvPicPr>
-          <p:cNvPr id="22" name="Picture 21">
-            <a:extLst>
-              <a:ext uri="{FF2B5EF4-FFF2-40B4-BE49-F238E27FC236}">
-                <a16:creationId xmlns:a16="http://schemas.microsoft.com/office/drawing/2014/main" id="{DA53FD33-D648-6647-BC0C-271F446781A5}"/>
-              </a:ext>
-            </a:extLst>
-          </p:cNvPr>
-          <p:cNvPicPr>
-            <a:picLocks noChangeAspect="1"/>
-          </p:cNvPicPr>
-          <p:nvPr/>
-        </p:nvPicPr>
-        <p:blipFill rotWithShape="1">
-          <a:blip r:embed="rId4"/>
-          <a:srcRect l="6277" r="21174" b="17353"/>
-          <a:stretch/>
-        </p:blipFill>
-        <p:spPr>
-          <a:xfrm>
-            <a:off x="187578" y="4906045"/>
-            <a:ext cx="3124889" cy="2373206"/>
-          </a:xfrm>
-          <a:prstGeom prst="rect">
-            <a:avLst/>
-          </a:prstGeom>
-        </p:spPr>
-      </p:pic>
-      <p:pic>
-        <p:nvPicPr>
-          <p:cNvPr id="18" name="Picture 17">
-            <a:extLst>
-              <a:ext uri="{FF2B5EF4-FFF2-40B4-BE49-F238E27FC236}">
-                <a16:creationId xmlns:a16="http://schemas.microsoft.com/office/drawing/2014/main" id="{DB2AC2B9-33DB-744C-A955-3B21405724D5}"/>
-              </a:ext>
-            </a:extLst>
-          </p:cNvPr>
-          <p:cNvPicPr>
-            <a:picLocks noChangeAspect="1"/>
-          </p:cNvPicPr>
-          <p:nvPr/>
-        </p:nvPicPr>
-        <p:blipFill rotWithShape="1">
-          <a:blip r:embed="rId5"/>
-          <a:srcRect r="19905" b="17606"/>
-          <a:stretch/>
-        </p:blipFill>
-        <p:spPr>
-          <a:xfrm>
-            <a:off x="3421991" y="1442074"/>
-            <a:ext cx="3370914" cy="2311766"/>
-          </a:xfrm>
-          <a:prstGeom prst="rect">
-            <a:avLst/>
-          </a:prstGeom>
-        </p:spPr>
-      </p:pic>
-      <p:pic>
-        <p:nvPicPr>
-          <p:cNvPr id="4" name="Picture 3">
-            <a:extLst>
-              <a:ext uri="{FF2B5EF4-FFF2-40B4-BE49-F238E27FC236}">
-                <a16:creationId xmlns:a16="http://schemas.microsoft.com/office/drawing/2014/main" id="{9264F67D-EC66-0843-A35B-61B9559A89F3}"/>
-              </a:ext>
-            </a:extLst>
-          </p:cNvPr>
-          <p:cNvPicPr>
-            <a:picLocks noChangeAspect="1"/>
-          </p:cNvPicPr>
-          <p:nvPr/>
-        </p:nvPicPr>
-        <p:blipFill>
-          <a:blip r:embed="rId6"/>
           <a:stretch>
             <a:fillRect/>
           </a:stretch>
         </p:blipFill>
         <p:spPr>
           <a:xfrm>
-            <a:off x="100995" y="1305324"/>
+            <a:off x="198555" y="-9295"/>
             <a:ext cx="3292538" cy="3566916"/>
           </a:xfrm>
           <a:prstGeom prst="rect">
@@ -9845,6 +9758,94 @@
           </a:prstGeom>
         </p:spPr>
       </p:pic>
+      <p:pic>
+        <p:nvPicPr>
+          <p:cNvPr id="154" name="Picture 153" descr="Chart, scatter chart&#10;&#10;Description automatically generated">
+            <a:extLst>
+              <a:ext uri="{FF2B5EF4-FFF2-40B4-BE49-F238E27FC236}">
+                <a16:creationId xmlns:a16="http://schemas.microsoft.com/office/drawing/2014/main" id="{23555258-8DE6-2730-4EAA-F30644024D5D}"/>
+              </a:ext>
+            </a:extLst>
+          </p:cNvPr>
+          <p:cNvPicPr>
+            <a:picLocks noChangeAspect="1"/>
+          </p:cNvPicPr>
+          <p:nvPr/>
+        </p:nvPicPr>
+        <p:blipFill>
+          <a:blip r:embed="rId4"/>
+          <a:stretch>
+            <a:fillRect/>
+          </a:stretch>
+        </p:blipFill>
+        <p:spPr>
+          <a:xfrm>
+            <a:off x="3537739" y="-9295"/>
+            <a:ext cx="3292538" cy="3566916"/>
+          </a:xfrm>
+          <a:prstGeom prst="rect">
+            <a:avLst/>
+          </a:prstGeom>
+        </p:spPr>
+      </p:pic>
+      <p:pic>
+        <p:nvPicPr>
+          <p:cNvPr id="28" name="Picture 27">
+            <a:extLst>
+              <a:ext uri="{FF2B5EF4-FFF2-40B4-BE49-F238E27FC236}">
+                <a16:creationId xmlns:a16="http://schemas.microsoft.com/office/drawing/2014/main" id="{21BC0C07-D333-DF41-BDDB-985715FA1DC4}"/>
+              </a:ext>
+            </a:extLst>
+          </p:cNvPr>
+          <p:cNvPicPr>
+            <a:picLocks noChangeAspect="1"/>
+          </p:cNvPicPr>
+          <p:nvPr/>
+        </p:nvPicPr>
+        <p:blipFill rotWithShape="1">
+          <a:blip r:embed="rId5"/>
+          <a:srcRect l="5805" t="4731" r="20619" b="20224"/>
+          <a:stretch/>
+        </p:blipFill>
+        <p:spPr>
+          <a:xfrm>
+            <a:off x="3803022" y="6545840"/>
+            <a:ext cx="3079210" cy="2093802"/>
+          </a:xfrm>
+          <a:prstGeom prst="rect">
+            <a:avLst/>
+          </a:prstGeom>
+        </p:spPr>
+      </p:pic>
+      <p:pic>
+        <p:nvPicPr>
+          <p:cNvPr id="6" name="Picture 5">
+            <a:extLst>
+              <a:ext uri="{FF2B5EF4-FFF2-40B4-BE49-F238E27FC236}">
+                <a16:creationId xmlns:a16="http://schemas.microsoft.com/office/drawing/2014/main" id="{C7243089-A878-6647-85E9-E1FF24F71105}"/>
+              </a:ext>
+            </a:extLst>
+          </p:cNvPr>
+          <p:cNvPicPr>
+            <a:picLocks noChangeAspect="1"/>
+          </p:cNvPicPr>
+          <p:nvPr/>
+        </p:nvPicPr>
+        <p:blipFill rotWithShape="1">
+          <a:blip r:embed="rId6"/>
+          <a:srcRect l="6495" r="20148" b="18519"/>
+          <a:stretch/>
+        </p:blipFill>
+        <p:spPr>
+          <a:xfrm>
+            <a:off x="3904871" y="3479417"/>
+            <a:ext cx="2934206" cy="2172787"/>
+          </a:xfrm>
+          <a:prstGeom prst="rect">
+            <a:avLst/>
+          </a:prstGeom>
+        </p:spPr>
+      </p:pic>
       <p:sp>
         <p:nvSpPr>
           <p:cNvPr id="17" name="TextBox 16">
@@ -9859,7 +9860,7 @@
         </p:nvSpPr>
         <p:spPr>
           <a:xfrm>
-            <a:off x="921461" y="1475258"/>
+            <a:off x="1067684" y="165972"/>
             <a:ext cx="2114681" cy="276999"/>
           </a:xfrm>
           <a:prstGeom prst="rect">
@@ -9895,10 +9896,10 @@
       </p:sp>
       <p:sp>
         <p:nvSpPr>
-          <p:cNvPr id="36" name="TextBox 35">
-            <a:extLst>
-              <a:ext uri="{FF2B5EF4-FFF2-40B4-BE49-F238E27FC236}">
-                <a16:creationId xmlns:a16="http://schemas.microsoft.com/office/drawing/2014/main" id="{C5F45CDC-2C5B-1E49-89EA-EDFA429988A3}"/>
+          <p:cNvPr id="37" name="TextBox 36">
+            <a:extLst>
+              <a:ext uri="{FF2B5EF4-FFF2-40B4-BE49-F238E27FC236}">
+                <a16:creationId xmlns:a16="http://schemas.microsoft.com/office/drawing/2014/main" id="{FE18E518-C87E-E84C-A77B-FF4833AAD24E}"/>
               </a:ext>
             </a:extLst>
           </p:cNvPr>
@@ -9907,55 +9908,7 @@
         </p:nvSpPr>
         <p:spPr>
           <a:xfrm>
-            <a:off x="536143" y="2059052"/>
-            <a:ext cx="2106667" cy="276999"/>
-          </a:xfrm>
-          <a:prstGeom prst="rect">
-            <a:avLst/>
-          </a:prstGeom>
-          <a:noFill/>
-        </p:spPr>
-        <p:txBody>
-          <a:bodyPr wrap="none" rtlCol="0">
-            <a:spAutoFit/>
-          </a:bodyPr>
-          <a:lstStyle/>
-          <a:p>
-            <a:r>
-              <a:rPr lang="en-US" sz="1200" b="1" dirty="0">
-                <a:solidFill>
-                  <a:srgbClr val="C00000"/>
-                </a:solidFill>
-                <a:latin typeface="Hiragino Kaku Gothic ProN W6" panose="020B0300000000000000" pitchFamily="34" charset="-128"/>
-                <a:ea typeface="Hiragino Kaku Gothic ProN W6" panose="020B0300000000000000" pitchFamily="34" charset="-128"/>
-              </a:rPr>
-              <a:t>TraesCS2B02G330500</a:t>
-            </a:r>
-            <a:endParaRPr lang="en-JP" sz="1200" b="1" dirty="0">
-              <a:solidFill>
-                <a:srgbClr val="C00000"/>
-              </a:solidFill>
-              <a:latin typeface="Hiragino Kaku Gothic ProN W6" panose="020B0300000000000000" pitchFamily="34" charset="-128"/>
-              <a:ea typeface="Hiragino Kaku Gothic ProN W6" panose="020B0300000000000000" pitchFamily="34" charset="-128"/>
-            </a:endParaRPr>
-          </a:p>
-        </p:txBody>
-      </p:sp>
-      <p:sp>
-        <p:nvSpPr>
-          <p:cNvPr id="37" name="TextBox 36">
-            <a:extLst>
-              <a:ext uri="{FF2B5EF4-FFF2-40B4-BE49-F238E27FC236}">
-                <a16:creationId xmlns:a16="http://schemas.microsoft.com/office/drawing/2014/main" id="{FE18E518-C87E-E84C-A77B-FF4833AAD24E}"/>
-              </a:ext>
-            </a:extLst>
-          </p:cNvPr>
-          <p:cNvSpPr txBox="1"/>
-          <p:nvPr/>
-        </p:nvSpPr>
-        <p:spPr>
-          <a:xfrm>
-            <a:off x="1218268" y="3577288"/>
+            <a:off x="1364492" y="2268002"/>
             <a:ext cx="2114681" cy="276999"/>
           </a:xfrm>
           <a:prstGeom prst="rect">
@@ -10005,7 +9958,7 @@
         </p:nvCxnSpPr>
         <p:spPr>
           <a:xfrm>
-            <a:off x="1998680" y="3854287"/>
+            <a:off x="2114924" y="2545001"/>
             <a:ext cx="112295" cy="182825"/>
           </a:xfrm>
           <a:prstGeom prst="straightConnector1">
@@ -10049,7 +10002,7 @@
         </p:nvCxnSpPr>
         <p:spPr>
           <a:xfrm>
-            <a:off x="1741439" y="1696867"/>
+            <a:off x="1849745" y="387245"/>
             <a:ext cx="112295" cy="182825"/>
           </a:xfrm>
           <a:prstGeom prst="straightConnector1">
@@ -10077,50 +10030,6 @@
           </a:fontRef>
         </p:style>
       </p:cxnSp>
-      <p:cxnSp>
-        <p:nvCxnSpPr>
-          <p:cNvPr id="42" name="Straight Arrow Connector 41">
-            <a:extLst>
-              <a:ext uri="{FF2B5EF4-FFF2-40B4-BE49-F238E27FC236}">
-                <a16:creationId xmlns:a16="http://schemas.microsoft.com/office/drawing/2014/main" id="{64D25888-973B-EA46-AAC7-4826FC267D4D}"/>
-              </a:ext>
-            </a:extLst>
-          </p:cNvPr>
-          <p:cNvCxnSpPr>
-            <a:cxnSpLocks/>
-          </p:cNvCxnSpPr>
-          <p:nvPr/>
-        </p:nvCxnSpPr>
-        <p:spPr>
-          <a:xfrm flipH="1">
-            <a:off x="738079" y="2309528"/>
-            <a:ext cx="220167" cy="136447"/>
-          </a:xfrm>
-          <a:prstGeom prst="straightConnector1">
-            <a:avLst/>
-          </a:prstGeom>
-          <a:ln w="31750">
-            <a:solidFill>
-              <a:srgbClr val="C00000"/>
-            </a:solidFill>
-            <a:tailEnd type="triangle" w="lg" len="lg"/>
-          </a:ln>
-        </p:spPr>
-        <p:style>
-          <a:lnRef idx="1">
-            <a:schemeClr val="accent1"/>
-          </a:lnRef>
-          <a:fillRef idx="0">
-            <a:schemeClr val="accent1"/>
-          </a:fillRef>
-          <a:effectRef idx="0">
-            <a:schemeClr val="accent1"/>
-          </a:effectRef>
-          <a:fontRef idx="minor">
-            <a:schemeClr val="tx1"/>
-          </a:fontRef>
-        </p:style>
-      </p:cxnSp>
       <p:sp>
         <p:nvSpPr>
           <p:cNvPr id="56" name="TextBox 55">
@@ -10135,7 +10044,7 @@
         </p:nvSpPr>
         <p:spPr>
           <a:xfrm>
-            <a:off x="-38828" y="1442074"/>
+            <a:off x="-24821" y="124162"/>
             <a:ext cx="349776" cy="338554"/>
           </a:xfrm>
           <a:prstGeom prst="rect">
@@ -10177,8 +10086,1383 @@
         </p:nvSpPr>
         <p:spPr>
           <a:xfrm>
-            <a:off x="3392651" y="1442074"/>
-            <a:ext cx="340158" cy="338554"/>
+            <a:off x="3462976" y="3499865"/>
+            <a:ext cx="325730" cy="338554"/>
+          </a:xfrm>
+          <a:prstGeom prst="rect">
+            <a:avLst/>
+          </a:prstGeom>
+          <a:noFill/>
+        </p:spPr>
+        <p:txBody>
+          <a:bodyPr wrap="none" rtlCol="0">
+            <a:spAutoFit/>
+          </a:bodyPr>
+          <a:lstStyle/>
+          <a:p>
+            <a:r>
+              <a:rPr lang="en-US" sz="1600" b="1" dirty="0">
+                <a:latin typeface="Hiragino Kaku Gothic ProN W6" panose="020B0300000000000000" pitchFamily="34" charset="-128"/>
+                <a:ea typeface="Hiragino Kaku Gothic ProN W6" panose="020B0300000000000000" pitchFamily="34" charset="-128"/>
+              </a:rPr>
+              <a:t>E</a:t>
+            </a:r>
+            <a:endParaRPr lang="en-JP" sz="1600" b="1" dirty="0">
+              <a:latin typeface="Hiragino Kaku Gothic ProN W6" panose="020B0300000000000000" pitchFamily="34" charset="-128"/>
+              <a:ea typeface="Hiragino Kaku Gothic ProN W6" panose="020B0300000000000000" pitchFamily="34" charset="-128"/>
+            </a:endParaRPr>
+          </a:p>
+        </p:txBody>
+      </p:sp>
+      <p:sp>
+        <p:nvSpPr>
+          <p:cNvPr id="63" name="TextBox 62">
+            <a:extLst>
+              <a:ext uri="{FF2B5EF4-FFF2-40B4-BE49-F238E27FC236}">
+                <a16:creationId xmlns:a16="http://schemas.microsoft.com/office/drawing/2014/main" id="{3E89C2C3-76DF-4549-BEEE-61707ED8C086}"/>
+              </a:ext>
+            </a:extLst>
+          </p:cNvPr>
+          <p:cNvSpPr txBox="1"/>
+          <p:nvPr/>
+        </p:nvSpPr>
+        <p:spPr>
+          <a:xfrm>
+            <a:off x="3462976" y="6468300"/>
+            <a:ext cx="316112" cy="338554"/>
+          </a:xfrm>
+          <a:prstGeom prst="rect">
+            <a:avLst/>
+          </a:prstGeom>
+          <a:noFill/>
+        </p:spPr>
+        <p:txBody>
+          <a:bodyPr wrap="none" rtlCol="0">
+            <a:spAutoFit/>
+          </a:bodyPr>
+          <a:lstStyle/>
+          <a:p>
+            <a:r>
+              <a:rPr lang="en-US" sz="1600" b="1" dirty="0">
+                <a:latin typeface="Hiragino Kaku Gothic ProN W6" panose="020B0300000000000000" pitchFamily="34" charset="-128"/>
+                <a:ea typeface="Hiragino Kaku Gothic ProN W6" panose="020B0300000000000000" pitchFamily="34" charset="-128"/>
+              </a:rPr>
+              <a:t>F</a:t>
+            </a:r>
+            <a:endParaRPr lang="en-JP" sz="1600" b="1" dirty="0">
+              <a:latin typeface="Hiragino Kaku Gothic ProN W6" panose="020B0300000000000000" pitchFamily="34" charset="-128"/>
+              <a:ea typeface="Hiragino Kaku Gothic ProN W6" panose="020B0300000000000000" pitchFamily="34" charset="-128"/>
+            </a:endParaRPr>
+          </a:p>
+        </p:txBody>
+      </p:sp>
+      <p:sp>
+        <p:nvSpPr>
+          <p:cNvPr id="128" name="TextBox 127">
+            <a:extLst>
+              <a:ext uri="{FF2B5EF4-FFF2-40B4-BE49-F238E27FC236}">
+                <a16:creationId xmlns:a16="http://schemas.microsoft.com/office/drawing/2014/main" id="{82321AC5-A212-A043-A6FB-CCEB909930A5}"/>
+              </a:ext>
+            </a:extLst>
+          </p:cNvPr>
+          <p:cNvSpPr txBox="1"/>
+          <p:nvPr/>
+        </p:nvSpPr>
+        <p:spPr>
+          <a:xfrm rot="16200000">
+            <a:off x="3433982" y="4496816"/>
+            <a:ext cx="671979" cy="276999"/>
+          </a:xfrm>
+          <a:prstGeom prst="rect">
+            <a:avLst/>
+          </a:prstGeom>
+          <a:noFill/>
+        </p:spPr>
+        <p:txBody>
+          <a:bodyPr wrap="none" rtlCol="0">
+            <a:spAutoFit/>
+          </a:bodyPr>
+          <a:lstStyle/>
+          <a:p>
+            <a:r>
+              <a:rPr lang="en-JP" sz="1200" b="1" dirty="0">
+                <a:latin typeface="Hiragino Kaku Gothic ProN W6" panose="020B0300000000000000" pitchFamily="34" charset="-128"/>
+                <a:ea typeface="Hiragino Kaku Gothic ProN W6" panose="020B0300000000000000" pitchFamily="34" charset="-128"/>
+              </a:rPr>
+              <a:t>depth</a:t>
+            </a:r>
+          </a:p>
+        </p:txBody>
+      </p:sp>
+      <p:sp>
+        <p:nvSpPr>
+          <p:cNvPr id="129" name="TextBox 128">
+            <a:extLst>
+              <a:ext uri="{FF2B5EF4-FFF2-40B4-BE49-F238E27FC236}">
+                <a16:creationId xmlns:a16="http://schemas.microsoft.com/office/drawing/2014/main" id="{EBC3818E-DFDD-CC48-9018-E4424E488A88}"/>
+              </a:ext>
+            </a:extLst>
+          </p:cNvPr>
+          <p:cNvSpPr txBox="1"/>
+          <p:nvPr/>
+        </p:nvSpPr>
+        <p:spPr>
+          <a:xfrm rot="16200000">
+            <a:off x="3317794" y="7605278"/>
+            <a:ext cx="671979" cy="276999"/>
+          </a:xfrm>
+          <a:prstGeom prst="rect">
+            <a:avLst/>
+          </a:prstGeom>
+          <a:noFill/>
+        </p:spPr>
+        <p:txBody>
+          <a:bodyPr wrap="none" rtlCol="0">
+            <a:spAutoFit/>
+          </a:bodyPr>
+          <a:lstStyle/>
+          <a:p>
+            <a:r>
+              <a:rPr lang="en-JP" sz="1200" b="1" dirty="0">
+                <a:latin typeface="Hiragino Kaku Gothic ProN W6" panose="020B0300000000000000" pitchFamily="34" charset="-128"/>
+                <a:ea typeface="Hiragino Kaku Gothic ProN W6" panose="020B0300000000000000" pitchFamily="34" charset="-128"/>
+              </a:rPr>
+              <a:t>depth</a:t>
+            </a:r>
+          </a:p>
+        </p:txBody>
+      </p:sp>
+      <p:pic>
+        <p:nvPicPr>
+          <p:cNvPr id="141" name="Picture 140">
+            <a:extLst>
+              <a:ext uri="{FF2B5EF4-FFF2-40B4-BE49-F238E27FC236}">
+                <a16:creationId xmlns:a16="http://schemas.microsoft.com/office/drawing/2014/main" id="{D0E88367-616F-D94F-BDE8-1163D68FF9C2}"/>
+              </a:ext>
+            </a:extLst>
+          </p:cNvPr>
+          <p:cNvPicPr>
+            <a:picLocks noChangeAspect="1"/>
+          </p:cNvPicPr>
+          <p:nvPr/>
+        </p:nvPicPr>
+        <p:blipFill rotWithShape="1">
+          <a:blip r:embed="rId7"/>
+          <a:srcRect l="82500" t="27704" r="2499" b="39939"/>
+          <a:stretch/>
+        </p:blipFill>
+        <p:spPr>
+          <a:xfrm>
+            <a:off x="4329456" y="3690684"/>
+            <a:ext cx="559997" cy="805212"/>
+          </a:xfrm>
+          <a:prstGeom prst="rect">
+            <a:avLst/>
+          </a:prstGeom>
+        </p:spPr>
+      </p:pic>
+      <p:sp>
+        <p:nvSpPr>
+          <p:cNvPr id="160" name="TextBox 159">
+            <a:extLst>
+              <a:ext uri="{FF2B5EF4-FFF2-40B4-BE49-F238E27FC236}">
+                <a16:creationId xmlns:a16="http://schemas.microsoft.com/office/drawing/2014/main" id="{8AB13059-626C-2E45-B91F-02BDCA0E9666}"/>
+              </a:ext>
+            </a:extLst>
+          </p:cNvPr>
+          <p:cNvSpPr txBox="1"/>
+          <p:nvPr/>
+        </p:nvSpPr>
+        <p:spPr>
+          <a:xfrm>
+            <a:off x="4965356" y="5925523"/>
+            <a:ext cx="1512065" cy="215444"/>
+          </a:xfrm>
+          <a:prstGeom prst="rect">
+            <a:avLst/>
+          </a:prstGeom>
+          <a:noFill/>
+        </p:spPr>
+        <p:txBody>
+          <a:bodyPr wrap="square" rtlCol="0">
+            <a:spAutoFit/>
+          </a:bodyPr>
+          <a:lstStyle/>
+          <a:p>
+            <a:r>
+              <a:rPr lang="en-US" sz="800" b="1" dirty="0">
+                <a:latin typeface="Hiragino Kaku Gothic ProN W6" panose="020B0300000000000000" pitchFamily="34" charset="-128"/>
+                <a:ea typeface="Hiragino Kaku Gothic ProN W6" panose="020B0300000000000000" pitchFamily="34" charset="-128"/>
+              </a:rPr>
+              <a:t>TraesCS7A02G115400</a:t>
+            </a:r>
+            <a:endParaRPr lang="en-JP" sz="800" b="1" dirty="0">
+              <a:latin typeface="Hiragino Kaku Gothic ProN W6" panose="020B0300000000000000" pitchFamily="34" charset="-128"/>
+              <a:ea typeface="Hiragino Kaku Gothic ProN W6" panose="020B0300000000000000" pitchFamily="34" charset="-128"/>
+            </a:endParaRPr>
+          </a:p>
+        </p:txBody>
+      </p:sp>
+      <p:sp>
+        <p:nvSpPr>
+          <p:cNvPr id="162" name="TextBox 161">
+            <a:extLst>
+              <a:ext uri="{FF2B5EF4-FFF2-40B4-BE49-F238E27FC236}">
+                <a16:creationId xmlns:a16="http://schemas.microsoft.com/office/drawing/2014/main" id="{EEF10CFA-E3DA-0940-93FE-46FC2E7445F7}"/>
+              </a:ext>
+            </a:extLst>
+          </p:cNvPr>
+          <p:cNvSpPr txBox="1"/>
+          <p:nvPr/>
+        </p:nvSpPr>
+        <p:spPr>
+          <a:xfrm>
+            <a:off x="4287900" y="5744618"/>
+            <a:ext cx="495507" cy="215444"/>
+          </a:xfrm>
+          <a:prstGeom prst="rect">
+            <a:avLst/>
+          </a:prstGeom>
+          <a:noFill/>
+        </p:spPr>
+        <p:txBody>
+          <a:bodyPr wrap="none" rtlCol="0">
+            <a:spAutoFit/>
+          </a:bodyPr>
+          <a:lstStyle/>
+          <a:p>
+            <a:r>
+              <a:rPr lang="en-JP" sz="800" b="1" dirty="0">
+                <a:latin typeface="Hiragino Kaku Gothic ProN W6" panose="020B0300000000000000" pitchFamily="34" charset="-128"/>
+                <a:ea typeface="Hiragino Kaku Gothic ProN W6" panose="020B0300000000000000" pitchFamily="34" charset="-128"/>
+              </a:rPr>
+              <a:t>IWGSC</a:t>
+            </a:r>
+          </a:p>
+        </p:txBody>
+      </p:sp>
+      <p:sp>
+        <p:nvSpPr>
+          <p:cNvPr id="163" name="TextBox 162">
+            <a:extLst>
+              <a:ext uri="{FF2B5EF4-FFF2-40B4-BE49-F238E27FC236}">
+                <a16:creationId xmlns:a16="http://schemas.microsoft.com/office/drawing/2014/main" id="{6DBAC676-5804-C746-A916-751314F7ED86}"/>
+              </a:ext>
+            </a:extLst>
+          </p:cNvPr>
+          <p:cNvSpPr txBox="1"/>
+          <p:nvPr/>
+        </p:nvSpPr>
+        <p:spPr>
+          <a:xfrm>
+            <a:off x="4194514" y="6180284"/>
+            <a:ext cx="682278" cy="215444"/>
+          </a:xfrm>
+          <a:prstGeom prst="rect">
+            <a:avLst/>
+          </a:prstGeom>
+          <a:noFill/>
+        </p:spPr>
+        <p:txBody>
+          <a:bodyPr wrap="none" rtlCol="0">
+            <a:spAutoFit/>
+          </a:bodyPr>
+          <a:lstStyle/>
+          <a:p>
+            <a:r>
+              <a:rPr lang="en-JP" sz="800" b="1" dirty="0">
+                <a:latin typeface="Hiragino Kaku Gothic ProN W6" panose="020B0300000000000000" pitchFamily="34" charset="-128"/>
+                <a:ea typeface="Hiragino Kaku Gothic ProN W6" panose="020B0300000000000000" pitchFamily="34" charset="-128"/>
+              </a:rPr>
+              <a:t>IWGSC+1k</a:t>
+            </a:r>
+          </a:p>
+        </p:txBody>
+      </p:sp>
+      <p:sp>
+        <p:nvSpPr>
+          <p:cNvPr id="164" name="Rectangle 163">
+            <a:extLst>
+              <a:ext uri="{FF2B5EF4-FFF2-40B4-BE49-F238E27FC236}">
+                <a16:creationId xmlns:a16="http://schemas.microsoft.com/office/drawing/2014/main" id="{39A6E8FF-EE0A-564F-8163-22DDB48984C1}"/>
+              </a:ext>
+            </a:extLst>
+          </p:cNvPr>
+          <p:cNvSpPr/>
+          <p:nvPr/>
+        </p:nvSpPr>
+        <p:spPr>
+          <a:xfrm>
+            <a:off x="5043811" y="6234989"/>
+            <a:ext cx="1580856" cy="109200"/>
+          </a:xfrm>
+          <a:prstGeom prst="rect">
+            <a:avLst/>
+          </a:prstGeom>
+          <a:solidFill>
+            <a:srgbClr val="FFC000"/>
+          </a:solidFill>
+          <a:ln>
+            <a:noFill/>
+          </a:ln>
+        </p:spPr>
+        <p:style>
+          <a:lnRef idx="2">
+            <a:schemeClr val="accent1">
+              <a:shade val="50000"/>
+            </a:schemeClr>
+          </a:lnRef>
+          <a:fillRef idx="1">
+            <a:schemeClr val="accent1"/>
+          </a:fillRef>
+          <a:effectRef idx="0">
+            <a:schemeClr val="accent1"/>
+          </a:effectRef>
+          <a:fontRef idx="minor">
+            <a:schemeClr val="lt1"/>
+          </a:fontRef>
+        </p:style>
+        <p:txBody>
+          <a:bodyPr rtlCol="0" anchor="ctr"/>
+          <a:lstStyle/>
+          <a:p>
+            <a:pPr algn="ctr"/>
+            <a:endParaRPr lang="en-JP"/>
+          </a:p>
+        </p:txBody>
+      </p:sp>
+      <p:sp>
+        <p:nvSpPr>
+          <p:cNvPr id="166" name="Triangle 165">
+            <a:extLst>
+              <a:ext uri="{FF2B5EF4-FFF2-40B4-BE49-F238E27FC236}">
+                <a16:creationId xmlns:a16="http://schemas.microsoft.com/office/drawing/2014/main" id="{A7280BD7-5E0A-434D-AD4D-B4F9E18BB293}"/>
+              </a:ext>
+            </a:extLst>
+          </p:cNvPr>
+          <p:cNvSpPr/>
+          <p:nvPr/>
+        </p:nvSpPr>
+        <p:spPr>
+          <a:xfrm rot="5400000">
+            <a:off x="5121553" y="6258119"/>
+            <a:ext cx="82716" cy="62941"/>
+          </a:xfrm>
+          <a:prstGeom prst="triangle">
+            <a:avLst/>
+          </a:prstGeom>
+          <a:solidFill>
+            <a:schemeClr val="bg1"/>
+          </a:solidFill>
+          <a:ln>
+            <a:noFill/>
+          </a:ln>
+        </p:spPr>
+        <p:style>
+          <a:lnRef idx="2">
+            <a:schemeClr val="accent1">
+              <a:shade val="50000"/>
+            </a:schemeClr>
+          </a:lnRef>
+          <a:fillRef idx="1">
+            <a:schemeClr val="accent1"/>
+          </a:fillRef>
+          <a:effectRef idx="0">
+            <a:schemeClr val="accent1"/>
+          </a:effectRef>
+          <a:fontRef idx="minor">
+            <a:schemeClr val="lt1"/>
+          </a:fontRef>
+        </p:style>
+        <p:txBody>
+          <a:bodyPr rtlCol="0" anchor="ctr"/>
+          <a:lstStyle/>
+          <a:p>
+            <a:pPr algn="ctr"/>
+            <a:endParaRPr lang="en-JP"/>
+          </a:p>
+        </p:txBody>
+      </p:sp>
+      <p:sp>
+        <p:nvSpPr>
+          <p:cNvPr id="168" name="Triangle 167">
+            <a:extLst>
+              <a:ext uri="{FF2B5EF4-FFF2-40B4-BE49-F238E27FC236}">
+                <a16:creationId xmlns:a16="http://schemas.microsoft.com/office/drawing/2014/main" id="{191BA028-3B14-C442-8289-407366C6472E}"/>
+              </a:ext>
+            </a:extLst>
+          </p:cNvPr>
+          <p:cNvSpPr/>
+          <p:nvPr/>
+        </p:nvSpPr>
+        <p:spPr>
+          <a:xfrm rot="5400000">
+            <a:off x="5969749" y="6258119"/>
+            <a:ext cx="82716" cy="62941"/>
+          </a:xfrm>
+          <a:prstGeom prst="triangle">
+            <a:avLst/>
+          </a:prstGeom>
+          <a:solidFill>
+            <a:schemeClr val="bg1"/>
+          </a:solidFill>
+          <a:ln>
+            <a:noFill/>
+          </a:ln>
+        </p:spPr>
+        <p:style>
+          <a:lnRef idx="2">
+            <a:schemeClr val="accent1">
+              <a:shade val="50000"/>
+            </a:schemeClr>
+          </a:lnRef>
+          <a:fillRef idx="1">
+            <a:schemeClr val="accent1"/>
+          </a:fillRef>
+          <a:effectRef idx="0">
+            <a:schemeClr val="accent1"/>
+          </a:effectRef>
+          <a:fontRef idx="minor">
+            <a:schemeClr val="lt1"/>
+          </a:fontRef>
+        </p:style>
+        <p:txBody>
+          <a:bodyPr rtlCol="0" anchor="ctr"/>
+          <a:lstStyle/>
+          <a:p>
+            <a:pPr algn="ctr"/>
+            <a:endParaRPr lang="en-JP"/>
+          </a:p>
+        </p:txBody>
+      </p:sp>
+      <p:sp>
+        <p:nvSpPr>
+          <p:cNvPr id="180" name="TextBox 179">
+            <a:extLst>
+              <a:ext uri="{FF2B5EF4-FFF2-40B4-BE49-F238E27FC236}">
+                <a16:creationId xmlns:a16="http://schemas.microsoft.com/office/drawing/2014/main" id="{8F25D550-09F6-1A4F-8D0A-88DE23E0412C}"/>
+              </a:ext>
+            </a:extLst>
+          </p:cNvPr>
+          <p:cNvSpPr txBox="1"/>
+          <p:nvPr/>
+        </p:nvSpPr>
+        <p:spPr>
+          <a:xfrm>
+            <a:off x="4578549" y="8439278"/>
+            <a:ext cx="684803" cy="215444"/>
+          </a:xfrm>
+          <a:prstGeom prst="rect">
+            <a:avLst/>
+          </a:prstGeom>
+          <a:noFill/>
+        </p:spPr>
+        <p:txBody>
+          <a:bodyPr wrap="none" rtlCol="0">
+            <a:spAutoFit/>
+          </a:bodyPr>
+          <a:lstStyle/>
+          <a:p>
+            <a:r>
+              <a:rPr lang="en-JP" sz="800" b="1" dirty="0">
+                <a:latin typeface="Hiragino Kaku Gothic ProN W6" panose="020B0300000000000000" pitchFamily="34" charset="-128"/>
+                <a:ea typeface="Hiragino Kaku Gothic ProN W6" panose="020B0300000000000000" pitchFamily="34" charset="-128"/>
+              </a:rPr>
+              <a:t>4,000 bp</a:t>
+            </a:r>
+          </a:p>
+        </p:txBody>
+      </p:sp>
+      <p:cxnSp>
+        <p:nvCxnSpPr>
+          <p:cNvPr id="181" name="Straight Arrow Connector 180">
+            <a:extLst>
+              <a:ext uri="{FF2B5EF4-FFF2-40B4-BE49-F238E27FC236}">
+                <a16:creationId xmlns:a16="http://schemas.microsoft.com/office/drawing/2014/main" id="{49D6D43B-3C30-9949-AFC9-D45969F90077}"/>
+              </a:ext>
+            </a:extLst>
+          </p:cNvPr>
+          <p:cNvCxnSpPr>
+            <a:cxnSpLocks/>
+          </p:cNvCxnSpPr>
+          <p:nvPr/>
+        </p:nvCxnSpPr>
+        <p:spPr>
+          <a:xfrm>
+            <a:off x="4267236" y="8646174"/>
+            <a:ext cx="2464447" cy="0"/>
+          </a:xfrm>
+          <a:prstGeom prst="straightConnector1">
+            <a:avLst/>
+          </a:prstGeom>
+          <a:ln w="15875">
+            <a:solidFill>
+              <a:schemeClr val="tx1"/>
+            </a:solidFill>
+            <a:headEnd type="triangle"/>
+            <a:tailEnd type="triangle"/>
+          </a:ln>
+        </p:spPr>
+        <p:style>
+          <a:lnRef idx="1">
+            <a:schemeClr val="accent1"/>
+          </a:lnRef>
+          <a:fillRef idx="0">
+            <a:schemeClr val="accent1"/>
+          </a:fillRef>
+          <a:effectRef idx="0">
+            <a:schemeClr val="accent1"/>
+          </a:effectRef>
+          <a:fontRef idx="minor">
+            <a:schemeClr val="tx1"/>
+          </a:fontRef>
+        </p:style>
+      </p:cxnSp>
+      <p:pic>
+        <p:nvPicPr>
+          <p:cNvPr id="228" name="Picture 227">
+            <a:extLst>
+              <a:ext uri="{FF2B5EF4-FFF2-40B4-BE49-F238E27FC236}">
+                <a16:creationId xmlns:a16="http://schemas.microsoft.com/office/drawing/2014/main" id="{A1728A22-0769-F243-B675-E0976C8C7E52}"/>
+              </a:ext>
+            </a:extLst>
+          </p:cNvPr>
+          <p:cNvPicPr>
+            <a:picLocks noChangeAspect="1"/>
+          </p:cNvPicPr>
+          <p:nvPr/>
+        </p:nvPicPr>
+        <p:blipFill rotWithShape="1">
+          <a:blip r:embed="rId7"/>
+          <a:srcRect l="82500" t="27704" r="2499" b="39939"/>
+          <a:stretch/>
+        </p:blipFill>
+        <p:spPr>
+          <a:xfrm>
+            <a:off x="4182851" y="6616622"/>
+            <a:ext cx="559997" cy="805212"/>
+          </a:xfrm>
+          <a:prstGeom prst="rect">
+            <a:avLst/>
+          </a:prstGeom>
+        </p:spPr>
+      </p:pic>
+      <p:pic>
+        <p:nvPicPr>
+          <p:cNvPr id="7" name="Picture 6">
+            <a:extLst>
+              <a:ext uri="{FF2B5EF4-FFF2-40B4-BE49-F238E27FC236}">
+                <a16:creationId xmlns:a16="http://schemas.microsoft.com/office/drawing/2014/main" id="{78B7C92A-1ECC-C147-B15F-70A06DC29B7C}"/>
+              </a:ext>
+            </a:extLst>
+          </p:cNvPr>
+          <p:cNvPicPr>
+            <a:picLocks noChangeAspect="1"/>
+          </p:cNvPicPr>
+          <p:nvPr/>
+        </p:nvPicPr>
+        <p:blipFill>
+          <a:blip r:embed="rId8"/>
+          <a:stretch>
+            <a:fillRect/>
+          </a:stretch>
+        </p:blipFill>
+        <p:spPr>
+          <a:xfrm>
+            <a:off x="-2556471" y="9368291"/>
+            <a:ext cx="2517083" cy="286292"/>
+          </a:xfrm>
+          <a:prstGeom prst="rect">
+            <a:avLst/>
+          </a:prstGeom>
+        </p:spPr>
+      </p:pic>
+      <p:pic>
+        <p:nvPicPr>
+          <p:cNvPr id="13" name="Picture 12">
+            <a:extLst>
+              <a:ext uri="{FF2B5EF4-FFF2-40B4-BE49-F238E27FC236}">
+                <a16:creationId xmlns:a16="http://schemas.microsoft.com/office/drawing/2014/main" id="{5857A7F2-A684-5F4A-B2E4-9A42794EA5A9}"/>
+              </a:ext>
+            </a:extLst>
+          </p:cNvPr>
+          <p:cNvPicPr>
+            <a:picLocks noChangeAspect="1"/>
+          </p:cNvPicPr>
+          <p:nvPr/>
+        </p:nvPicPr>
+        <p:blipFill>
+          <a:blip r:embed="rId9"/>
+          <a:stretch>
+            <a:fillRect/>
+          </a:stretch>
+        </p:blipFill>
+        <p:spPr>
+          <a:xfrm>
+            <a:off x="-2627283" y="8431558"/>
+            <a:ext cx="2460085" cy="325332"/>
+          </a:xfrm>
+          <a:prstGeom prst="rect">
+            <a:avLst/>
+          </a:prstGeom>
+        </p:spPr>
+      </p:pic>
+      <p:pic>
+        <p:nvPicPr>
+          <p:cNvPr id="3" name="Picture 2">
+            <a:extLst>
+              <a:ext uri="{FF2B5EF4-FFF2-40B4-BE49-F238E27FC236}">
+                <a16:creationId xmlns:a16="http://schemas.microsoft.com/office/drawing/2014/main" id="{CA100257-3172-B845-AE3E-17627DFF99A4}"/>
+              </a:ext>
+            </a:extLst>
+          </p:cNvPr>
+          <p:cNvPicPr>
+            <a:picLocks noChangeAspect="1"/>
+          </p:cNvPicPr>
+          <p:nvPr/>
+        </p:nvPicPr>
+        <p:blipFill>
+          <a:blip r:embed="rId10"/>
+          <a:stretch>
+            <a:fillRect/>
+          </a:stretch>
+        </p:blipFill>
+        <p:spPr>
+          <a:xfrm>
+            <a:off x="-2689211" y="8004734"/>
+            <a:ext cx="2369130" cy="297217"/>
+          </a:xfrm>
+          <a:prstGeom prst="rect">
+            <a:avLst/>
+          </a:prstGeom>
+        </p:spPr>
+      </p:pic>
+      <p:sp>
+        <p:nvSpPr>
+          <p:cNvPr id="118" name="TextBox 117">
+            <a:extLst>
+              <a:ext uri="{FF2B5EF4-FFF2-40B4-BE49-F238E27FC236}">
+                <a16:creationId xmlns:a16="http://schemas.microsoft.com/office/drawing/2014/main" id="{94B3FCEA-88E9-874B-A519-2DC4FCDAFFA3}"/>
+              </a:ext>
+            </a:extLst>
+          </p:cNvPr>
+          <p:cNvSpPr txBox="1"/>
+          <p:nvPr/>
+        </p:nvSpPr>
+        <p:spPr>
+          <a:xfrm>
+            <a:off x="4576112" y="5412540"/>
+            <a:ext cx="684803" cy="215444"/>
+          </a:xfrm>
+          <a:prstGeom prst="rect">
+            <a:avLst/>
+          </a:prstGeom>
+          <a:noFill/>
+        </p:spPr>
+        <p:txBody>
+          <a:bodyPr wrap="none" rtlCol="0">
+            <a:spAutoFit/>
+          </a:bodyPr>
+          <a:lstStyle/>
+          <a:p>
+            <a:r>
+              <a:rPr lang="en-JP" sz="800" b="1" dirty="0">
+                <a:latin typeface="Hiragino Kaku Gothic ProN W6" panose="020B0300000000000000" pitchFamily="34" charset="-128"/>
+                <a:ea typeface="Hiragino Kaku Gothic ProN W6" panose="020B0300000000000000" pitchFamily="34" charset="-128"/>
+              </a:rPr>
+              <a:t>3,000 bp</a:t>
+            </a:r>
+          </a:p>
+        </p:txBody>
+      </p:sp>
+      <p:cxnSp>
+        <p:nvCxnSpPr>
+          <p:cNvPr id="119" name="Straight Arrow Connector 118">
+            <a:extLst>
+              <a:ext uri="{FF2B5EF4-FFF2-40B4-BE49-F238E27FC236}">
+                <a16:creationId xmlns:a16="http://schemas.microsoft.com/office/drawing/2014/main" id="{34044E7E-EF8F-5741-A5E3-1073DB17C750}"/>
+              </a:ext>
+            </a:extLst>
+          </p:cNvPr>
+          <p:cNvCxnSpPr>
+            <a:cxnSpLocks/>
+          </p:cNvCxnSpPr>
+          <p:nvPr/>
+        </p:nvCxnSpPr>
+        <p:spPr>
+          <a:xfrm>
+            <a:off x="4255537" y="5601030"/>
+            <a:ext cx="2369130" cy="0"/>
+          </a:xfrm>
+          <a:prstGeom prst="straightConnector1">
+            <a:avLst/>
+          </a:prstGeom>
+          <a:ln w="15875">
+            <a:solidFill>
+              <a:schemeClr val="tx1"/>
+            </a:solidFill>
+            <a:headEnd type="triangle"/>
+            <a:tailEnd type="triangle"/>
+          </a:ln>
+        </p:spPr>
+        <p:style>
+          <a:lnRef idx="1">
+            <a:schemeClr val="accent1"/>
+          </a:lnRef>
+          <a:fillRef idx="0">
+            <a:schemeClr val="accent1"/>
+          </a:fillRef>
+          <a:effectRef idx="0">
+            <a:schemeClr val="accent1"/>
+          </a:effectRef>
+          <a:fontRef idx="minor">
+            <a:schemeClr val="tx1"/>
+          </a:fontRef>
+        </p:style>
+      </p:cxnSp>
+      <p:cxnSp>
+        <p:nvCxnSpPr>
+          <p:cNvPr id="121" name="Straight Connector 120">
+            <a:extLst>
+              <a:ext uri="{FF2B5EF4-FFF2-40B4-BE49-F238E27FC236}">
+                <a16:creationId xmlns:a16="http://schemas.microsoft.com/office/drawing/2014/main" id="{43D92C40-DF07-8146-B64D-83E8E4736FF9}"/>
+              </a:ext>
+            </a:extLst>
+          </p:cNvPr>
+          <p:cNvCxnSpPr>
+            <a:cxnSpLocks/>
+          </p:cNvCxnSpPr>
+          <p:nvPr/>
+        </p:nvCxnSpPr>
+        <p:spPr>
+          <a:xfrm>
+            <a:off x="5067192" y="5852340"/>
+            <a:ext cx="748474" cy="0"/>
+          </a:xfrm>
+          <a:prstGeom prst="line">
+            <a:avLst/>
+          </a:prstGeom>
+          <a:ln w="57150">
+            <a:solidFill>
+              <a:srgbClr val="002060"/>
+            </a:solidFill>
+          </a:ln>
+        </p:spPr>
+        <p:style>
+          <a:lnRef idx="1">
+            <a:schemeClr val="accent1"/>
+          </a:lnRef>
+          <a:fillRef idx="0">
+            <a:schemeClr val="accent1"/>
+          </a:fillRef>
+          <a:effectRef idx="0">
+            <a:schemeClr val="accent1"/>
+          </a:effectRef>
+          <a:fontRef idx="minor">
+            <a:schemeClr val="tx1"/>
+          </a:fontRef>
+        </p:style>
+      </p:cxnSp>
+      <p:sp>
+        <p:nvSpPr>
+          <p:cNvPr id="122" name="Rectangle 121">
+            <a:extLst>
+              <a:ext uri="{FF2B5EF4-FFF2-40B4-BE49-F238E27FC236}">
+                <a16:creationId xmlns:a16="http://schemas.microsoft.com/office/drawing/2014/main" id="{6BB715F7-90BF-5F47-BA04-B17B850F5C3F}"/>
+              </a:ext>
+            </a:extLst>
+          </p:cNvPr>
+          <p:cNvSpPr/>
+          <p:nvPr/>
+        </p:nvSpPr>
+        <p:spPr>
+          <a:xfrm>
+            <a:off x="5049941" y="5788756"/>
+            <a:ext cx="149521" cy="127168"/>
+          </a:xfrm>
+          <a:prstGeom prst="rect">
+            <a:avLst/>
+          </a:prstGeom>
+          <a:solidFill>
+            <a:srgbClr val="002060"/>
+          </a:solidFill>
+          <a:ln>
+            <a:solidFill>
+              <a:srgbClr val="002060"/>
+            </a:solidFill>
+          </a:ln>
+        </p:spPr>
+        <p:style>
+          <a:lnRef idx="2">
+            <a:schemeClr val="accent1">
+              <a:shade val="50000"/>
+            </a:schemeClr>
+          </a:lnRef>
+          <a:fillRef idx="1">
+            <a:schemeClr val="accent1"/>
+          </a:fillRef>
+          <a:effectRef idx="0">
+            <a:schemeClr val="accent1"/>
+          </a:effectRef>
+          <a:fontRef idx="minor">
+            <a:schemeClr val="lt1"/>
+          </a:fontRef>
+        </p:style>
+        <p:txBody>
+          <a:bodyPr rtlCol="0" anchor="ctr"/>
+          <a:lstStyle/>
+          <a:p>
+            <a:pPr algn="ctr"/>
+            <a:endParaRPr lang="en-JP"/>
+          </a:p>
+        </p:txBody>
+      </p:sp>
+      <p:sp>
+        <p:nvSpPr>
+          <p:cNvPr id="146" name="Rectangle 145">
+            <a:extLst>
+              <a:ext uri="{FF2B5EF4-FFF2-40B4-BE49-F238E27FC236}">
+                <a16:creationId xmlns:a16="http://schemas.microsoft.com/office/drawing/2014/main" id="{93C9E721-79BF-F242-87E6-D25D7E318E77}"/>
+              </a:ext>
+            </a:extLst>
+          </p:cNvPr>
+          <p:cNvSpPr/>
+          <p:nvPr/>
+        </p:nvSpPr>
+        <p:spPr>
+          <a:xfrm>
+            <a:off x="5519143" y="5788756"/>
+            <a:ext cx="45719" cy="127168"/>
+          </a:xfrm>
+          <a:prstGeom prst="rect">
+            <a:avLst/>
+          </a:prstGeom>
+          <a:solidFill>
+            <a:srgbClr val="002060"/>
+          </a:solidFill>
+          <a:ln>
+            <a:solidFill>
+              <a:srgbClr val="002060"/>
+            </a:solidFill>
+          </a:ln>
+        </p:spPr>
+        <p:style>
+          <a:lnRef idx="2">
+            <a:schemeClr val="accent1">
+              <a:shade val="50000"/>
+            </a:schemeClr>
+          </a:lnRef>
+          <a:fillRef idx="1">
+            <a:schemeClr val="accent1"/>
+          </a:fillRef>
+          <a:effectRef idx="0">
+            <a:schemeClr val="accent1"/>
+          </a:effectRef>
+          <a:fontRef idx="minor">
+            <a:schemeClr val="lt1"/>
+          </a:fontRef>
+        </p:style>
+        <p:txBody>
+          <a:bodyPr rtlCol="0" anchor="ctr"/>
+          <a:lstStyle/>
+          <a:p>
+            <a:pPr algn="ctr"/>
+            <a:endParaRPr lang="en-JP"/>
+          </a:p>
+        </p:txBody>
+      </p:sp>
+      <p:sp>
+        <p:nvSpPr>
+          <p:cNvPr id="149" name="Rectangle 148">
+            <a:extLst>
+              <a:ext uri="{FF2B5EF4-FFF2-40B4-BE49-F238E27FC236}">
+                <a16:creationId xmlns:a16="http://schemas.microsoft.com/office/drawing/2014/main" id="{543055B8-B091-1B4A-B9CD-0308D8504610}"/>
+              </a:ext>
+            </a:extLst>
+          </p:cNvPr>
+          <p:cNvSpPr/>
+          <p:nvPr/>
+        </p:nvSpPr>
+        <p:spPr>
+          <a:xfrm>
+            <a:off x="5645988" y="5788756"/>
+            <a:ext cx="196209" cy="127168"/>
+          </a:xfrm>
+          <a:prstGeom prst="rect">
+            <a:avLst/>
+          </a:prstGeom>
+          <a:solidFill>
+            <a:srgbClr val="002060"/>
+          </a:solidFill>
+          <a:ln>
+            <a:solidFill>
+              <a:srgbClr val="002060"/>
+            </a:solidFill>
+          </a:ln>
+        </p:spPr>
+        <p:style>
+          <a:lnRef idx="2">
+            <a:schemeClr val="accent1">
+              <a:shade val="50000"/>
+            </a:schemeClr>
+          </a:lnRef>
+          <a:fillRef idx="1">
+            <a:schemeClr val="accent1"/>
+          </a:fillRef>
+          <a:effectRef idx="0">
+            <a:schemeClr val="accent1"/>
+          </a:effectRef>
+          <a:fontRef idx="minor">
+            <a:schemeClr val="lt1"/>
+          </a:fontRef>
+        </p:style>
+        <p:txBody>
+          <a:bodyPr rtlCol="0" anchor="ctr"/>
+          <a:lstStyle/>
+          <a:p>
+            <a:pPr algn="ctr"/>
+            <a:endParaRPr lang="en-JP"/>
+          </a:p>
+        </p:txBody>
+      </p:sp>
+      <p:sp>
+        <p:nvSpPr>
+          <p:cNvPr id="155" name="Triangle 154">
+            <a:extLst>
+              <a:ext uri="{FF2B5EF4-FFF2-40B4-BE49-F238E27FC236}">
+                <a16:creationId xmlns:a16="http://schemas.microsoft.com/office/drawing/2014/main" id="{61A38051-6C82-2741-BC46-380B6BDE7F1A}"/>
+              </a:ext>
+            </a:extLst>
+          </p:cNvPr>
+          <p:cNvSpPr/>
+          <p:nvPr/>
+        </p:nvSpPr>
+        <p:spPr>
+          <a:xfrm rot="5400000">
+            <a:off x="5102728" y="5829481"/>
+            <a:ext cx="53034" cy="45719"/>
+          </a:xfrm>
+          <a:prstGeom prst="triangle">
+            <a:avLst/>
+          </a:prstGeom>
+          <a:solidFill>
+            <a:schemeClr val="bg1"/>
+          </a:solidFill>
+          <a:ln>
+            <a:noFill/>
+          </a:ln>
+        </p:spPr>
+        <p:style>
+          <a:lnRef idx="2">
+            <a:schemeClr val="accent1">
+              <a:shade val="50000"/>
+            </a:schemeClr>
+          </a:lnRef>
+          <a:fillRef idx="1">
+            <a:schemeClr val="accent1"/>
+          </a:fillRef>
+          <a:effectRef idx="0">
+            <a:schemeClr val="accent1"/>
+          </a:effectRef>
+          <a:fontRef idx="minor">
+            <a:schemeClr val="lt1"/>
+          </a:fontRef>
+        </p:style>
+        <p:txBody>
+          <a:bodyPr rtlCol="0" anchor="ctr"/>
+          <a:lstStyle/>
+          <a:p>
+            <a:pPr algn="ctr"/>
+            <a:endParaRPr lang="en-JP"/>
+          </a:p>
+        </p:txBody>
+      </p:sp>
+      <p:sp>
+        <p:nvSpPr>
+          <p:cNvPr id="158" name="Triangle 157">
+            <a:extLst>
+              <a:ext uri="{FF2B5EF4-FFF2-40B4-BE49-F238E27FC236}">
+                <a16:creationId xmlns:a16="http://schemas.microsoft.com/office/drawing/2014/main" id="{836C6BFD-A872-FA46-A3C3-61620C4A484D}"/>
+              </a:ext>
+            </a:extLst>
+          </p:cNvPr>
+          <p:cNvSpPr/>
+          <p:nvPr/>
+        </p:nvSpPr>
+        <p:spPr>
+          <a:xfrm rot="5400000">
+            <a:off x="5255128" y="5829481"/>
+            <a:ext cx="53034" cy="45719"/>
+          </a:xfrm>
+          <a:prstGeom prst="triangle">
+            <a:avLst/>
+          </a:prstGeom>
+          <a:solidFill>
+            <a:schemeClr val="bg1"/>
+          </a:solidFill>
+          <a:ln>
+            <a:noFill/>
+          </a:ln>
+        </p:spPr>
+        <p:style>
+          <a:lnRef idx="2">
+            <a:schemeClr val="accent1">
+              <a:shade val="50000"/>
+            </a:schemeClr>
+          </a:lnRef>
+          <a:fillRef idx="1">
+            <a:schemeClr val="accent1"/>
+          </a:fillRef>
+          <a:effectRef idx="0">
+            <a:schemeClr val="accent1"/>
+          </a:effectRef>
+          <a:fontRef idx="minor">
+            <a:schemeClr val="lt1"/>
+          </a:fontRef>
+        </p:style>
+        <p:txBody>
+          <a:bodyPr rtlCol="0" anchor="ctr"/>
+          <a:lstStyle/>
+          <a:p>
+            <a:pPr algn="ctr"/>
+            <a:endParaRPr lang="en-JP"/>
+          </a:p>
+        </p:txBody>
+      </p:sp>
+      <p:sp>
+        <p:nvSpPr>
+          <p:cNvPr id="159" name="Triangle 158">
+            <a:extLst>
+              <a:ext uri="{FF2B5EF4-FFF2-40B4-BE49-F238E27FC236}">
+                <a16:creationId xmlns:a16="http://schemas.microsoft.com/office/drawing/2014/main" id="{4D52F8AE-69C9-E947-AFD4-507E8B24FB64}"/>
+              </a:ext>
+            </a:extLst>
+          </p:cNvPr>
+          <p:cNvSpPr/>
+          <p:nvPr/>
+        </p:nvSpPr>
+        <p:spPr>
+          <a:xfrm rot="5400000">
+            <a:off x="5408541" y="5829481"/>
+            <a:ext cx="53034" cy="45719"/>
+          </a:xfrm>
+          <a:prstGeom prst="triangle">
+            <a:avLst/>
+          </a:prstGeom>
+          <a:solidFill>
+            <a:schemeClr val="bg1"/>
+          </a:solidFill>
+          <a:ln>
+            <a:noFill/>
+          </a:ln>
+        </p:spPr>
+        <p:style>
+          <a:lnRef idx="2">
+            <a:schemeClr val="accent1">
+              <a:shade val="50000"/>
+            </a:schemeClr>
+          </a:lnRef>
+          <a:fillRef idx="1">
+            <a:schemeClr val="accent1"/>
+          </a:fillRef>
+          <a:effectRef idx="0">
+            <a:schemeClr val="accent1"/>
+          </a:effectRef>
+          <a:fontRef idx="minor">
+            <a:schemeClr val="lt1"/>
+          </a:fontRef>
+        </p:style>
+        <p:txBody>
+          <a:bodyPr rtlCol="0" anchor="ctr"/>
+          <a:lstStyle/>
+          <a:p>
+            <a:pPr algn="ctr"/>
+            <a:endParaRPr lang="en-JP"/>
+          </a:p>
+        </p:txBody>
+      </p:sp>
+      <p:sp>
+        <p:nvSpPr>
+          <p:cNvPr id="172" name="Triangle 171">
+            <a:extLst>
+              <a:ext uri="{FF2B5EF4-FFF2-40B4-BE49-F238E27FC236}">
+                <a16:creationId xmlns:a16="http://schemas.microsoft.com/office/drawing/2014/main" id="{88227B02-0200-D548-BAFD-A900320BCCCE}"/>
+              </a:ext>
+            </a:extLst>
+          </p:cNvPr>
+          <p:cNvSpPr/>
+          <p:nvPr/>
+        </p:nvSpPr>
+        <p:spPr>
+          <a:xfrm rot="5400000">
+            <a:off x="5560941" y="5829481"/>
+            <a:ext cx="53034" cy="45719"/>
+          </a:xfrm>
+          <a:prstGeom prst="triangle">
+            <a:avLst/>
+          </a:prstGeom>
+          <a:solidFill>
+            <a:schemeClr val="bg1"/>
+          </a:solidFill>
+          <a:ln>
+            <a:noFill/>
+          </a:ln>
+        </p:spPr>
+        <p:style>
+          <a:lnRef idx="2">
+            <a:schemeClr val="accent1">
+              <a:shade val="50000"/>
+            </a:schemeClr>
+          </a:lnRef>
+          <a:fillRef idx="1">
+            <a:schemeClr val="accent1"/>
+          </a:fillRef>
+          <a:effectRef idx="0">
+            <a:schemeClr val="accent1"/>
+          </a:effectRef>
+          <a:fontRef idx="minor">
+            <a:schemeClr val="lt1"/>
+          </a:fontRef>
+        </p:style>
+        <p:txBody>
+          <a:bodyPr rtlCol="0" anchor="ctr"/>
+          <a:lstStyle/>
+          <a:p>
+            <a:pPr algn="ctr"/>
+            <a:endParaRPr lang="en-JP"/>
+          </a:p>
+        </p:txBody>
+      </p:sp>
+      <p:sp>
+        <p:nvSpPr>
+          <p:cNvPr id="174" name="Triangle 173">
+            <a:extLst>
+              <a:ext uri="{FF2B5EF4-FFF2-40B4-BE49-F238E27FC236}">
+                <a16:creationId xmlns:a16="http://schemas.microsoft.com/office/drawing/2014/main" id="{B8CC845A-E33C-DF4D-B455-5303EDFD8BE7}"/>
+              </a:ext>
+            </a:extLst>
+          </p:cNvPr>
+          <p:cNvSpPr/>
+          <p:nvPr/>
+        </p:nvSpPr>
+        <p:spPr>
+          <a:xfrm rot="5400000">
+            <a:off x="5713341" y="5829481"/>
+            <a:ext cx="53034" cy="45719"/>
+          </a:xfrm>
+          <a:prstGeom prst="triangle">
+            <a:avLst/>
+          </a:prstGeom>
+          <a:solidFill>
+            <a:schemeClr val="bg1"/>
+          </a:solidFill>
+          <a:ln>
+            <a:noFill/>
+          </a:ln>
+        </p:spPr>
+        <p:style>
+          <a:lnRef idx="2">
+            <a:schemeClr val="accent1">
+              <a:shade val="50000"/>
+            </a:schemeClr>
+          </a:lnRef>
+          <a:fillRef idx="1">
+            <a:schemeClr val="accent1"/>
+          </a:fillRef>
+          <a:effectRef idx="0">
+            <a:schemeClr val="accent1"/>
+          </a:effectRef>
+          <a:fontRef idx="minor">
+            <a:schemeClr val="lt1"/>
+          </a:fontRef>
+        </p:style>
+        <p:txBody>
+          <a:bodyPr rtlCol="0" anchor="ctr"/>
+          <a:lstStyle/>
+          <a:p>
+            <a:pPr algn="ctr"/>
+            <a:endParaRPr lang="en-JP"/>
+          </a:p>
+        </p:txBody>
+      </p:sp>
+      <p:sp>
+        <p:nvSpPr>
+          <p:cNvPr id="175" name="Triangle 174">
+            <a:extLst>
+              <a:ext uri="{FF2B5EF4-FFF2-40B4-BE49-F238E27FC236}">
+                <a16:creationId xmlns:a16="http://schemas.microsoft.com/office/drawing/2014/main" id="{88B63CBA-56C6-8243-B8BB-165277EA0E3F}"/>
+              </a:ext>
+            </a:extLst>
+          </p:cNvPr>
+          <p:cNvSpPr/>
+          <p:nvPr/>
+        </p:nvSpPr>
+        <p:spPr>
+          <a:xfrm rot="5400000">
+            <a:off x="5545651" y="6258119"/>
+            <a:ext cx="82716" cy="62941"/>
+          </a:xfrm>
+          <a:prstGeom prst="triangle">
+            <a:avLst/>
+          </a:prstGeom>
+          <a:solidFill>
+            <a:schemeClr val="bg1"/>
+          </a:solidFill>
+          <a:ln>
+            <a:noFill/>
+          </a:ln>
+        </p:spPr>
+        <p:style>
+          <a:lnRef idx="2">
+            <a:schemeClr val="accent1">
+              <a:shade val="50000"/>
+            </a:schemeClr>
+          </a:lnRef>
+          <a:fillRef idx="1">
+            <a:schemeClr val="accent1"/>
+          </a:fillRef>
+          <a:effectRef idx="0">
+            <a:schemeClr val="accent1"/>
+          </a:effectRef>
+          <a:fontRef idx="minor">
+            <a:schemeClr val="lt1"/>
+          </a:fontRef>
+        </p:style>
+        <p:txBody>
+          <a:bodyPr rtlCol="0" anchor="ctr"/>
+          <a:lstStyle/>
+          <a:p>
+            <a:pPr algn="ctr"/>
+            <a:endParaRPr lang="en-JP"/>
+          </a:p>
+        </p:txBody>
+      </p:sp>
+      <p:sp>
+        <p:nvSpPr>
+          <p:cNvPr id="176" name="Triangle 175">
+            <a:extLst>
+              <a:ext uri="{FF2B5EF4-FFF2-40B4-BE49-F238E27FC236}">
+                <a16:creationId xmlns:a16="http://schemas.microsoft.com/office/drawing/2014/main" id="{E3923926-E92B-C842-B348-9BCAFF01E74E}"/>
+              </a:ext>
+            </a:extLst>
+          </p:cNvPr>
+          <p:cNvSpPr/>
+          <p:nvPr/>
+        </p:nvSpPr>
+        <p:spPr>
+          <a:xfrm rot="5400000">
+            <a:off x="6393847" y="6258119"/>
+            <a:ext cx="82716" cy="62941"/>
+          </a:xfrm>
+          <a:prstGeom prst="triangle">
+            <a:avLst/>
+          </a:prstGeom>
+          <a:solidFill>
+            <a:schemeClr val="bg1"/>
+          </a:solidFill>
+          <a:ln>
+            <a:noFill/>
+          </a:ln>
+        </p:spPr>
+        <p:style>
+          <a:lnRef idx="2">
+            <a:schemeClr val="accent1">
+              <a:shade val="50000"/>
+            </a:schemeClr>
+          </a:lnRef>
+          <a:fillRef idx="1">
+            <a:schemeClr val="accent1"/>
+          </a:fillRef>
+          <a:effectRef idx="0">
+            <a:schemeClr val="accent1"/>
+          </a:effectRef>
+          <a:fontRef idx="minor">
+            <a:schemeClr val="lt1"/>
+          </a:fontRef>
+        </p:style>
+        <p:txBody>
+          <a:bodyPr rtlCol="0" anchor="ctr"/>
+          <a:lstStyle/>
+          <a:p>
+            <a:pPr algn="ctr"/>
+            <a:endParaRPr lang="en-JP"/>
+          </a:p>
+        </p:txBody>
+      </p:sp>
+      <p:pic>
+        <p:nvPicPr>
+          <p:cNvPr id="182" name="Picture 181">
+            <a:extLst>
+              <a:ext uri="{FF2B5EF4-FFF2-40B4-BE49-F238E27FC236}">
+                <a16:creationId xmlns:a16="http://schemas.microsoft.com/office/drawing/2014/main" id="{0BFE4FEC-1918-8748-8DF3-1AE22B8C139F}"/>
+              </a:ext>
+            </a:extLst>
+          </p:cNvPr>
+          <p:cNvPicPr>
+            <a:picLocks noChangeAspect="1"/>
+          </p:cNvPicPr>
+          <p:nvPr/>
+        </p:nvPicPr>
+        <p:blipFill rotWithShape="1">
+          <a:blip r:embed="rId11"/>
+          <a:srcRect l="5444" r="20808" b="18178"/>
+          <a:stretch/>
+        </p:blipFill>
+        <p:spPr>
+          <a:xfrm>
+            <a:off x="262376" y="6444472"/>
+            <a:ext cx="3063857" cy="2266200"/>
+          </a:xfrm>
+          <a:prstGeom prst="rect">
+            <a:avLst/>
+          </a:prstGeom>
+        </p:spPr>
+      </p:pic>
+      <p:pic>
+        <p:nvPicPr>
+          <p:cNvPr id="183" name="Picture 182">
+            <a:extLst>
+              <a:ext uri="{FF2B5EF4-FFF2-40B4-BE49-F238E27FC236}">
+                <a16:creationId xmlns:a16="http://schemas.microsoft.com/office/drawing/2014/main" id="{C53F9C1B-6549-1142-86C7-E67A5E8D0B7D}"/>
+              </a:ext>
+            </a:extLst>
+          </p:cNvPr>
+          <p:cNvPicPr>
+            <a:picLocks noChangeAspect="1"/>
+          </p:cNvPicPr>
+          <p:nvPr/>
+        </p:nvPicPr>
+        <p:blipFill rotWithShape="1">
+          <a:blip r:embed="rId12"/>
+          <a:srcRect l="6277" t="5223" r="21174" b="17352"/>
+          <a:stretch/>
+        </p:blipFill>
+        <p:spPr>
+          <a:xfrm>
+            <a:off x="233333" y="3488261"/>
+            <a:ext cx="3124889" cy="2223230"/>
+          </a:xfrm>
+          <a:prstGeom prst="rect">
+            <a:avLst/>
+          </a:prstGeom>
+        </p:spPr>
+      </p:pic>
+      <p:sp>
+        <p:nvSpPr>
+          <p:cNvPr id="184" name="TextBox 183">
+            <a:extLst>
+              <a:ext uri="{FF2B5EF4-FFF2-40B4-BE49-F238E27FC236}">
+                <a16:creationId xmlns:a16="http://schemas.microsoft.com/office/drawing/2014/main" id="{A06E3A0A-CF2D-8444-8C8C-B54314E94792}"/>
+              </a:ext>
+            </a:extLst>
+          </p:cNvPr>
+          <p:cNvSpPr txBox="1"/>
+          <p:nvPr/>
+        </p:nvSpPr>
+        <p:spPr>
+          <a:xfrm>
+            <a:off x="-24019" y="3499865"/>
+            <a:ext cx="348172" cy="338554"/>
           </a:xfrm>
           <a:prstGeom prst="rect">
             <a:avLst/>
@@ -10207,10 +11491,10 @@
       </p:sp>
       <p:sp>
         <p:nvSpPr>
-          <p:cNvPr id="63" name="TextBox 62">
-            <a:extLst>
-              <a:ext uri="{FF2B5EF4-FFF2-40B4-BE49-F238E27FC236}">
-                <a16:creationId xmlns:a16="http://schemas.microsoft.com/office/drawing/2014/main" id="{3E89C2C3-76DF-4549-BEEE-61707ED8C086}"/>
+          <p:cNvPr id="195" name="TextBox 194">
+            <a:extLst>
+              <a:ext uri="{FF2B5EF4-FFF2-40B4-BE49-F238E27FC236}">
+                <a16:creationId xmlns:a16="http://schemas.microsoft.com/office/drawing/2014/main" id="{79E467A0-EB0E-7448-970B-6FC44C35761F}"/>
               </a:ext>
             </a:extLst>
           </p:cNvPr>
@@ -10219,7 +11503,7 @@
         </p:nvSpPr>
         <p:spPr>
           <a:xfrm>
-            <a:off x="-39388" y="4906044"/>
+            <a:off x="-24019" y="6468300"/>
             <a:ext cx="348172" cy="338554"/>
           </a:xfrm>
           <a:prstGeom prst="rect">
@@ -10249,10 +11533,10 @@
       </p:sp>
       <p:sp>
         <p:nvSpPr>
-          <p:cNvPr id="64" name="TextBox 63">
-            <a:extLst>
-              <a:ext uri="{FF2B5EF4-FFF2-40B4-BE49-F238E27FC236}">
-                <a16:creationId xmlns:a16="http://schemas.microsoft.com/office/drawing/2014/main" id="{30933F0D-AD77-F846-BE8F-6AA4AA6CD7C2}"/>
+          <p:cNvPr id="196" name="TextBox 195">
+            <a:extLst>
+              <a:ext uri="{FF2B5EF4-FFF2-40B4-BE49-F238E27FC236}">
+                <a16:creationId xmlns:a16="http://schemas.microsoft.com/office/drawing/2014/main" id="{B0F44935-C604-4F4F-9687-57AA213343B2}"/>
               </a:ext>
             </a:extLst>
           </p:cNvPr>
@@ -10260,8 +11544,3649 @@
           <p:nvPr/>
         </p:nvSpPr>
         <p:spPr>
-          <a:xfrm>
-            <a:off x="3392091" y="4906044"/>
+          <a:xfrm rot="16200000">
+            <a:off x="-145296" y="4475262"/>
+            <a:ext cx="671979" cy="276999"/>
+          </a:xfrm>
+          <a:prstGeom prst="rect">
+            <a:avLst/>
+          </a:prstGeom>
+          <a:noFill/>
+        </p:spPr>
+        <p:txBody>
+          <a:bodyPr wrap="none" rtlCol="0">
+            <a:spAutoFit/>
+          </a:bodyPr>
+          <a:lstStyle/>
+          <a:p>
+            <a:r>
+              <a:rPr lang="en-JP" sz="1200" b="1" dirty="0">
+                <a:latin typeface="Hiragino Kaku Gothic ProN W6" panose="020B0300000000000000" pitchFamily="34" charset="-128"/>
+                <a:ea typeface="Hiragino Kaku Gothic ProN W6" panose="020B0300000000000000" pitchFamily="34" charset="-128"/>
+              </a:rPr>
+              <a:t>depth</a:t>
+            </a:r>
+          </a:p>
+        </p:txBody>
+      </p:sp>
+      <p:sp>
+        <p:nvSpPr>
+          <p:cNvPr id="197" name="TextBox 196">
+            <a:extLst>
+              <a:ext uri="{FF2B5EF4-FFF2-40B4-BE49-F238E27FC236}">
+                <a16:creationId xmlns:a16="http://schemas.microsoft.com/office/drawing/2014/main" id="{DB5226D2-75D3-AA4B-AD8F-BC07B19EADEF}"/>
+              </a:ext>
+            </a:extLst>
+          </p:cNvPr>
+          <p:cNvSpPr txBox="1"/>
+          <p:nvPr/>
+        </p:nvSpPr>
+        <p:spPr>
+          <a:xfrm rot="16200000">
+            <a:off x="-116940" y="7582126"/>
+            <a:ext cx="671979" cy="276999"/>
+          </a:xfrm>
+          <a:prstGeom prst="rect">
+            <a:avLst/>
+          </a:prstGeom>
+          <a:noFill/>
+        </p:spPr>
+        <p:txBody>
+          <a:bodyPr wrap="none" rtlCol="0">
+            <a:spAutoFit/>
+          </a:bodyPr>
+          <a:lstStyle/>
+          <a:p>
+            <a:r>
+              <a:rPr lang="en-JP" sz="1200" b="1" dirty="0">
+                <a:latin typeface="Hiragino Kaku Gothic ProN W6" panose="020B0300000000000000" pitchFamily="34" charset="-128"/>
+                <a:ea typeface="Hiragino Kaku Gothic ProN W6" panose="020B0300000000000000" pitchFamily="34" charset="-128"/>
+              </a:rPr>
+              <a:t>depth</a:t>
+            </a:r>
+          </a:p>
+        </p:txBody>
+      </p:sp>
+      <p:sp>
+        <p:nvSpPr>
+          <p:cNvPr id="198" name="Triangle 197">
+            <a:extLst>
+              <a:ext uri="{FF2B5EF4-FFF2-40B4-BE49-F238E27FC236}">
+                <a16:creationId xmlns:a16="http://schemas.microsoft.com/office/drawing/2014/main" id="{3DB10062-5662-CF4A-9B81-D6B9B0EA6AF7}"/>
+              </a:ext>
+            </a:extLst>
+          </p:cNvPr>
+          <p:cNvSpPr/>
+          <p:nvPr/>
+        </p:nvSpPr>
+        <p:spPr>
+          <a:xfrm rot="16200000">
+            <a:off x="3108216" y="5819801"/>
+            <a:ext cx="82716" cy="58617"/>
+          </a:xfrm>
+          <a:prstGeom prst="triangle">
+            <a:avLst/>
+          </a:prstGeom>
+          <a:solidFill>
+            <a:schemeClr val="bg1"/>
+          </a:solidFill>
+          <a:ln>
+            <a:noFill/>
+          </a:ln>
+        </p:spPr>
+        <p:style>
+          <a:lnRef idx="2">
+            <a:schemeClr val="accent1">
+              <a:shade val="50000"/>
+            </a:schemeClr>
+          </a:lnRef>
+          <a:fillRef idx="1">
+            <a:schemeClr val="accent1"/>
+          </a:fillRef>
+          <a:effectRef idx="0">
+            <a:schemeClr val="accent1"/>
+          </a:effectRef>
+          <a:fontRef idx="minor">
+            <a:schemeClr val="lt1"/>
+          </a:fontRef>
+        </p:style>
+        <p:txBody>
+          <a:bodyPr rtlCol="0" anchor="ctr"/>
+          <a:lstStyle/>
+          <a:p>
+            <a:pPr algn="ctr"/>
+            <a:endParaRPr lang="en-JP"/>
+          </a:p>
+        </p:txBody>
+      </p:sp>
+      <p:sp>
+        <p:nvSpPr>
+          <p:cNvPr id="199" name="TextBox 198">
+            <a:extLst>
+              <a:ext uri="{FF2B5EF4-FFF2-40B4-BE49-F238E27FC236}">
+                <a16:creationId xmlns:a16="http://schemas.microsoft.com/office/drawing/2014/main" id="{5F4738B4-AA49-8243-A1C8-22C272CB9054}"/>
+              </a:ext>
+            </a:extLst>
+          </p:cNvPr>
+          <p:cNvSpPr txBox="1"/>
+          <p:nvPr/>
+        </p:nvSpPr>
+        <p:spPr>
+          <a:xfrm>
+            <a:off x="2622168" y="5907267"/>
+            <a:ext cx="1546166" cy="215444"/>
+          </a:xfrm>
+          <a:prstGeom prst="rect">
+            <a:avLst/>
+          </a:prstGeom>
+          <a:noFill/>
+        </p:spPr>
+        <p:txBody>
+          <a:bodyPr wrap="square" rtlCol="0">
+            <a:spAutoFit/>
+          </a:bodyPr>
+          <a:lstStyle/>
+          <a:p>
+            <a:r>
+              <a:rPr lang="en-US" sz="800" b="1" dirty="0">
+                <a:latin typeface="Hiragino Kaku Gothic ProN W6" panose="020B0300000000000000" pitchFamily="34" charset="-128"/>
+                <a:ea typeface="Hiragino Kaku Gothic ProN W6" panose="020B0300000000000000" pitchFamily="34" charset="-128"/>
+              </a:rPr>
+              <a:t>TraesCS4D02G145500</a:t>
+            </a:r>
+            <a:endParaRPr lang="en-JP" sz="800" b="1" dirty="0">
+              <a:latin typeface="Hiragino Kaku Gothic ProN W6" panose="020B0300000000000000" pitchFamily="34" charset="-128"/>
+              <a:ea typeface="Hiragino Kaku Gothic ProN W6" panose="020B0300000000000000" pitchFamily="34" charset="-128"/>
+            </a:endParaRPr>
+          </a:p>
+        </p:txBody>
+      </p:sp>
+      <p:sp>
+        <p:nvSpPr>
+          <p:cNvPr id="203" name="TextBox 202">
+            <a:extLst>
+              <a:ext uri="{FF2B5EF4-FFF2-40B4-BE49-F238E27FC236}">
+                <a16:creationId xmlns:a16="http://schemas.microsoft.com/office/drawing/2014/main" id="{CC06CCA0-FD66-844E-A249-3AAA5BEDA05D}"/>
+              </a:ext>
+            </a:extLst>
+          </p:cNvPr>
+          <p:cNvSpPr txBox="1"/>
+          <p:nvPr/>
+        </p:nvSpPr>
+        <p:spPr>
+          <a:xfrm>
+            <a:off x="1214970" y="5907267"/>
+            <a:ext cx="1546166" cy="215444"/>
+          </a:xfrm>
+          <a:prstGeom prst="rect">
+            <a:avLst/>
+          </a:prstGeom>
+          <a:noFill/>
+        </p:spPr>
+        <p:txBody>
+          <a:bodyPr wrap="square" rtlCol="0">
+            <a:spAutoFit/>
+          </a:bodyPr>
+          <a:lstStyle/>
+          <a:p>
+            <a:r>
+              <a:rPr lang="en-US" sz="800" b="1" dirty="0">
+                <a:latin typeface="Hiragino Kaku Gothic ProN W6" panose="020B0300000000000000" pitchFamily="34" charset="-128"/>
+                <a:ea typeface="Hiragino Kaku Gothic ProN W6" panose="020B0300000000000000" pitchFamily="34" charset="-128"/>
+              </a:rPr>
+              <a:t>TraesCS4D02G145400</a:t>
+            </a:r>
+            <a:endParaRPr lang="en-JP" sz="800" b="1" dirty="0">
+              <a:latin typeface="Hiragino Kaku Gothic ProN W6" panose="020B0300000000000000" pitchFamily="34" charset="-128"/>
+              <a:ea typeface="Hiragino Kaku Gothic ProN W6" panose="020B0300000000000000" pitchFamily="34" charset="-128"/>
+            </a:endParaRPr>
+          </a:p>
+        </p:txBody>
+      </p:sp>
+      <p:sp>
+        <p:nvSpPr>
+          <p:cNvPr id="204" name="TextBox 203">
+            <a:extLst>
+              <a:ext uri="{FF2B5EF4-FFF2-40B4-BE49-F238E27FC236}">
+                <a16:creationId xmlns:a16="http://schemas.microsoft.com/office/drawing/2014/main" id="{9399348A-68BA-D24C-945E-6FBC4A29CC2A}"/>
+              </a:ext>
+            </a:extLst>
+          </p:cNvPr>
+          <p:cNvSpPr txBox="1"/>
+          <p:nvPr/>
+        </p:nvSpPr>
+        <p:spPr>
+          <a:xfrm>
+            <a:off x="1115459" y="5518490"/>
+            <a:ext cx="684803" cy="215444"/>
+          </a:xfrm>
+          <a:prstGeom prst="rect">
+            <a:avLst/>
+          </a:prstGeom>
+          <a:noFill/>
+        </p:spPr>
+        <p:txBody>
+          <a:bodyPr wrap="none" rtlCol="0">
+            <a:spAutoFit/>
+          </a:bodyPr>
+          <a:lstStyle/>
+          <a:p>
+            <a:r>
+              <a:rPr lang="en-JP" sz="800" b="1" dirty="0">
+                <a:latin typeface="Hiragino Kaku Gothic ProN W6" panose="020B0300000000000000" pitchFamily="34" charset="-128"/>
+                <a:ea typeface="Hiragino Kaku Gothic ProN W6" panose="020B0300000000000000" pitchFamily="34" charset="-128"/>
+              </a:rPr>
+              <a:t>3,500 bp</a:t>
+            </a:r>
+          </a:p>
+        </p:txBody>
+      </p:sp>
+      <p:cxnSp>
+        <p:nvCxnSpPr>
+          <p:cNvPr id="205" name="Straight Arrow Connector 204">
+            <a:extLst>
+              <a:ext uri="{FF2B5EF4-FFF2-40B4-BE49-F238E27FC236}">
+                <a16:creationId xmlns:a16="http://schemas.microsoft.com/office/drawing/2014/main" id="{C4E2172C-8951-1E48-A42E-3195F11A5FC4}"/>
+              </a:ext>
+            </a:extLst>
+          </p:cNvPr>
+          <p:cNvCxnSpPr>
+            <a:cxnSpLocks/>
+          </p:cNvCxnSpPr>
+          <p:nvPr/>
+        </p:nvCxnSpPr>
+        <p:spPr>
+          <a:xfrm>
+            <a:off x="764843" y="5711490"/>
+            <a:ext cx="2561390" cy="0"/>
+          </a:xfrm>
+          <a:prstGeom prst="straightConnector1">
+            <a:avLst/>
+          </a:prstGeom>
+          <a:ln w="15875">
+            <a:solidFill>
+              <a:schemeClr val="tx1"/>
+            </a:solidFill>
+            <a:headEnd type="triangle"/>
+            <a:tailEnd type="triangle"/>
+          </a:ln>
+        </p:spPr>
+        <p:style>
+          <a:lnRef idx="1">
+            <a:schemeClr val="accent1"/>
+          </a:lnRef>
+          <a:fillRef idx="0">
+            <a:schemeClr val="accent1"/>
+          </a:fillRef>
+          <a:effectRef idx="0">
+            <a:schemeClr val="accent1"/>
+          </a:effectRef>
+          <a:fontRef idx="minor">
+            <a:schemeClr val="tx1"/>
+          </a:fontRef>
+        </p:style>
+      </p:cxnSp>
+      <p:sp>
+        <p:nvSpPr>
+          <p:cNvPr id="206" name="TextBox 205">
+            <a:extLst>
+              <a:ext uri="{FF2B5EF4-FFF2-40B4-BE49-F238E27FC236}">
+                <a16:creationId xmlns:a16="http://schemas.microsoft.com/office/drawing/2014/main" id="{62AFE967-3BE3-014D-80BB-41C971ADBF4E}"/>
+              </a:ext>
+            </a:extLst>
+          </p:cNvPr>
+          <p:cNvSpPr txBox="1"/>
+          <p:nvPr/>
+        </p:nvSpPr>
+        <p:spPr>
+          <a:xfrm>
+            <a:off x="697457" y="5759330"/>
+            <a:ext cx="461472" cy="215444"/>
+          </a:xfrm>
+          <a:prstGeom prst="rect">
+            <a:avLst/>
+          </a:prstGeom>
+          <a:noFill/>
+        </p:spPr>
+        <p:txBody>
+          <a:bodyPr wrap="none" rtlCol="0">
+            <a:spAutoFit/>
+          </a:bodyPr>
+          <a:lstStyle/>
+          <a:p>
+            <a:r>
+              <a:rPr lang="en-JP" sz="800" b="1" dirty="0">
+                <a:latin typeface="Hiragino Kaku Gothic ProN W6" panose="020B0300000000000000" pitchFamily="34" charset="-128"/>
+                <a:ea typeface="Hiragino Kaku Gothic ProN W6" panose="020B0300000000000000" pitchFamily="34" charset="-128"/>
+              </a:rPr>
+              <a:t>IWGSC</a:t>
+            </a:r>
+          </a:p>
+        </p:txBody>
+      </p:sp>
+      <p:sp>
+        <p:nvSpPr>
+          <p:cNvPr id="207" name="TextBox 206">
+            <a:extLst>
+              <a:ext uri="{FF2B5EF4-FFF2-40B4-BE49-F238E27FC236}">
+                <a16:creationId xmlns:a16="http://schemas.microsoft.com/office/drawing/2014/main" id="{B6110737-EF3C-4E40-A917-417AD57893AD}"/>
+              </a:ext>
+            </a:extLst>
+          </p:cNvPr>
+          <p:cNvSpPr txBox="1"/>
+          <p:nvPr/>
+        </p:nvSpPr>
+        <p:spPr>
+          <a:xfrm>
+            <a:off x="661479" y="6070476"/>
+            <a:ext cx="635413" cy="215444"/>
+          </a:xfrm>
+          <a:prstGeom prst="rect">
+            <a:avLst/>
+          </a:prstGeom>
+          <a:noFill/>
+        </p:spPr>
+        <p:txBody>
+          <a:bodyPr wrap="none" rtlCol="0">
+            <a:spAutoFit/>
+          </a:bodyPr>
+          <a:lstStyle/>
+          <a:p>
+            <a:r>
+              <a:rPr lang="en-JP" sz="800" b="1" dirty="0">
+                <a:latin typeface="Hiragino Kaku Gothic ProN W6" panose="020B0300000000000000" pitchFamily="34" charset="-128"/>
+                <a:ea typeface="Hiragino Kaku Gothic ProN W6" panose="020B0300000000000000" pitchFamily="34" charset="-128"/>
+              </a:rPr>
+              <a:t>IWGSC+1k</a:t>
+            </a:r>
+          </a:p>
+        </p:txBody>
+      </p:sp>
+      <p:sp>
+        <p:nvSpPr>
+          <p:cNvPr id="208" name="Rectangle 207">
+            <a:extLst>
+              <a:ext uri="{FF2B5EF4-FFF2-40B4-BE49-F238E27FC236}">
+                <a16:creationId xmlns:a16="http://schemas.microsoft.com/office/drawing/2014/main" id="{31B90127-DF55-3A4D-AC43-16E812B1E809}"/>
+              </a:ext>
+            </a:extLst>
+          </p:cNvPr>
+          <p:cNvSpPr/>
+          <p:nvPr/>
+        </p:nvSpPr>
+        <p:spPr>
+          <a:xfrm>
+            <a:off x="1493704" y="6119131"/>
+            <a:ext cx="1723191" cy="109200"/>
+          </a:xfrm>
+          <a:prstGeom prst="rect">
+            <a:avLst/>
+          </a:prstGeom>
+          <a:solidFill>
+            <a:srgbClr val="FFC000"/>
+          </a:solidFill>
+          <a:ln>
+            <a:noFill/>
+          </a:ln>
+        </p:spPr>
+        <p:style>
+          <a:lnRef idx="2">
+            <a:schemeClr val="accent1">
+              <a:shade val="50000"/>
+            </a:schemeClr>
+          </a:lnRef>
+          <a:fillRef idx="1">
+            <a:schemeClr val="accent1"/>
+          </a:fillRef>
+          <a:effectRef idx="0">
+            <a:schemeClr val="accent1"/>
+          </a:effectRef>
+          <a:fontRef idx="minor">
+            <a:schemeClr val="lt1"/>
+          </a:fontRef>
+        </p:style>
+        <p:txBody>
+          <a:bodyPr rtlCol="0" anchor="ctr"/>
+          <a:lstStyle/>
+          <a:p>
+            <a:pPr algn="ctr"/>
+            <a:endParaRPr lang="en-JP"/>
+          </a:p>
+        </p:txBody>
+      </p:sp>
+      <p:sp>
+        <p:nvSpPr>
+          <p:cNvPr id="209" name="Rectangle 208">
+            <a:extLst>
+              <a:ext uri="{FF2B5EF4-FFF2-40B4-BE49-F238E27FC236}">
+                <a16:creationId xmlns:a16="http://schemas.microsoft.com/office/drawing/2014/main" id="{98FE704F-58D9-4A4F-8A2F-7446D247F28E}"/>
+              </a:ext>
+            </a:extLst>
+          </p:cNvPr>
+          <p:cNvSpPr/>
+          <p:nvPr/>
+        </p:nvSpPr>
+        <p:spPr>
+          <a:xfrm>
+            <a:off x="2439465" y="6256238"/>
+            <a:ext cx="797379" cy="109200"/>
+          </a:xfrm>
+          <a:prstGeom prst="rect">
+            <a:avLst/>
+          </a:prstGeom>
+          <a:solidFill>
+            <a:srgbClr val="FFC000"/>
+          </a:solidFill>
+          <a:ln>
+            <a:noFill/>
+          </a:ln>
+        </p:spPr>
+        <p:style>
+          <a:lnRef idx="2">
+            <a:schemeClr val="accent1">
+              <a:shade val="50000"/>
+            </a:schemeClr>
+          </a:lnRef>
+          <a:fillRef idx="1">
+            <a:schemeClr val="accent1"/>
+          </a:fillRef>
+          <a:effectRef idx="0">
+            <a:schemeClr val="accent1"/>
+          </a:effectRef>
+          <a:fontRef idx="minor">
+            <a:schemeClr val="lt1"/>
+          </a:fontRef>
+        </p:style>
+        <p:txBody>
+          <a:bodyPr rtlCol="0" anchor="ctr"/>
+          <a:lstStyle/>
+          <a:p>
+            <a:pPr algn="ctr"/>
+            <a:endParaRPr lang="en-JP"/>
+          </a:p>
+        </p:txBody>
+      </p:sp>
+      <p:sp>
+        <p:nvSpPr>
+          <p:cNvPr id="210" name="Triangle 209">
+            <a:extLst>
+              <a:ext uri="{FF2B5EF4-FFF2-40B4-BE49-F238E27FC236}">
+                <a16:creationId xmlns:a16="http://schemas.microsoft.com/office/drawing/2014/main" id="{2E2BF043-8C2C-9D4D-B52E-C54D7A3352E7}"/>
+              </a:ext>
+            </a:extLst>
+          </p:cNvPr>
+          <p:cNvSpPr/>
+          <p:nvPr/>
+        </p:nvSpPr>
+        <p:spPr>
+          <a:xfrm rot="5400000">
+            <a:off x="1546391" y="6144423"/>
+            <a:ext cx="82716" cy="58617"/>
+          </a:xfrm>
+          <a:prstGeom prst="triangle">
+            <a:avLst/>
+          </a:prstGeom>
+          <a:solidFill>
+            <a:schemeClr val="bg1"/>
+          </a:solidFill>
+          <a:ln>
+            <a:noFill/>
+          </a:ln>
+        </p:spPr>
+        <p:style>
+          <a:lnRef idx="2">
+            <a:schemeClr val="accent1">
+              <a:shade val="50000"/>
+            </a:schemeClr>
+          </a:lnRef>
+          <a:fillRef idx="1">
+            <a:schemeClr val="accent1"/>
+          </a:fillRef>
+          <a:effectRef idx="0">
+            <a:schemeClr val="accent1"/>
+          </a:effectRef>
+          <a:fontRef idx="minor">
+            <a:schemeClr val="lt1"/>
+          </a:fontRef>
+        </p:style>
+        <p:txBody>
+          <a:bodyPr rtlCol="0" anchor="ctr"/>
+          <a:lstStyle/>
+          <a:p>
+            <a:pPr algn="ctr"/>
+            <a:endParaRPr lang="en-JP"/>
+          </a:p>
+        </p:txBody>
+      </p:sp>
+      <p:sp>
+        <p:nvSpPr>
+          <p:cNvPr id="211" name="Triangle 210">
+            <a:extLst>
+              <a:ext uri="{FF2B5EF4-FFF2-40B4-BE49-F238E27FC236}">
+                <a16:creationId xmlns:a16="http://schemas.microsoft.com/office/drawing/2014/main" id="{EF683FC6-F088-3248-8443-E5A16910B6CB}"/>
+              </a:ext>
+            </a:extLst>
+          </p:cNvPr>
+          <p:cNvSpPr/>
+          <p:nvPr/>
+        </p:nvSpPr>
+        <p:spPr>
+          <a:xfrm rot="5400000">
+            <a:off x="2060130" y="6144423"/>
+            <a:ext cx="82716" cy="58617"/>
+          </a:xfrm>
+          <a:prstGeom prst="triangle">
+            <a:avLst/>
+          </a:prstGeom>
+          <a:solidFill>
+            <a:schemeClr val="bg1"/>
+          </a:solidFill>
+          <a:ln>
+            <a:noFill/>
+          </a:ln>
+        </p:spPr>
+        <p:style>
+          <a:lnRef idx="2">
+            <a:schemeClr val="accent1">
+              <a:shade val="50000"/>
+            </a:schemeClr>
+          </a:lnRef>
+          <a:fillRef idx="1">
+            <a:schemeClr val="accent1"/>
+          </a:fillRef>
+          <a:effectRef idx="0">
+            <a:schemeClr val="accent1"/>
+          </a:effectRef>
+          <a:fontRef idx="minor">
+            <a:schemeClr val="lt1"/>
+          </a:fontRef>
+        </p:style>
+        <p:txBody>
+          <a:bodyPr rtlCol="0" anchor="ctr"/>
+          <a:lstStyle/>
+          <a:p>
+            <a:pPr algn="ctr"/>
+            <a:endParaRPr lang="en-JP"/>
+          </a:p>
+        </p:txBody>
+      </p:sp>
+      <p:sp>
+        <p:nvSpPr>
+          <p:cNvPr id="212" name="Triangle 211">
+            <a:extLst>
+              <a:ext uri="{FF2B5EF4-FFF2-40B4-BE49-F238E27FC236}">
+                <a16:creationId xmlns:a16="http://schemas.microsoft.com/office/drawing/2014/main" id="{D57F2047-3015-344D-B2BD-DF8231E88548}"/>
+              </a:ext>
+            </a:extLst>
+          </p:cNvPr>
+          <p:cNvSpPr/>
+          <p:nvPr/>
+        </p:nvSpPr>
+        <p:spPr>
+          <a:xfrm rot="5400000">
+            <a:off x="2573870" y="6144423"/>
+            <a:ext cx="82716" cy="58617"/>
+          </a:xfrm>
+          <a:prstGeom prst="triangle">
+            <a:avLst/>
+          </a:prstGeom>
+          <a:solidFill>
+            <a:schemeClr val="bg1"/>
+          </a:solidFill>
+          <a:ln>
+            <a:noFill/>
+          </a:ln>
+        </p:spPr>
+        <p:style>
+          <a:lnRef idx="2">
+            <a:schemeClr val="accent1">
+              <a:shade val="50000"/>
+            </a:schemeClr>
+          </a:lnRef>
+          <a:fillRef idx="1">
+            <a:schemeClr val="accent1"/>
+          </a:fillRef>
+          <a:effectRef idx="0">
+            <a:schemeClr val="accent1"/>
+          </a:effectRef>
+          <a:fontRef idx="minor">
+            <a:schemeClr val="lt1"/>
+          </a:fontRef>
+        </p:style>
+        <p:txBody>
+          <a:bodyPr rtlCol="0" anchor="ctr"/>
+          <a:lstStyle/>
+          <a:p>
+            <a:pPr algn="ctr"/>
+            <a:endParaRPr lang="en-JP"/>
+          </a:p>
+        </p:txBody>
+      </p:sp>
+      <p:sp>
+        <p:nvSpPr>
+          <p:cNvPr id="213" name="Triangle 212">
+            <a:extLst>
+              <a:ext uri="{FF2B5EF4-FFF2-40B4-BE49-F238E27FC236}">
+                <a16:creationId xmlns:a16="http://schemas.microsoft.com/office/drawing/2014/main" id="{7FF9A769-ED01-AB48-A8F6-9C4E4F48BCEC}"/>
+              </a:ext>
+            </a:extLst>
+          </p:cNvPr>
+          <p:cNvSpPr/>
+          <p:nvPr/>
+        </p:nvSpPr>
+        <p:spPr>
+          <a:xfrm rot="5400000">
+            <a:off x="3087610" y="6144423"/>
+            <a:ext cx="82716" cy="58617"/>
+          </a:xfrm>
+          <a:prstGeom prst="triangle">
+            <a:avLst/>
+          </a:prstGeom>
+          <a:solidFill>
+            <a:schemeClr val="bg1"/>
+          </a:solidFill>
+          <a:ln>
+            <a:noFill/>
+          </a:ln>
+        </p:spPr>
+        <p:style>
+          <a:lnRef idx="2">
+            <a:schemeClr val="accent1">
+              <a:shade val="50000"/>
+            </a:schemeClr>
+          </a:lnRef>
+          <a:fillRef idx="1">
+            <a:schemeClr val="accent1"/>
+          </a:fillRef>
+          <a:effectRef idx="0">
+            <a:schemeClr val="accent1"/>
+          </a:effectRef>
+          <a:fontRef idx="minor">
+            <a:schemeClr val="lt1"/>
+          </a:fontRef>
+        </p:style>
+        <p:txBody>
+          <a:bodyPr rtlCol="0" anchor="ctr"/>
+          <a:lstStyle/>
+          <a:p>
+            <a:pPr algn="ctr"/>
+            <a:endParaRPr lang="en-JP"/>
+          </a:p>
+        </p:txBody>
+      </p:sp>
+      <p:sp>
+        <p:nvSpPr>
+          <p:cNvPr id="229" name="Triangle 228">
+            <a:extLst>
+              <a:ext uri="{FF2B5EF4-FFF2-40B4-BE49-F238E27FC236}">
+                <a16:creationId xmlns:a16="http://schemas.microsoft.com/office/drawing/2014/main" id="{67D9F9D0-73AA-564A-9130-8DA87CC489DB}"/>
+              </a:ext>
+            </a:extLst>
+          </p:cNvPr>
+          <p:cNvSpPr/>
+          <p:nvPr/>
+        </p:nvSpPr>
+        <p:spPr>
+          <a:xfrm rot="16200000">
+            <a:off x="2504189" y="6283291"/>
+            <a:ext cx="82716" cy="58617"/>
+          </a:xfrm>
+          <a:prstGeom prst="triangle">
+            <a:avLst/>
+          </a:prstGeom>
+          <a:solidFill>
+            <a:schemeClr val="bg1"/>
+          </a:solidFill>
+          <a:ln>
+            <a:noFill/>
+          </a:ln>
+        </p:spPr>
+        <p:style>
+          <a:lnRef idx="2">
+            <a:schemeClr val="accent1">
+              <a:shade val="50000"/>
+            </a:schemeClr>
+          </a:lnRef>
+          <a:fillRef idx="1">
+            <a:schemeClr val="accent1"/>
+          </a:fillRef>
+          <a:effectRef idx="0">
+            <a:schemeClr val="accent1"/>
+          </a:effectRef>
+          <a:fontRef idx="minor">
+            <a:schemeClr val="lt1"/>
+          </a:fontRef>
+        </p:style>
+        <p:txBody>
+          <a:bodyPr rtlCol="0" anchor="ctr"/>
+          <a:lstStyle/>
+          <a:p>
+            <a:pPr algn="ctr"/>
+            <a:endParaRPr lang="en-JP"/>
+          </a:p>
+        </p:txBody>
+      </p:sp>
+      <p:sp>
+        <p:nvSpPr>
+          <p:cNvPr id="230" name="Triangle 229">
+            <a:extLst>
+              <a:ext uri="{FF2B5EF4-FFF2-40B4-BE49-F238E27FC236}">
+                <a16:creationId xmlns:a16="http://schemas.microsoft.com/office/drawing/2014/main" id="{73E7B803-D0E1-384A-A0E8-4338628E6C44}"/>
+              </a:ext>
+            </a:extLst>
+          </p:cNvPr>
+          <p:cNvSpPr/>
+          <p:nvPr/>
+        </p:nvSpPr>
+        <p:spPr>
+          <a:xfrm rot="16200000">
+            <a:off x="3037147" y="6283291"/>
+            <a:ext cx="82716" cy="58617"/>
+          </a:xfrm>
+          <a:prstGeom prst="triangle">
+            <a:avLst/>
+          </a:prstGeom>
+          <a:solidFill>
+            <a:schemeClr val="bg1"/>
+          </a:solidFill>
+          <a:ln>
+            <a:noFill/>
+          </a:ln>
+        </p:spPr>
+        <p:style>
+          <a:lnRef idx="2">
+            <a:schemeClr val="accent1">
+              <a:shade val="50000"/>
+            </a:schemeClr>
+          </a:lnRef>
+          <a:fillRef idx="1">
+            <a:schemeClr val="accent1"/>
+          </a:fillRef>
+          <a:effectRef idx="0">
+            <a:schemeClr val="accent1"/>
+          </a:effectRef>
+          <a:fontRef idx="minor">
+            <a:schemeClr val="lt1"/>
+          </a:fontRef>
+        </p:style>
+        <p:txBody>
+          <a:bodyPr rtlCol="0" anchor="ctr"/>
+          <a:lstStyle/>
+          <a:p>
+            <a:pPr algn="ctr"/>
+            <a:endParaRPr lang="en-JP"/>
+          </a:p>
+        </p:txBody>
+      </p:sp>
+      <p:sp>
+        <p:nvSpPr>
+          <p:cNvPr id="231" name="TextBox 230">
+            <a:extLst>
+              <a:ext uri="{FF2B5EF4-FFF2-40B4-BE49-F238E27FC236}">
+                <a16:creationId xmlns:a16="http://schemas.microsoft.com/office/drawing/2014/main" id="{C20C19CE-E137-FD42-80CD-E97453ADEC79}"/>
+              </a:ext>
+            </a:extLst>
+          </p:cNvPr>
+          <p:cNvSpPr txBox="1"/>
+          <p:nvPr/>
+        </p:nvSpPr>
+        <p:spPr>
+          <a:xfrm>
+            <a:off x="1719458" y="8917668"/>
+            <a:ext cx="1484305" cy="215444"/>
+          </a:xfrm>
+          <a:prstGeom prst="rect">
+            <a:avLst/>
+          </a:prstGeom>
+          <a:noFill/>
+        </p:spPr>
+        <p:txBody>
+          <a:bodyPr wrap="square" rtlCol="0">
+            <a:spAutoFit/>
+          </a:bodyPr>
+          <a:lstStyle/>
+          <a:p>
+            <a:r>
+              <a:rPr lang="en-US" sz="800" b="1" dirty="0">
+                <a:latin typeface="Hiragino Kaku Gothic ProN W6" panose="020B0300000000000000" pitchFamily="34" charset="-128"/>
+                <a:ea typeface="Hiragino Kaku Gothic ProN W6" panose="020B0300000000000000" pitchFamily="34" charset="-128"/>
+              </a:rPr>
+              <a:t>TraesCS4D02G263300</a:t>
+            </a:r>
+            <a:endParaRPr lang="en-JP" sz="800" b="1" dirty="0">
+              <a:latin typeface="Hiragino Kaku Gothic ProN W6" panose="020B0300000000000000" pitchFamily="34" charset="-128"/>
+              <a:ea typeface="Hiragino Kaku Gothic ProN W6" panose="020B0300000000000000" pitchFamily="34" charset="-128"/>
+            </a:endParaRPr>
+          </a:p>
+        </p:txBody>
+      </p:sp>
+      <p:sp>
+        <p:nvSpPr>
+          <p:cNvPr id="232" name="TextBox 231">
+            <a:extLst>
+              <a:ext uri="{FF2B5EF4-FFF2-40B4-BE49-F238E27FC236}">
+                <a16:creationId xmlns:a16="http://schemas.microsoft.com/office/drawing/2014/main" id="{B2CA0D04-BD8D-5145-9D1E-6878D19C12A9}"/>
+              </a:ext>
+            </a:extLst>
+          </p:cNvPr>
+          <p:cNvSpPr txBox="1"/>
+          <p:nvPr/>
+        </p:nvSpPr>
+        <p:spPr>
+          <a:xfrm>
+            <a:off x="1752249" y="8530841"/>
+            <a:ext cx="684803" cy="215444"/>
+          </a:xfrm>
+          <a:prstGeom prst="rect">
+            <a:avLst/>
+          </a:prstGeom>
+          <a:noFill/>
+        </p:spPr>
+        <p:txBody>
+          <a:bodyPr wrap="none" rtlCol="0">
+            <a:spAutoFit/>
+          </a:bodyPr>
+          <a:lstStyle/>
+          <a:p>
+            <a:r>
+              <a:rPr lang="en-JP" sz="800" b="1" dirty="0">
+                <a:latin typeface="Hiragino Kaku Gothic ProN W6" panose="020B0300000000000000" pitchFamily="34" charset="-128"/>
+                <a:ea typeface="Hiragino Kaku Gothic ProN W6" panose="020B0300000000000000" pitchFamily="34" charset="-128"/>
+              </a:rPr>
+              <a:t>5,000 bp</a:t>
+            </a:r>
+          </a:p>
+        </p:txBody>
+      </p:sp>
+      <p:cxnSp>
+        <p:nvCxnSpPr>
+          <p:cNvPr id="233" name="Straight Arrow Connector 232">
+            <a:extLst>
+              <a:ext uri="{FF2B5EF4-FFF2-40B4-BE49-F238E27FC236}">
+                <a16:creationId xmlns:a16="http://schemas.microsoft.com/office/drawing/2014/main" id="{B11CE706-BBF2-434A-97EB-D2B0171D8DDC}"/>
+              </a:ext>
+            </a:extLst>
+          </p:cNvPr>
+          <p:cNvCxnSpPr>
+            <a:cxnSpLocks/>
+          </p:cNvCxnSpPr>
+          <p:nvPr/>
+        </p:nvCxnSpPr>
+        <p:spPr>
+          <a:xfrm>
+            <a:off x="671167" y="8723841"/>
+            <a:ext cx="2449098" cy="0"/>
+          </a:xfrm>
+          <a:prstGeom prst="straightConnector1">
+            <a:avLst/>
+          </a:prstGeom>
+          <a:ln w="15875">
+            <a:solidFill>
+              <a:schemeClr val="tx1"/>
+            </a:solidFill>
+            <a:headEnd type="triangle"/>
+            <a:tailEnd type="triangle"/>
+          </a:ln>
+        </p:spPr>
+        <p:style>
+          <a:lnRef idx="1">
+            <a:schemeClr val="accent1"/>
+          </a:lnRef>
+          <a:fillRef idx="0">
+            <a:schemeClr val="accent1"/>
+          </a:fillRef>
+          <a:effectRef idx="0">
+            <a:schemeClr val="accent1"/>
+          </a:effectRef>
+          <a:fontRef idx="minor">
+            <a:schemeClr val="tx1"/>
+          </a:fontRef>
+        </p:style>
+      </p:cxnSp>
+      <p:sp>
+        <p:nvSpPr>
+          <p:cNvPr id="234" name="TextBox 233">
+            <a:extLst>
+              <a:ext uri="{FF2B5EF4-FFF2-40B4-BE49-F238E27FC236}">
+                <a16:creationId xmlns:a16="http://schemas.microsoft.com/office/drawing/2014/main" id="{774C0269-7ECC-D247-8392-ECB6FE1D985A}"/>
+              </a:ext>
+            </a:extLst>
+          </p:cNvPr>
+          <p:cNvSpPr txBox="1"/>
+          <p:nvPr/>
+        </p:nvSpPr>
+        <p:spPr>
+          <a:xfrm>
+            <a:off x="1429782" y="9245626"/>
+            <a:ext cx="1546166" cy="215444"/>
+          </a:xfrm>
+          <a:prstGeom prst="rect">
+            <a:avLst/>
+          </a:prstGeom>
+          <a:noFill/>
+        </p:spPr>
+        <p:txBody>
+          <a:bodyPr wrap="square" rtlCol="0">
+            <a:spAutoFit/>
+          </a:bodyPr>
+          <a:lstStyle/>
+          <a:p>
+            <a:r>
+              <a:rPr lang="en-US" sz="800" b="1" dirty="0">
+                <a:latin typeface="Hiragino Kaku Gothic ProN W6" panose="020B0300000000000000" pitchFamily="34" charset="-128"/>
+                <a:ea typeface="Hiragino Kaku Gothic ProN W6" panose="020B0300000000000000" pitchFamily="34" charset="-128"/>
+              </a:rPr>
+              <a:t>TraesCS4D02G263400</a:t>
+            </a:r>
+            <a:endParaRPr lang="en-JP" sz="800" b="1" dirty="0">
+              <a:latin typeface="Hiragino Kaku Gothic ProN W6" panose="020B0300000000000000" pitchFamily="34" charset="-128"/>
+              <a:ea typeface="Hiragino Kaku Gothic ProN W6" panose="020B0300000000000000" pitchFamily="34" charset="-128"/>
+            </a:endParaRPr>
+          </a:p>
+        </p:txBody>
+      </p:sp>
+      <p:sp>
+        <p:nvSpPr>
+          <p:cNvPr id="235" name="Rectangle 234">
+            <a:extLst>
+              <a:ext uri="{FF2B5EF4-FFF2-40B4-BE49-F238E27FC236}">
+                <a16:creationId xmlns:a16="http://schemas.microsoft.com/office/drawing/2014/main" id="{CF355C9D-9CC4-BD40-A820-7C37AD968665}"/>
+              </a:ext>
+            </a:extLst>
+          </p:cNvPr>
+          <p:cNvSpPr/>
+          <p:nvPr/>
+        </p:nvSpPr>
+        <p:spPr>
+          <a:xfrm>
+            <a:off x="1132111" y="9499695"/>
+            <a:ext cx="1999245" cy="109200"/>
+          </a:xfrm>
+          <a:prstGeom prst="rect">
+            <a:avLst/>
+          </a:prstGeom>
+          <a:solidFill>
+            <a:srgbClr val="FFC000"/>
+          </a:solidFill>
+          <a:ln>
+            <a:noFill/>
+          </a:ln>
+        </p:spPr>
+        <p:style>
+          <a:lnRef idx="2">
+            <a:schemeClr val="accent1">
+              <a:shade val="50000"/>
+            </a:schemeClr>
+          </a:lnRef>
+          <a:fillRef idx="1">
+            <a:schemeClr val="accent1"/>
+          </a:fillRef>
+          <a:effectRef idx="0">
+            <a:schemeClr val="accent1"/>
+          </a:effectRef>
+          <a:fontRef idx="minor">
+            <a:schemeClr val="lt1"/>
+          </a:fontRef>
+        </p:style>
+        <p:txBody>
+          <a:bodyPr rtlCol="0" anchor="ctr"/>
+          <a:lstStyle/>
+          <a:p>
+            <a:pPr algn="ctr"/>
+            <a:endParaRPr lang="en-JP"/>
+          </a:p>
+        </p:txBody>
+      </p:sp>
+      <p:sp>
+        <p:nvSpPr>
+          <p:cNvPr id="236" name="Triangle 235">
+            <a:extLst>
+              <a:ext uri="{FF2B5EF4-FFF2-40B4-BE49-F238E27FC236}">
+                <a16:creationId xmlns:a16="http://schemas.microsoft.com/office/drawing/2014/main" id="{9A3A2592-19F8-E541-9A62-2C72C5179D10}"/>
+              </a:ext>
+            </a:extLst>
+          </p:cNvPr>
+          <p:cNvSpPr/>
+          <p:nvPr/>
+        </p:nvSpPr>
+        <p:spPr>
+          <a:xfrm rot="5400000">
+            <a:off x="1635965" y="9525178"/>
+            <a:ext cx="82716" cy="58235"/>
+          </a:xfrm>
+          <a:prstGeom prst="triangle">
+            <a:avLst/>
+          </a:prstGeom>
+          <a:solidFill>
+            <a:schemeClr val="bg1"/>
+          </a:solidFill>
+          <a:ln>
+            <a:noFill/>
+          </a:ln>
+        </p:spPr>
+        <p:style>
+          <a:lnRef idx="2">
+            <a:schemeClr val="accent1">
+              <a:shade val="50000"/>
+            </a:schemeClr>
+          </a:lnRef>
+          <a:fillRef idx="1">
+            <a:schemeClr val="accent1"/>
+          </a:fillRef>
+          <a:effectRef idx="0">
+            <a:schemeClr val="accent1"/>
+          </a:effectRef>
+          <a:fontRef idx="minor">
+            <a:schemeClr val="lt1"/>
+          </a:fontRef>
+        </p:style>
+        <p:txBody>
+          <a:bodyPr rtlCol="0" anchor="ctr"/>
+          <a:lstStyle/>
+          <a:p>
+            <a:pPr algn="ctr"/>
+            <a:endParaRPr lang="en-JP"/>
+          </a:p>
+        </p:txBody>
+      </p:sp>
+      <p:sp>
+        <p:nvSpPr>
+          <p:cNvPr id="237" name="Triangle 236">
+            <a:extLst>
+              <a:ext uri="{FF2B5EF4-FFF2-40B4-BE49-F238E27FC236}">
+                <a16:creationId xmlns:a16="http://schemas.microsoft.com/office/drawing/2014/main" id="{666D3A3A-CCCF-B846-9107-1B4BB2507F2F}"/>
+              </a:ext>
+            </a:extLst>
+          </p:cNvPr>
+          <p:cNvSpPr/>
+          <p:nvPr/>
+        </p:nvSpPr>
+        <p:spPr>
+          <a:xfrm rot="5400000">
+            <a:off x="2078546" y="9525178"/>
+            <a:ext cx="82716" cy="58235"/>
+          </a:xfrm>
+          <a:prstGeom prst="triangle">
+            <a:avLst/>
+          </a:prstGeom>
+          <a:solidFill>
+            <a:schemeClr val="bg1"/>
+          </a:solidFill>
+          <a:ln>
+            <a:noFill/>
+          </a:ln>
+        </p:spPr>
+        <p:style>
+          <a:lnRef idx="2">
+            <a:schemeClr val="accent1">
+              <a:shade val="50000"/>
+            </a:schemeClr>
+          </a:lnRef>
+          <a:fillRef idx="1">
+            <a:schemeClr val="accent1"/>
+          </a:fillRef>
+          <a:effectRef idx="0">
+            <a:schemeClr val="accent1"/>
+          </a:effectRef>
+          <a:fontRef idx="minor">
+            <a:schemeClr val="lt1"/>
+          </a:fontRef>
+        </p:style>
+        <p:txBody>
+          <a:bodyPr rtlCol="0" anchor="ctr"/>
+          <a:lstStyle/>
+          <a:p>
+            <a:pPr algn="ctr"/>
+            <a:endParaRPr lang="en-JP"/>
+          </a:p>
+        </p:txBody>
+      </p:sp>
+      <p:sp>
+        <p:nvSpPr>
+          <p:cNvPr id="238" name="Triangle 237">
+            <a:extLst>
+              <a:ext uri="{FF2B5EF4-FFF2-40B4-BE49-F238E27FC236}">
+                <a16:creationId xmlns:a16="http://schemas.microsoft.com/office/drawing/2014/main" id="{4F80BCF9-8809-6E43-8CA4-39B3E626350B}"/>
+              </a:ext>
+            </a:extLst>
+          </p:cNvPr>
+          <p:cNvSpPr/>
+          <p:nvPr/>
+        </p:nvSpPr>
+        <p:spPr>
+          <a:xfrm rot="5400000">
+            <a:off x="1193383" y="9525178"/>
+            <a:ext cx="82716" cy="58235"/>
+          </a:xfrm>
+          <a:prstGeom prst="triangle">
+            <a:avLst/>
+          </a:prstGeom>
+          <a:solidFill>
+            <a:schemeClr val="bg1"/>
+          </a:solidFill>
+          <a:ln>
+            <a:noFill/>
+          </a:ln>
+        </p:spPr>
+        <p:style>
+          <a:lnRef idx="2">
+            <a:schemeClr val="accent1">
+              <a:shade val="50000"/>
+            </a:schemeClr>
+          </a:lnRef>
+          <a:fillRef idx="1">
+            <a:schemeClr val="accent1"/>
+          </a:fillRef>
+          <a:effectRef idx="0">
+            <a:schemeClr val="accent1"/>
+          </a:effectRef>
+          <a:fontRef idx="minor">
+            <a:schemeClr val="lt1"/>
+          </a:fontRef>
+        </p:style>
+        <p:txBody>
+          <a:bodyPr rtlCol="0" anchor="ctr"/>
+          <a:lstStyle/>
+          <a:p>
+            <a:pPr algn="ctr"/>
+            <a:endParaRPr lang="en-JP"/>
+          </a:p>
+        </p:txBody>
+      </p:sp>
+      <p:sp>
+        <p:nvSpPr>
+          <p:cNvPr id="239" name="Triangle 238">
+            <a:extLst>
+              <a:ext uri="{FF2B5EF4-FFF2-40B4-BE49-F238E27FC236}">
+                <a16:creationId xmlns:a16="http://schemas.microsoft.com/office/drawing/2014/main" id="{497B910D-2B01-1145-9C3C-666131793F43}"/>
+              </a:ext>
+            </a:extLst>
+          </p:cNvPr>
+          <p:cNvSpPr/>
+          <p:nvPr/>
+        </p:nvSpPr>
+        <p:spPr>
+          <a:xfrm rot="5400000">
+            <a:off x="2521127" y="9525178"/>
+            <a:ext cx="82716" cy="58235"/>
+          </a:xfrm>
+          <a:prstGeom prst="triangle">
+            <a:avLst/>
+          </a:prstGeom>
+          <a:solidFill>
+            <a:schemeClr val="bg1"/>
+          </a:solidFill>
+          <a:ln>
+            <a:noFill/>
+          </a:ln>
+        </p:spPr>
+        <p:style>
+          <a:lnRef idx="2">
+            <a:schemeClr val="accent1">
+              <a:shade val="50000"/>
+            </a:schemeClr>
+          </a:lnRef>
+          <a:fillRef idx="1">
+            <a:schemeClr val="accent1"/>
+          </a:fillRef>
+          <a:effectRef idx="0">
+            <a:schemeClr val="accent1"/>
+          </a:effectRef>
+          <a:fontRef idx="minor">
+            <a:schemeClr val="lt1"/>
+          </a:fontRef>
+        </p:style>
+        <p:txBody>
+          <a:bodyPr rtlCol="0" anchor="ctr"/>
+          <a:lstStyle/>
+          <a:p>
+            <a:pPr algn="ctr"/>
+            <a:endParaRPr lang="en-JP"/>
+          </a:p>
+        </p:txBody>
+      </p:sp>
+      <p:sp>
+        <p:nvSpPr>
+          <p:cNvPr id="240" name="Triangle 239">
+            <a:extLst>
+              <a:ext uri="{FF2B5EF4-FFF2-40B4-BE49-F238E27FC236}">
+                <a16:creationId xmlns:a16="http://schemas.microsoft.com/office/drawing/2014/main" id="{2F35834C-552B-734E-AD02-193C3BEC8BFA}"/>
+              </a:ext>
+            </a:extLst>
+          </p:cNvPr>
+          <p:cNvSpPr/>
+          <p:nvPr/>
+        </p:nvSpPr>
+        <p:spPr>
+          <a:xfrm rot="5400000">
+            <a:off x="2963708" y="9525178"/>
+            <a:ext cx="82716" cy="58235"/>
+          </a:xfrm>
+          <a:prstGeom prst="triangle">
+            <a:avLst/>
+          </a:prstGeom>
+          <a:solidFill>
+            <a:schemeClr val="bg1"/>
+          </a:solidFill>
+          <a:ln>
+            <a:noFill/>
+          </a:ln>
+        </p:spPr>
+        <p:style>
+          <a:lnRef idx="2">
+            <a:schemeClr val="accent1">
+              <a:shade val="50000"/>
+            </a:schemeClr>
+          </a:lnRef>
+          <a:fillRef idx="1">
+            <a:schemeClr val="accent1"/>
+          </a:fillRef>
+          <a:effectRef idx="0">
+            <a:schemeClr val="accent1"/>
+          </a:effectRef>
+          <a:fontRef idx="minor">
+            <a:schemeClr val="lt1"/>
+          </a:fontRef>
+        </p:style>
+        <p:txBody>
+          <a:bodyPr rtlCol="0" anchor="ctr"/>
+          <a:lstStyle/>
+          <a:p>
+            <a:pPr algn="ctr"/>
+            <a:endParaRPr lang="en-JP"/>
+          </a:p>
+        </p:txBody>
+      </p:sp>
+      <p:sp>
+        <p:nvSpPr>
+          <p:cNvPr id="241" name="Rectangle 240">
+            <a:extLst>
+              <a:ext uri="{FF2B5EF4-FFF2-40B4-BE49-F238E27FC236}">
+                <a16:creationId xmlns:a16="http://schemas.microsoft.com/office/drawing/2014/main" id="{7EEF36D6-EC62-A74A-9C00-D23D2263154C}"/>
+              </a:ext>
+            </a:extLst>
+          </p:cNvPr>
+          <p:cNvSpPr/>
+          <p:nvPr/>
+        </p:nvSpPr>
+        <p:spPr>
+          <a:xfrm>
+            <a:off x="666782" y="9635324"/>
+            <a:ext cx="479160" cy="109200"/>
+          </a:xfrm>
+          <a:prstGeom prst="rect">
+            <a:avLst/>
+          </a:prstGeom>
+          <a:solidFill>
+            <a:srgbClr val="FFC000"/>
+          </a:solidFill>
+          <a:ln>
+            <a:noFill/>
+          </a:ln>
+        </p:spPr>
+        <p:style>
+          <a:lnRef idx="2">
+            <a:schemeClr val="accent1">
+              <a:shade val="50000"/>
+            </a:schemeClr>
+          </a:lnRef>
+          <a:fillRef idx="1">
+            <a:schemeClr val="accent1"/>
+          </a:fillRef>
+          <a:effectRef idx="0">
+            <a:schemeClr val="accent1"/>
+          </a:effectRef>
+          <a:fontRef idx="minor">
+            <a:schemeClr val="lt1"/>
+          </a:fontRef>
+        </p:style>
+        <p:txBody>
+          <a:bodyPr rtlCol="0" anchor="ctr"/>
+          <a:lstStyle/>
+          <a:p>
+            <a:pPr algn="ctr"/>
+            <a:endParaRPr lang="en-JP"/>
+          </a:p>
+        </p:txBody>
+      </p:sp>
+      <p:sp>
+        <p:nvSpPr>
+          <p:cNvPr id="242" name="Triangle 241">
+            <a:extLst>
+              <a:ext uri="{FF2B5EF4-FFF2-40B4-BE49-F238E27FC236}">
+                <a16:creationId xmlns:a16="http://schemas.microsoft.com/office/drawing/2014/main" id="{3D6A3D2F-A68F-EF48-B5CC-210A435918EA}"/>
+              </a:ext>
+            </a:extLst>
+          </p:cNvPr>
+          <p:cNvSpPr/>
+          <p:nvPr/>
+        </p:nvSpPr>
+        <p:spPr>
+          <a:xfrm rot="5400000">
+            <a:off x="979590" y="9661524"/>
+            <a:ext cx="82716" cy="58235"/>
+          </a:xfrm>
+          <a:prstGeom prst="triangle">
+            <a:avLst/>
+          </a:prstGeom>
+          <a:solidFill>
+            <a:schemeClr val="bg1"/>
+          </a:solidFill>
+          <a:ln>
+            <a:noFill/>
+          </a:ln>
+        </p:spPr>
+        <p:style>
+          <a:lnRef idx="2">
+            <a:schemeClr val="accent1">
+              <a:shade val="50000"/>
+            </a:schemeClr>
+          </a:lnRef>
+          <a:fillRef idx="1">
+            <a:schemeClr val="accent1"/>
+          </a:fillRef>
+          <a:effectRef idx="0">
+            <a:schemeClr val="accent1"/>
+          </a:effectRef>
+          <a:fontRef idx="minor">
+            <a:schemeClr val="lt1"/>
+          </a:fontRef>
+        </p:style>
+        <p:txBody>
+          <a:bodyPr rtlCol="0" anchor="ctr"/>
+          <a:lstStyle/>
+          <a:p>
+            <a:pPr algn="ctr"/>
+            <a:endParaRPr lang="en-JP"/>
+          </a:p>
+        </p:txBody>
+      </p:sp>
+      <p:sp>
+        <p:nvSpPr>
+          <p:cNvPr id="243" name="Triangle 242">
+            <a:extLst>
+              <a:ext uri="{FF2B5EF4-FFF2-40B4-BE49-F238E27FC236}">
+                <a16:creationId xmlns:a16="http://schemas.microsoft.com/office/drawing/2014/main" id="{EA87CED6-0E3A-8249-9379-A4E2E4316AD6}"/>
+              </a:ext>
+            </a:extLst>
+          </p:cNvPr>
+          <p:cNvSpPr/>
+          <p:nvPr/>
+        </p:nvSpPr>
+        <p:spPr>
+          <a:xfrm rot="5400000">
+            <a:off x="758299" y="9661524"/>
+            <a:ext cx="82716" cy="58235"/>
+          </a:xfrm>
+          <a:prstGeom prst="triangle">
+            <a:avLst/>
+          </a:prstGeom>
+          <a:solidFill>
+            <a:schemeClr val="bg1"/>
+          </a:solidFill>
+          <a:ln>
+            <a:noFill/>
+          </a:ln>
+        </p:spPr>
+        <p:style>
+          <a:lnRef idx="2">
+            <a:schemeClr val="accent1">
+              <a:shade val="50000"/>
+            </a:schemeClr>
+          </a:lnRef>
+          <a:fillRef idx="1">
+            <a:schemeClr val="accent1"/>
+          </a:fillRef>
+          <a:effectRef idx="0">
+            <a:schemeClr val="accent1"/>
+          </a:effectRef>
+          <a:fontRef idx="minor">
+            <a:schemeClr val="lt1"/>
+          </a:fontRef>
+        </p:style>
+        <p:txBody>
+          <a:bodyPr rtlCol="0" anchor="ctr"/>
+          <a:lstStyle/>
+          <a:p>
+            <a:pPr algn="ctr"/>
+            <a:endParaRPr lang="en-JP"/>
+          </a:p>
+        </p:txBody>
+      </p:sp>
+      <p:sp>
+        <p:nvSpPr>
+          <p:cNvPr id="244" name="Rectangle 243">
+            <a:extLst>
+              <a:ext uri="{FF2B5EF4-FFF2-40B4-BE49-F238E27FC236}">
+                <a16:creationId xmlns:a16="http://schemas.microsoft.com/office/drawing/2014/main" id="{F6D398E0-BFD7-D54E-97BA-02E4E8236A01}"/>
+              </a:ext>
+            </a:extLst>
+          </p:cNvPr>
+          <p:cNvSpPr/>
+          <p:nvPr/>
+        </p:nvSpPr>
+        <p:spPr>
+          <a:xfrm>
+            <a:off x="1854560" y="9635324"/>
+            <a:ext cx="911420" cy="109200"/>
+          </a:xfrm>
+          <a:prstGeom prst="rect">
+            <a:avLst/>
+          </a:prstGeom>
+          <a:solidFill>
+            <a:srgbClr val="FFC000"/>
+          </a:solidFill>
+          <a:ln>
+            <a:noFill/>
+          </a:ln>
+        </p:spPr>
+        <p:style>
+          <a:lnRef idx="2">
+            <a:schemeClr val="accent1">
+              <a:shade val="50000"/>
+            </a:schemeClr>
+          </a:lnRef>
+          <a:fillRef idx="1">
+            <a:schemeClr val="accent1"/>
+          </a:fillRef>
+          <a:effectRef idx="0">
+            <a:schemeClr val="accent1"/>
+          </a:effectRef>
+          <a:fontRef idx="minor">
+            <a:schemeClr val="lt1"/>
+          </a:fontRef>
+        </p:style>
+        <p:txBody>
+          <a:bodyPr rtlCol="0" anchor="ctr"/>
+          <a:lstStyle/>
+          <a:p>
+            <a:pPr algn="ctr"/>
+            <a:endParaRPr lang="en-JP"/>
+          </a:p>
+        </p:txBody>
+      </p:sp>
+      <p:sp>
+        <p:nvSpPr>
+          <p:cNvPr id="245" name="Triangle 244">
+            <a:extLst>
+              <a:ext uri="{FF2B5EF4-FFF2-40B4-BE49-F238E27FC236}">
+                <a16:creationId xmlns:a16="http://schemas.microsoft.com/office/drawing/2014/main" id="{B20D09A1-A373-714B-A856-2097FFBA237B}"/>
+              </a:ext>
+            </a:extLst>
+          </p:cNvPr>
+          <p:cNvSpPr/>
+          <p:nvPr/>
+        </p:nvSpPr>
+        <p:spPr>
+          <a:xfrm rot="5400000">
+            <a:off x="1903827" y="9660807"/>
+            <a:ext cx="82716" cy="58235"/>
+          </a:xfrm>
+          <a:prstGeom prst="triangle">
+            <a:avLst/>
+          </a:prstGeom>
+          <a:solidFill>
+            <a:schemeClr val="bg1"/>
+          </a:solidFill>
+          <a:ln>
+            <a:noFill/>
+          </a:ln>
+        </p:spPr>
+        <p:style>
+          <a:lnRef idx="2">
+            <a:schemeClr val="accent1">
+              <a:shade val="50000"/>
+            </a:schemeClr>
+          </a:lnRef>
+          <a:fillRef idx="1">
+            <a:schemeClr val="accent1"/>
+          </a:fillRef>
+          <a:effectRef idx="0">
+            <a:schemeClr val="accent1"/>
+          </a:effectRef>
+          <a:fontRef idx="minor">
+            <a:schemeClr val="lt1"/>
+          </a:fontRef>
+        </p:style>
+        <p:txBody>
+          <a:bodyPr rtlCol="0" anchor="ctr"/>
+          <a:lstStyle/>
+          <a:p>
+            <a:pPr algn="ctr"/>
+            <a:endParaRPr lang="en-JP"/>
+          </a:p>
+        </p:txBody>
+      </p:sp>
+      <p:sp>
+        <p:nvSpPr>
+          <p:cNvPr id="246" name="Triangle 245">
+            <a:extLst>
+              <a:ext uri="{FF2B5EF4-FFF2-40B4-BE49-F238E27FC236}">
+                <a16:creationId xmlns:a16="http://schemas.microsoft.com/office/drawing/2014/main" id="{F11980E3-41F0-1A4F-8D4A-8B6B4246A373}"/>
+              </a:ext>
+            </a:extLst>
+          </p:cNvPr>
+          <p:cNvSpPr/>
+          <p:nvPr/>
+        </p:nvSpPr>
+        <p:spPr>
+          <a:xfrm rot="5400000">
+            <a:off x="2270476" y="9660807"/>
+            <a:ext cx="82716" cy="58235"/>
+          </a:xfrm>
+          <a:prstGeom prst="triangle">
+            <a:avLst/>
+          </a:prstGeom>
+          <a:solidFill>
+            <a:schemeClr val="bg1"/>
+          </a:solidFill>
+          <a:ln>
+            <a:noFill/>
+          </a:ln>
+        </p:spPr>
+        <p:style>
+          <a:lnRef idx="2">
+            <a:schemeClr val="accent1">
+              <a:shade val="50000"/>
+            </a:schemeClr>
+          </a:lnRef>
+          <a:fillRef idx="1">
+            <a:schemeClr val="accent1"/>
+          </a:fillRef>
+          <a:effectRef idx="0">
+            <a:schemeClr val="accent1"/>
+          </a:effectRef>
+          <a:fontRef idx="minor">
+            <a:schemeClr val="lt1"/>
+          </a:fontRef>
+        </p:style>
+        <p:txBody>
+          <a:bodyPr rtlCol="0" anchor="ctr"/>
+          <a:lstStyle/>
+          <a:p>
+            <a:pPr algn="ctr"/>
+            <a:endParaRPr lang="en-JP"/>
+          </a:p>
+        </p:txBody>
+      </p:sp>
+      <p:sp>
+        <p:nvSpPr>
+          <p:cNvPr id="247" name="Triangle 246">
+            <a:extLst>
+              <a:ext uri="{FF2B5EF4-FFF2-40B4-BE49-F238E27FC236}">
+                <a16:creationId xmlns:a16="http://schemas.microsoft.com/office/drawing/2014/main" id="{028FF5CE-09F6-F74C-958C-7478FB82D1DD}"/>
+              </a:ext>
+            </a:extLst>
+          </p:cNvPr>
+          <p:cNvSpPr/>
+          <p:nvPr/>
+        </p:nvSpPr>
+        <p:spPr>
+          <a:xfrm rot="5400000">
+            <a:off x="2637124" y="9660807"/>
+            <a:ext cx="82716" cy="58235"/>
+          </a:xfrm>
+          <a:prstGeom prst="triangle">
+            <a:avLst/>
+          </a:prstGeom>
+          <a:solidFill>
+            <a:schemeClr val="bg1"/>
+          </a:solidFill>
+          <a:ln>
+            <a:noFill/>
+          </a:ln>
+        </p:spPr>
+        <p:style>
+          <a:lnRef idx="2">
+            <a:schemeClr val="accent1">
+              <a:shade val="50000"/>
+            </a:schemeClr>
+          </a:lnRef>
+          <a:fillRef idx="1">
+            <a:schemeClr val="accent1"/>
+          </a:fillRef>
+          <a:effectRef idx="0">
+            <a:schemeClr val="accent1"/>
+          </a:effectRef>
+          <a:fontRef idx="minor">
+            <a:schemeClr val="lt1"/>
+          </a:fontRef>
+        </p:style>
+        <p:txBody>
+          <a:bodyPr rtlCol="0" anchor="ctr"/>
+          <a:lstStyle/>
+          <a:p>
+            <a:pPr algn="ctr"/>
+            <a:endParaRPr lang="en-JP"/>
+          </a:p>
+        </p:txBody>
+      </p:sp>
+      <p:pic>
+        <p:nvPicPr>
+          <p:cNvPr id="248" name="Picture 247">
+            <a:extLst>
+              <a:ext uri="{FF2B5EF4-FFF2-40B4-BE49-F238E27FC236}">
+                <a16:creationId xmlns:a16="http://schemas.microsoft.com/office/drawing/2014/main" id="{FD4D9243-B095-A74D-AF36-E2DAFF790F9C}"/>
+              </a:ext>
+            </a:extLst>
+          </p:cNvPr>
+          <p:cNvPicPr>
+            <a:picLocks noChangeAspect="1"/>
+          </p:cNvPicPr>
+          <p:nvPr/>
+        </p:nvPicPr>
+        <p:blipFill rotWithShape="1">
+          <a:blip r:embed="rId7"/>
+          <a:srcRect l="82500" t="27704" r="2499" b="39939"/>
+          <a:stretch/>
+        </p:blipFill>
+        <p:spPr>
+          <a:xfrm>
+            <a:off x="763883" y="3621455"/>
+            <a:ext cx="559997" cy="805212"/>
+          </a:xfrm>
+          <a:prstGeom prst="rect">
+            <a:avLst/>
+          </a:prstGeom>
+        </p:spPr>
+      </p:pic>
+      <p:sp>
+        <p:nvSpPr>
+          <p:cNvPr id="249" name="Rectangle 248">
+            <a:extLst>
+              <a:ext uri="{FF2B5EF4-FFF2-40B4-BE49-F238E27FC236}">
+                <a16:creationId xmlns:a16="http://schemas.microsoft.com/office/drawing/2014/main" id="{F88C47C0-EE90-DC40-8174-0A4D3D9E8739}"/>
+              </a:ext>
+            </a:extLst>
+          </p:cNvPr>
+          <p:cNvSpPr/>
+          <p:nvPr/>
+        </p:nvSpPr>
+        <p:spPr>
+          <a:xfrm>
+            <a:off x="1500723" y="5785525"/>
+            <a:ext cx="18000" cy="127168"/>
+          </a:xfrm>
+          <a:prstGeom prst="rect">
+            <a:avLst/>
+          </a:prstGeom>
+          <a:solidFill>
+            <a:srgbClr val="002060"/>
+          </a:solidFill>
+          <a:ln>
+            <a:solidFill>
+              <a:srgbClr val="002060"/>
+            </a:solidFill>
+          </a:ln>
+        </p:spPr>
+        <p:style>
+          <a:lnRef idx="2">
+            <a:schemeClr val="accent1">
+              <a:shade val="50000"/>
+            </a:schemeClr>
+          </a:lnRef>
+          <a:fillRef idx="1">
+            <a:schemeClr val="accent1"/>
+          </a:fillRef>
+          <a:effectRef idx="0">
+            <a:schemeClr val="accent1"/>
+          </a:effectRef>
+          <a:fontRef idx="minor">
+            <a:schemeClr val="lt1"/>
+          </a:fontRef>
+        </p:style>
+        <p:txBody>
+          <a:bodyPr rtlCol="0" anchor="ctr"/>
+          <a:lstStyle/>
+          <a:p>
+            <a:pPr algn="ctr"/>
+            <a:endParaRPr lang="en-JP"/>
+          </a:p>
+        </p:txBody>
+      </p:sp>
+      <p:sp>
+        <p:nvSpPr>
+          <p:cNvPr id="250" name="Rectangle 249">
+            <a:extLst>
+              <a:ext uri="{FF2B5EF4-FFF2-40B4-BE49-F238E27FC236}">
+                <a16:creationId xmlns:a16="http://schemas.microsoft.com/office/drawing/2014/main" id="{87B7A4DC-6849-6440-A4CC-C648A971C6D5}"/>
+              </a:ext>
+            </a:extLst>
+          </p:cNvPr>
+          <p:cNvSpPr/>
+          <p:nvPr/>
+        </p:nvSpPr>
+        <p:spPr>
+          <a:xfrm>
+            <a:off x="1752947" y="5785525"/>
+            <a:ext cx="47811" cy="127168"/>
+          </a:xfrm>
+          <a:prstGeom prst="rect">
+            <a:avLst/>
+          </a:prstGeom>
+          <a:solidFill>
+            <a:srgbClr val="002060"/>
+          </a:solidFill>
+          <a:ln>
+            <a:solidFill>
+              <a:srgbClr val="002060"/>
+            </a:solidFill>
+          </a:ln>
+        </p:spPr>
+        <p:style>
+          <a:lnRef idx="2">
+            <a:schemeClr val="accent1">
+              <a:shade val="50000"/>
+            </a:schemeClr>
+          </a:lnRef>
+          <a:fillRef idx="1">
+            <a:schemeClr val="accent1"/>
+          </a:fillRef>
+          <a:effectRef idx="0">
+            <a:schemeClr val="accent1"/>
+          </a:effectRef>
+          <a:fontRef idx="minor">
+            <a:schemeClr val="lt1"/>
+          </a:fontRef>
+        </p:style>
+        <p:txBody>
+          <a:bodyPr rtlCol="0" anchor="ctr"/>
+          <a:lstStyle/>
+          <a:p>
+            <a:pPr algn="ctr"/>
+            <a:endParaRPr lang="en-JP"/>
+          </a:p>
+        </p:txBody>
+      </p:sp>
+      <p:sp>
+        <p:nvSpPr>
+          <p:cNvPr id="251" name="Rectangle 250">
+            <a:extLst>
+              <a:ext uri="{FF2B5EF4-FFF2-40B4-BE49-F238E27FC236}">
+                <a16:creationId xmlns:a16="http://schemas.microsoft.com/office/drawing/2014/main" id="{D0B34EB0-CA84-3A49-860E-0453BC25AE10}"/>
+              </a:ext>
+            </a:extLst>
+          </p:cNvPr>
+          <p:cNvSpPr/>
+          <p:nvPr/>
+        </p:nvSpPr>
+        <p:spPr>
+          <a:xfrm>
+            <a:off x="2223133" y="5785525"/>
+            <a:ext cx="100800" cy="127168"/>
+          </a:xfrm>
+          <a:prstGeom prst="rect">
+            <a:avLst/>
+          </a:prstGeom>
+          <a:solidFill>
+            <a:srgbClr val="002060"/>
+          </a:solidFill>
+          <a:ln>
+            <a:solidFill>
+              <a:srgbClr val="002060"/>
+            </a:solidFill>
+          </a:ln>
+        </p:spPr>
+        <p:style>
+          <a:lnRef idx="2">
+            <a:schemeClr val="accent1">
+              <a:shade val="50000"/>
+            </a:schemeClr>
+          </a:lnRef>
+          <a:fillRef idx="1">
+            <a:schemeClr val="accent1"/>
+          </a:fillRef>
+          <a:effectRef idx="0">
+            <a:schemeClr val="accent1"/>
+          </a:effectRef>
+          <a:fontRef idx="minor">
+            <a:schemeClr val="lt1"/>
+          </a:fontRef>
+        </p:style>
+        <p:txBody>
+          <a:bodyPr rtlCol="0" anchor="ctr"/>
+          <a:lstStyle/>
+          <a:p>
+            <a:pPr algn="ctr"/>
+            <a:endParaRPr lang="en-JP"/>
+          </a:p>
+        </p:txBody>
+      </p:sp>
+      <p:sp>
+        <p:nvSpPr>
+          <p:cNvPr id="252" name="Rectangle 251">
+            <a:extLst>
+              <a:ext uri="{FF2B5EF4-FFF2-40B4-BE49-F238E27FC236}">
+                <a16:creationId xmlns:a16="http://schemas.microsoft.com/office/drawing/2014/main" id="{111B9D11-308F-3B41-8D93-95F2517FCC33}"/>
+              </a:ext>
+            </a:extLst>
+          </p:cNvPr>
+          <p:cNvSpPr/>
+          <p:nvPr/>
+        </p:nvSpPr>
+        <p:spPr>
+          <a:xfrm>
+            <a:off x="2388052" y="5785525"/>
+            <a:ext cx="122400" cy="127168"/>
+          </a:xfrm>
+          <a:prstGeom prst="rect">
+            <a:avLst/>
+          </a:prstGeom>
+          <a:solidFill>
+            <a:srgbClr val="002060"/>
+          </a:solidFill>
+          <a:ln>
+            <a:solidFill>
+              <a:srgbClr val="002060"/>
+            </a:solidFill>
+          </a:ln>
+        </p:spPr>
+        <p:style>
+          <a:lnRef idx="2">
+            <a:schemeClr val="accent1">
+              <a:shade val="50000"/>
+            </a:schemeClr>
+          </a:lnRef>
+          <a:fillRef idx="1">
+            <a:schemeClr val="accent1"/>
+          </a:fillRef>
+          <a:effectRef idx="0">
+            <a:schemeClr val="accent1"/>
+          </a:effectRef>
+          <a:fontRef idx="minor">
+            <a:schemeClr val="lt1"/>
+          </a:fontRef>
+        </p:style>
+        <p:txBody>
+          <a:bodyPr rtlCol="0" anchor="ctr"/>
+          <a:lstStyle/>
+          <a:p>
+            <a:pPr algn="ctr"/>
+            <a:endParaRPr lang="en-JP"/>
+          </a:p>
+        </p:txBody>
+      </p:sp>
+      <p:cxnSp>
+        <p:nvCxnSpPr>
+          <p:cNvPr id="253" name="Straight Connector 252">
+            <a:extLst>
+              <a:ext uri="{FF2B5EF4-FFF2-40B4-BE49-F238E27FC236}">
+                <a16:creationId xmlns:a16="http://schemas.microsoft.com/office/drawing/2014/main" id="{547843AE-F66D-BC48-A338-C36F0A498EC8}"/>
+              </a:ext>
+            </a:extLst>
+          </p:cNvPr>
+          <p:cNvCxnSpPr>
+            <a:cxnSpLocks/>
+          </p:cNvCxnSpPr>
+          <p:nvPr/>
+        </p:nvCxnSpPr>
+        <p:spPr>
+          <a:xfrm>
+            <a:off x="1504177" y="5849109"/>
+            <a:ext cx="1007801" cy="0"/>
+          </a:xfrm>
+          <a:prstGeom prst="line">
+            <a:avLst/>
+          </a:prstGeom>
+          <a:ln w="57150">
+            <a:solidFill>
+              <a:srgbClr val="002060"/>
+            </a:solidFill>
+          </a:ln>
+        </p:spPr>
+        <p:style>
+          <a:lnRef idx="1">
+            <a:schemeClr val="accent1"/>
+          </a:lnRef>
+          <a:fillRef idx="0">
+            <a:schemeClr val="accent1"/>
+          </a:fillRef>
+          <a:effectRef idx="0">
+            <a:schemeClr val="accent1"/>
+          </a:effectRef>
+          <a:fontRef idx="minor">
+            <a:schemeClr val="tx1"/>
+          </a:fontRef>
+        </p:style>
+      </p:cxnSp>
+      <p:cxnSp>
+        <p:nvCxnSpPr>
+          <p:cNvPr id="254" name="Straight Connector 253">
+            <a:extLst>
+              <a:ext uri="{FF2B5EF4-FFF2-40B4-BE49-F238E27FC236}">
+                <a16:creationId xmlns:a16="http://schemas.microsoft.com/office/drawing/2014/main" id="{8A85747C-6B35-3347-B055-80CB6E92562D}"/>
+              </a:ext>
+            </a:extLst>
+          </p:cNvPr>
+          <p:cNvCxnSpPr>
+            <a:cxnSpLocks/>
+          </p:cNvCxnSpPr>
+          <p:nvPr/>
+        </p:nvCxnSpPr>
+        <p:spPr>
+          <a:xfrm>
+            <a:off x="3051551" y="5849109"/>
+            <a:ext cx="185293" cy="0"/>
+          </a:xfrm>
+          <a:prstGeom prst="line">
+            <a:avLst/>
+          </a:prstGeom>
+          <a:ln w="57150">
+            <a:solidFill>
+              <a:srgbClr val="002060"/>
+            </a:solidFill>
+          </a:ln>
+        </p:spPr>
+        <p:style>
+          <a:lnRef idx="1">
+            <a:schemeClr val="accent1"/>
+          </a:lnRef>
+          <a:fillRef idx="0">
+            <a:schemeClr val="accent1"/>
+          </a:fillRef>
+          <a:effectRef idx="0">
+            <a:schemeClr val="accent1"/>
+          </a:effectRef>
+          <a:fontRef idx="minor">
+            <a:schemeClr val="tx1"/>
+          </a:fontRef>
+        </p:style>
+      </p:cxnSp>
+      <p:sp>
+        <p:nvSpPr>
+          <p:cNvPr id="255" name="Triangle 254">
+            <a:extLst>
+              <a:ext uri="{FF2B5EF4-FFF2-40B4-BE49-F238E27FC236}">
+                <a16:creationId xmlns:a16="http://schemas.microsoft.com/office/drawing/2014/main" id="{615E171C-E0BC-354A-8274-3CE25FA5EA76}"/>
+              </a:ext>
+            </a:extLst>
+          </p:cNvPr>
+          <p:cNvSpPr/>
+          <p:nvPr/>
+        </p:nvSpPr>
+        <p:spPr>
+          <a:xfrm rot="5400000">
+            <a:off x="1554707" y="5826250"/>
+            <a:ext cx="53034" cy="45719"/>
+          </a:xfrm>
+          <a:prstGeom prst="triangle">
+            <a:avLst/>
+          </a:prstGeom>
+          <a:solidFill>
+            <a:schemeClr val="bg1"/>
+          </a:solidFill>
+          <a:ln>
+            <a:noFill/>
+          </a:ln>
+        </p:spPr>
+        <p:style>
+          <a:lnRef idx="2">
+            <a:schemeClr val="accent1">
+              <a:shade val="50000"/>
+            </a:schemeClr>
+          </a:lnRef>
+          <a:fillRef idx="1">
+            <a:schemeClr val="accent1"/>
+          </a:fillRef>
+          <a:effectRef idx="0">
+            <a:schemeClr val="accent1"/>
+          </a:effectRef>
+          <a:fontRef idx="minor">
+            <a:schemeClr val="lt1"/>
+          </a:fontRef>
+        </p:style>
+        <p:txBody>
+          <a:bodyPr rtlCol="0" anchor="ctr"/>
+          <a:lstStyle/>
+          <a:p>
+            <a:pPr algn="ctr"/>
+            <a:endParaRPr lang="en-JP"/>
+          </a:p>
+        </p:txBody>
+      </p:sp>
+      <p:sp>
+        <p:nvSpPr>
+          <p:cNvPr id="256" name="Triangle 255">
+            <a:extLst>
+              <a:ext uri="{FF2B5EF4-FFF2-40B4-BE49-F238E27FC236}">
+                <a16:creationId xmlns:a16="http://schemas.microsoft.com/office/drawing/2014/main" id="{0E68C7DF-FCDF-C346-BB32-56C5B5731B1C}"/>
+              </a:ext>
+            </a:extLst>
+          </p:cNvPr>
+          <p:cNvSpPr/>
+          <p:nvPr/>
+        </p:nvSpPr>
+        <p:spPr>
+          <a:xfrm rot="5400000">
+            <a:off x="1707107" y="5826250"/>
+            <a:ext cx="53034" cy="45719"/>
+          </a:xfrm>
+          <a:prstGeom prst="triangle">
+            <a:avLst/>
+          </a:prstGeom>
+          <a:solidFill>
+            <a:schemeClr val="bg1"/>
+          </a:solidFill>
+          <a:ln>
+            <a:noFill/>
+          </a:ln>
+        </p:spPr>
+        <p:style>
+          <a:lnRef idx="2">
+            <a:schemeClr val="accent1">
+              <a:shade val="50000"/>
+            </a:schemeClr>
+          </a:lnRef>
+          <a:fillRef idx="1">
+            <a:schemeClr val="accent1"/>
+          </a:fillRef>
+          <a:effectRef idx="0">
+            <a:schemeClr val="accent1"/>
+          </a:effectRef>
+          <a:fontRef idx="minor">
+            <a:schemeClr val="lt1"/>
+          </a:fontRef>
+        </p:style>
+        <p:txBody>
+          <a:bodyPr rtlCol="0" anchor="ctr"/>
+          <a:lstStyle/>
+          <a:p>
+            <a:pPr algn="ctr"/>
+            <a:endParaRPr lang="en-JP"/>
+          </a:p>
+        </p:txBody>
+      </p:sp>
+      <p:sp>
+        <p:nvSpPr>
+          <p:cNvPr id="257" name="Triangle 256">
+            <a:extLst>
+              <a:ext uri="{FF2B5EF4-FFF2-40B4-BE49-F238E27FC236}">
+                <a16:creationId xmlns:a16="http://schemas.microsoft.com/office/drawing/2014/main" id="{38D98480-0938-9340-BC72-7CDEF14EAB30}"/>
+              </a:ext>
+            </a:extLst>
+          </p:cNvPr>
+          <p:cNvSpPr/>
+          <p:nvPr/>
+        </p:nvSpPr>
+        <p:spPr>
+          <a:xfrm rot="5400000">
+            <a:off x="1859507" y="5826250"/>
+            <a:ext cx="53034" cy="45719"/>
+          </a:xfrm>
+          <a:prstGeom prst="triangle">
+            <a:avLst/>
+          </a:prstGeom>
+          <a:solidFill>
+            <a:schemeClr val="bg1"/>
+          </a:solidFill>
+          <a:ln>
+            <a:noFill/>
+          </a:ln>
+        </p:spPr>
+        <p:style>
+          <a:lnRef idx="2">
+            <a:schemeClr val="accent1">
+              <a:shade val="50000"/>
+            </a:schemeClr>
+          </a:lnRef>
+          <a:fillRef idx="1">
+            <a:schemeClr val="accent1"/>
+          </a:fillRef>
+          <a:effectRef idx="0">
+            <a:schemeClr val="accent1"/>
+          </a:effectRef>
+          <a:fontRef idx="minor">
+            <a:schemeClr val="lt1"/>
+          </a:fontRef>
+        </p:style>
+        <p:txBody>
+          <a:bodyPr rtlCol="0" anchor="ctr"/>
+          <a:lstStyle/>
+          <a:p>
+            <a:pPr algn="ctr"/>
+            <a:endParaRPr lang="en-JP"/>
+          </a:p>
+        </p:txBody>
+      </p:sp>
+      <p:sp>
+        <p:nvSpPr>
+          <p:cNvPr id="258" name="Triangle 257">
+            <a:extLst>
+              <a:ext uri="{FF2B5EF4-FFF2-40B4-BE49-F238E27FC236}">
+                <a16:creationId xmlns:a16="http://schemas.microsoft.com/office/drawing/2014/main" id="{5289CE78-96AF-9E4E-B51F-A891A4B8598F}"/>
+              </a:ext>
+            </a:extLst>
+          </p:cNvPr>
+          <p:cNvSpPr/>
+          <p:nvPr/>
+        </p:nvSpPr>
+        <p:spPr>
+          <a:xfrm rot="5400000">
+            <a:off x="2011907" y="5826250"/>
+            <a:ext cx="53034" cy="45719"/>
+          </a:xfrm>
+          <a:prstGeom prst="triangle">
+            <a:avLst/>
+          </a:prstGeom>
+          <a:solidFill>
+            <a:schemeClr val="bg1"/>
+          </a:solidFill>
+          <a:ln>
+            <a:noFill/>
+          </a:ln>
+        </p:spPr>
+        <p:style>
+          <a:lnRef idx="2">
+            <a:schemeClr val="accent1">
+              <a:shade val="50000"/>
+            </a:schemeClr>
+          </a:lnRef>
+          <a:fillRef idx="1">
+            <a:schemeClr val="accent1"/>
+          </a:fillRef>
+          <a:effectRef idx="0">
+            <a:schemeClr val="accent1"/>
+          </a:effectRef>
+          <a:fontRef idx="minor">
+            <a:schemeClr val="lt1"/>
+          </a:fontRef>
+        </p:style>
+        <p:txBody>
+          <a:bodyPr rtlCol="0" anchor="ctr"/>
+          <a:lstStyle/>
+          <a:p>
+            <a:pPr algn="ctr"/>
+            <a:endParaRPr lang="en-JP"/>
+          </a:p>
+        </p:txBody>
+      </p:sp>
+      <p:sp>
+        <p:nvSpPr>
+          <p:cNvPr id="259" name="Triangle 258">
+            <a:extLst>
+              <a:ext uri="{FF2B5EF4-FFF2-40B4-BE49-F238E27FC236}">
+                <a16:creationId xmlns:a16="http://schemas.microsoft.com/office/drawing/2014/main" id="{C835C74C-09B7-3046-8248-D1895F015A24}"/>
+              </a:ext>
+            </a:extLst>
+          </p:cNvPr>
+          <p:cNvSpPr/>
+          <p:nvPr/>
+        </p:nvSpPr>
+        <p:spPr>
+          <a:xfrm rot="5400000">
+            <a:off x="2164307" y="5826250"/>
+            <a:ext cx="53034" cy="45719"/>
+          </a:xfrm>
+          <a:prstGeom prst="triangle">
+            <a:avLst/>
+          </a:prstGeom>
+          <a:solidFill>
+            <a:schemeClr val="bg1"/>
+          </a:solidFill>
+          <a:ln>
+            <a:noFill/>
+          </a:ln>
+        </p:spPr>
+        <p:style>
+          <a:lnRef idx="2">
+            <a:schemeClr val="accent1">
+              <a:shade val="50000"/>
+            </a:schemeClr>
+          </a:lnRef>
+          <a:fillRef idx="1">
+            <a:schemeClr val="accent1"/>
+          </a:fillRef>
+          <a:effectRef idx="0">
+            <a:schemeClr val="accent1"/>
+          </a:effectRef>
+          <a:fontRef idx="minor">
+            <a:schemeClr val="lt1"/>
+          </a:fontRef>
+        </p:style>
+        <p:txBody>
+          <a:bodyPr rtlCol="0" anchor="ctr"/>
+          <a:lstStyle/>
+          <a:p>
+            <a:pPr algn="ctr"/>
+            <a:endParaRPr lang="en-JP"/>
+          </a:p>
+        </p:txBody>
+      </p:sp>
+      <p:sp>
+        <p:nvSpPr>
+          <p:cNvPr id="260" name="Triangle 259">
+            <a:extLst>
+              <a:ext uri="{FF2B5EF4-FFF2-40B4-BE49-F238E27FC236}">
+                <a16:creationId xmlns:a16="http://schemas.microsoft.com/office/drawing/2014/main" id="{096250E7-FBC4-E843-8B97-E6C177F11BF5}"/>
+              </a:ext>
+            </a:extLst>
+          </p:cNvPr>
+          <p:cNvSpPr/>
+          <p:nvPr/>
+        </p:nvSpPr>
+        <p:spPr>
+          <a:xfrm rot="5400000">
+            <a:off x="2316707" y="5826250"/>
+            <a:ext cx="53034" cy="45719"/>
+          </a:xfrm>
+          <a:prstGeom prst="triangle">
+            <a:avLst/>
+          </a:prstGeom>
+          <a:solidFill>
+            <a:schemeClr val="bg1"/>
+          </a:solidFill>
+          <a:ln>
+            <a:noFill/>
+          </a:ln>
+        </p:spPr>
+        <p:style>
+          <a:lnRef idx="2">
+            <a:schemeClr val="accent1">
+              <a:shade val="50000"/>
+            </a:schemeClr>
+          </a:lnRef>
+          <a:fillRef idx="1">
+            <a:schemeClr val="accent1"/>
+          </a:fillRef>
+          <a:effectRef idx="0">
+            <a:schemeClr val="accent1"/>
+          </a:effectRef>
+          <a:fontRef idx="minor">
+            <a:schemeClr val="lt1"/>
+          </a:fontRef>
+        </p:style>
+        <p:txBody>
+          <a:bodyPr rtlCol="0" anchor="ctr"/>
+          <a:lstStyle/>
+          <a:p>
+            <a:pPr algn="ctr"/>
+            <a:endParaRPr lang="en-JP"/>
+          </a:p>
+        </p:txBody>
+      </p:sp>
+      <p:sp>
+        <p:nvSpPr>
+          <p:cNvPr id="261" name="Triangle 260">
+            <a:extLst>
+              <a:ext uri="{FF2B5EF4-FFF2-40B4-BE49-F238E27FC236}">
+                <a16:creationId xmlns:a16="http://schemas.microsoft.com/office/drawing/2014/main" id="{90E9AF09-9399-2B44-8036-388BB3429867}"/>
+              </a:ext>
+            </a:extLst>
+          </p:cNvPr>
+          <p:cNvSpPr/>
+          <p:nvPr/>
+        </p:nvSpPr>
+        <p:spPr>
+          <a:xfrm rot="5400000">
+            <a:off x="2469107" y="5826250"/>
+            <a:ext cx="53034" cy="45719"/>
+          </a:xfrm>
+          <a:prstGeom prst="triangle">
+            <a:avLst/>
+          </a:prstGeom>
+          <a:solidFill>
+            <a:schemeClr val="bg1"/>
+          </a:solidFill>
+          <a:ln>
+            <a:noFill/>
+          </a:ln>
+        </p:spPr>
+        <p:style>
+          <a:lnRef idx="2">
+            <a:schemeClr val="accent1">
+              <a:shade val="50000"/>
+            </a:schemeClr>
+          </a:lnRef>
+          <a:fillRef idx="1">
+            <a:schemeClr val="accent1"/>
+          </a:fillRef>
+          <a:effectRef idx="0">
+            <a:schemeClr val="accent1"/>
+          </a:effectRef>
+          <a:fontRef idx="minor">
+            <a:schemeClr val="lt1"/>
+          </a:fontRef>
+        </p:style>
+        <p:txBody>
+          <a:bodyPr rtlCol="0" anchor="ctr"/>
+          <a:lstStyle/>
+          <a:p>
+            <a:pPr algn="ctr"/>
+            <a:endParaRPr lang="en-JP"/>
+          </a:p>
+        </p:txBody>
+      </p:sp>
+      <p:sp>
+        <p:nvSpPr>
+          <p:cNvPr id="262" name="Triangle 261">
+            <a:extLst>
+              <a:ext uri="{FF2B5EF4-FFF2-40B4-BE49-F238E27FC236}">
+                <a16:creationId xmlns:a16="http://schemas.microsoft.com/office/drawing/2014/main" id="{38924E33-0C41-9E44-AD40-73D35CF3EE1F}"/>
+              </a:ext>
+            </a:extLst>
+          </p:cNvPr>
+          <p:cNvSpPr/>
+          <p:nvPr/>
+        </p:nvSpPr>
+        <p:spPr>
+          <a:xfrm rot="16200000">
+            <a:off x="3059335" y="5826250"/>
+            <a:ext cx="53034" cy="45719"/>
+          </a:xfrm>
+          <a:prstGeom prst="triangle">
+            <a:avLst/>
+          </a:prstGeom>
+          <a:solidFill>
+            <a:schemeClr val="bg1"/>
+          </a:solidFill>
+          <a:ln>
+            <a:noFill/>
+          </a:ln>
+        </p:spPr>
+        <p:style>
+          <a:lnRef idx="2">
+            <a:schemeClr val="accent1">
+              <a:shade val="50000"/>
+            </a:schemeClr>
+          </a:lnRef>
+          <a:fillRef idx="1">
+            <a:schemeClr val="accent1"/>
+          </a:fillRef>
+          <a:effectRef idx="0">
+            <a:schemeClr val="accent1"/>
+          </a:effectRef>
+          <a:fontRef idx="minor">
+            <a:schemeClr val="lt1"/>
+          </a:fontRef>
+        </p:style>
+        <p:txBody>
+          <a:bodyPr rtlCol="0" anchor="ctr"/>
+          <a:lstStyle/>
+          <a:p>
+            <a:pPr algn="ctr"/>
+            <a:endParaRPr lang="en-JP"/>
+          </a:p>
+        </p:txBody>
+      </p:sp>
+      <p:sp>
+        <p:nvSpPr>
+          <p:cNvPr id="263" name="Triangle 262">
+            <a:extLst>
+              <a:ext uri="{FF2B5EF4-FFF2-40B4-BE49-F238E27FC236}">
+                <a16:creationId xmlns:a16="http://schemas.microsoft.com/office/drawing/2014/main" id="{3DD79B4D-C1F7-8C48-9058-0A9614BD33E2}"/>
+              </a:ext>
+            </a:extLst>
+          </p:cNvPr>
+          <p:cNvSpPr/>
+          <p:nvPr/>
+        </p:nvSpPr>
+        <p:spPr>
+          <a:xfrm rot="16200000">
+            <a:off x="3170460" y="5826250"/>
+            <a:ext cx="53034" cy="45719"/>
+          </a:xfrm>
+          <a:prstGeom prst="triangle">
+            <a:avLst/>
+          </a:prstGeom>
+          <a:solidFill>
+            <a:schemeClr val="bg1"/>
+          </a:solidFill>
+          <a:ln>
+            <a:noFill/>
+          </a:ln>
+        </p:spPr>
+        <p:style>
+          <a:lnRef idx="2">
+            <a:schemeClr val="accent1">
+              <a:shade val="50000"/>
+            </a:schemeClr>
+          </a:lnRef>
+          <a:fillRef idx="1">
+            <a:schemeClr val="accent1"/>
+          </a:fillRef>
+          <a:effectRef idx="0">
+            <a:schemeClr val="accent1"/>
+          </a:effectRef>
+          <a:fontRef idx="minor">
+            <a:schemeClr val="lt1"/>
+          </a:fontRef>
+        </p:style>
+        <p:txBody>
+          <a:bodyPr rtlCol="0" anchor="ctr"/>
+          <a:lstStyle/>
+          <a:p>
+            <a:pPr algn="ctr"/>
+            <a:endParaRPr lang="en-JP"/>
+          </a:p>
+        </p:txBody>
+      </p:sp>
+      <p:cxnSp>
+        <p:nvCxnSpPr>
+          <p:cNvPr id="264" name="Straight Connector 263">
+            <a:extLst>
+              <a:ext uri="{FF2B5EF4-FFF2-40B4-BE49-F238E27FC236}">
+                <a16:creationId xmlns:a16="http://schemas.microsoft.com/office/drawing/2014/main" id="{53A555C5-5273-B248-BD29-2438ADB7C2C0}"/>
+              </a:ext>
+            </a:extLst>
+          </p:cNvPr>
+          <p:cNvCxnSpPr>
+            <a:cxnSpLocks/>
+          </p:cNvCxnSpPr>
+          <p:nvPr/>
+        </p:nvCxnSpPr>
+        <p:spPr>
+          <a:xfrm>
+            <a:off x="677655" y="8883685"/>
+            <a:ext cx="336606" cy="0"/>
+          </a:xfrm>
+          <a:prstGeom prst="line">
+            <a:avLst/>
+          </a:prstGeom>
+          <a:ln w="57150">
+            <a:solidFill>
+              <a:srgbClr val="002060"/>
+            </a:solidFill>
+          </a:ln>
+        </p:spPr>
+        <p:style>
+          <a:lnRef idx="1">
+            <a:schemeClr val="accent1"/>
+          </a:lnRef>
+          <a:fillRef idx="0">
+            <a:schemeClr val="accent1"/>
+          </a:fillRef>
+          <a:effectRef idx="0">
+            <a:schemeClr val="accent1"/>
+          </a:effectRef>
+          <a:fontRef idx="minor">
+            <a:schemeClr val="tx1"/>
+          </a:fontRef>
+        </p:style>
+      </p:cxnSp>
+      <p:cxnSp>
+        <p:nvCxnSpPr>
+          <p:cNvPr id="265" name="Straight Connector 264">
+            <a:extLst>
+              <a:ext uri="{FF2B5EF4-FFF2-40B4-BE49-F238E27FC236}">
+                <a16:creationId xmlns:a16="http://schemas.microsoft.com/office/drawing/2014/main" id="{7EA45FE3-DC82-7D44-B7B5-98AFA88DC8F4}"/>
+              </a:ext>
+            </a:extLst>
+          </p:cNvPr>
+          <p:cNvCxnSpPr>
+            <a:cxnSpLocks/>
+          </p:cNvCxnSpPr>
+          <p:nvPr/>
+        </p:nvCxnSpPr>
+        <p:spPr>
+          <a:xfrm>
+            <a:off x="1145942" y="8883685"/>
+            <a:ext cx="1561658" cy="0"/>
+          </a:xfrm>
+          <a:prstGeom prst="line">
+            <a:avLst/>
+          </a:prstGeom>
+          <a:ln w="57150">
+            <a:solidFill>
+              <a:srgbClr val="002060"/>
+            </a:solidFill>
+          </a:ln>
+        </p:spPr>
+        <p:style>
+          <a:lnRef idx="1">
+            <a:schemeClr val="accent1"/>
+          </a:lnRef>
+          <a:fillRef idx="0">
+            <a:schemeClr val="accent1"/>
+          </a:fillRef>
+          <a:effectRef idx="0">
+            <a:schemeClr val="accent1"/>
+          </a:effectRef>
+          <a:fontRef idx="minor">
+            <a:schemeClr val="tx1"/>
+          </a:fontRef>
+        </p:style>
+      </p:cxnSp>
+      <p:sp>
+        <p:nvSpPr>
+          <p:cNvPr id="266" name="Rectangle 265">
+            <a:extLst>
+              <a:ext uri="{FF2B5EF4-FFF2-40B4-BE49-F238E27FC236}">
+                <a16:creationId xmlns:a16="http://schemas.microsoft.com/office/drawing/2014/main" id="{0CD3BE46-65CE-DE40-BFA9-C86E3EC89F3E}"/>
+              </a:ext>
+            </a:extLst>
+          </p:cNvPr>
+          <p:cNvSpPr/>
+          <p:nvPr/>
+        </p:nvSpPr>
+        <p:spPr>
+          <a:xfrm>
+            <a:off x="681079" y="8820101"/>
+            <a:ext cx="216000" cy="127168"/>
+          </a:xfrm>
+          <a:prstGeom prst="rect">
+            <a:avLst/>
+          </a:prstGeom>
+          <a:solidFill>
+            <a:srgbClr val="002060"/>
+          </a:solidFill>
+          <a:ln>
+            <a:solidFill>
+              <a:srgbClr val="002060"/>
+            </a:solidFill>
+          </a:ln>
+        </p:spPr>
+        <p:style>
+          <a:lnRef idx="2">
+            <a:schemeClr val="accent1">
+              <a:shade val="50000"/>
+            </a:schemeClr>
+          </a:lnRef>
+          <a:fillRef idx="1">
+            <a:schemeClr val="accent1"/>
+          </a:fillRef>
+          <a:effectRef idx="0">
+            <a:schemeClr val="accent1"/>
+          </a:effectRef>
+          <a:fontRef idx="minor">
+            <a:schemeClr val="lt1"/>
+          </a:fontRef>
+        </p:style>
+        <p:txBody>
+          <a:bodyPr rtlCol="0" anchor="ctr"/>
+          <a:lstStyle/>
+          <a:p>
+            <a:pPr algn="ctr"/>
+            <a:endParaRPr lang="en-JP"/>
+          </a:p>
+        </p:txBody>
+      </p:sp>
+      <p:sp>
+        <p:nvSpPr>
+          <p:cNvPr id="267" name="Rectangle 266">
+            <a:extLst>
+              <a:ext uri="{FF2B5EF4-FFF2-40B4-BE49-F238E27FC236}">
+                <a16:creationId xmlns:a16="http://schemas.microsoft.com/office/drawing/2014/main" id="{55A83546-C961-2944-9263-064E6AC664C5}"/>
+              </a:ext>
+            </a:extLst>
+          </p:cNvPr>
+          <p:cNvSpPr/>
+          <p:nvPr/>
+        </p:nvSpPr>
+        <p:spPr>
+          <a:xfrm>
+            <a:off x="1198481" y="8820101"/>
+            <a:ext cx="68400" cy="127168"/>
+          </a:xfrm>
+          <a:prstGeom prst="rect">
+            <a:avLst/>
+          </a:prstGeom>
+          <a:solidFill>
+            <a:srgbClr val="002060"/>
+          </a:solidFill>
+          <a:ln>
+            <a:solidFill>
+              <a:srgbClr val="002060"/>
+            </a:solidFill>
+          </a:ln>
+        </p:spPr>
+        <p:style>
+          <a:lnRef idx="2">
+            <a:schemeClr val="accent1">
+              <a:shade val="50000"/>
+            </a:schemeClr>
+          </a:lnRef>
+          <a:fillRef idx="1">
+            <a:schemeClr val="accent1"/>
+          </a:fillRef>
+          <a:effectRef idx="0">
+            <a:schemeClr val="accent1"/>
+          </a:effectRef>
+          <a:fontRef idx="minor">
+            <a:schemeClr val="lt1"/>
+          </a:fontRef>
+        </p:style>
+        <p:txBody>
+          <a:bodyPr rtlCol="0" anchor="ctr"/>
+          <a:lstStyle/>
+          <a:p>
+            <a:pPr algn="ctr"/>
+            <a:endParaRPr lang="en-JP"/>
+          </a:p>
+        </p:txBody>
+      </p:sp>
+      <p:sp>
+        <p:nvSpPr>
+          <p:cNvPr id="268" name="Rectangle 267">
+            <a:extLst>
+              <a:ext uri="{FF2B5EF4-FFF2-40B4-BE49-F238E27FC236}">
+                <a16:creationId xmlns:a16="http://schemas.microsoft.com/office/drawing/2014/main" id="{01F160C5-70F5-F74D-AD07-337BD8BE9B4A}"/>
+              </a:ext>
+            </a:extLst>
+          </p:cNvPr>
+          <p:cNvSpPr/>
+          <p:nvPr/>
+        </p:nvSpPr>
+        <p:spPr>
+          <a:xfrm>
+            <a:off x="1383034" y="8820101"/>
+            <a:ext cx="18000" cy="127168"/>
+          </a:xfrm>
+          <a:prstGeom prst="rect">
+            <a:avLst/>
+          </a:prstGeom>
+          <a:solidFill>
+            <a:srgbClr val="002060"/>
+          </a:solidFill>
+          <a:ln>
+            <a:solidFill>
+              <a:srgbClr val="002060"/>
+            </a:solidFill>
+          </a:ln>
+        </p:spPr>
+        <p:style>
+          <a:lnRef idx="2">
+            <a:schemeClr val="accent1">
+              <a:shade val="50000"/>
+            </a:schemeClr>
+          </a:lnRef>
+          <a:fillRef idx="1">
+            <a:schemeClr val="accent1"/>
+          </a:fillRef>
+          <a:effectRef idx="0">
+            <a:schemeClr val="accent1"/>
+          </a:effectRef>
+          <a:fontRef idx="minor">
+            <a:schemeClr val="lt1"/>
+          </a:fontRef>
+        </p:style>
+        <p:txBody>
+          <a:bodyPr rtlCol="0" anchor="ctr"/>
+          <a:lstStyle/>
+          <a:p>
+            <a:pPr algn="ctr"/>
+            <a:endParaRPr lang="en-JP"/>
+          </a:p>
+        </p:txBody>
+      </p:sp>
+      <p:sp>
+        <p:nvSpPr>
+          <p:cNvPr id="269" name="Rectangle 268">
+            <a:extLst>
+              <a:ext uri="{FF2B5EF4-FFF2-40B4-BE49-F238E27FC236}">
+                <a16:creationId xmlns:a16="http://schemas.microsoft.com/office/drawing/2014/main" id="{DF9F83C3-1AEC-704F-B47D-5A4CD8A62DEE}"/>
+              </a:ext>
+            </a:extLst>
+          </p:cNvPr>
+          <p:cNvSpPr/>
+          <p:nvPr/>
+        </p:nvSpPr>
+        <p:spPr>
+          <a:xfrm>
+            <a:off x="1854560" y="9129996"/>
+            <a:ext cx="428155" cy="127168"/>
+          </a:xfrm>
+          <a:prstGeom prst="rect">
+            <a:avLst/>
+          </a:prstGeom>
+          <a:solidFill>
+            <a:srgbClr val="002060"/>
+          </a:solidFill>
+          <a:ln>
+            <a:solidFill>
+              <a:srgbClr val="002060"/>
+            </a:solidFill>
+          </a:ln>
+        </p:spPr>
+        <p:style>
+          <a:lnRef idx="2">
+            <a:schemeClr val="accent1">
+              <a:shade val="50000"/>
+            </a:schemeClr>
+          </a:lnRef>
+          <a:fillRef idx="1">
+            <a:schemeClr val="accent1"/>
+          </a:fillRef>
+          <a:effectRef idx="0">
+            <a:schemeClr val="accent1"/>
+          </a:effectRef>
+          <a:fontRef idx="minor">
+            <a:schemeClr val="lt1"/>
+          </a:fontRef>
+        </p:style>
+        <p:txBody>
+          <a:bodyPr rtlCol="0" anchor="ctr"/>
+          <a:lstStyle/>
+          <a:p>
+            <a:pPr algn="ctr"/>
+            <a:endParaRPr lang="en-JP"/>
+          </a:p>
+        </p:txBody>
+      </p:sp>
+      <p:sp>
+        <p:nvSpPr>
+          <p:cNvPr id="270" name="Rectangle 269">
+            <a:extLst>
+              <a:ext uri="{FF2B5EF4-FFF2-40B4-BE49-F238E27FC236}">
+                <a16:creationId xmlns:a16="http://schemas.microsoft.com/office/drawing/2014/main" id="{9C9C8C67-89DC-C641-9901-F826A3B8C61C}"/>
+              </a:ext>
+            </a:extLst>
+          </p:cNvPr>
+          <p:cNvSpPr/>
+          <p:nvPr/>
+        </p:nvSpPr>
+        <p:spPr>
+          <a:xfrm>
+            <a:off x="2433763" y="8820101"/>
+            <a:ext cx="144000" cy="127168"/>
+          </a:xfrm>
+          <a:prstGeom prst="rect">
+            <a:avLst/>
+          </a:prstGeom>
+          <a:solidFill>
+            <a:srgbClr val="002060"/>
+          </a:solidFill>
+          <a:ln>
+            <a:solidFill>
+              <a:srgbClr val="002060"/>
+            </a:solidFill>
+          </a:ln>
+        </p:spPr>
+        <p:style>
+          <a:lnRef idx="2">
+            <a:schemeClr val="accent1">
+              <a:shade val="50000"/>
+            </a:schemeClr>
+          </a:lnRef>
+          <a:fillRef idx="1">
+            <a:schemeClr val="accent1"/>
+          </a:fillRef>
+          <a:effectRef idx="0">
+            <a:schemeClr val="accent1"/>
+          </a:effectRef>
+          <a:fontRef idx="minor">
+            <a:schemeClr val="lt1"/>
+          </a:fontRef>
+        </p:style>
+        <p:txBody>
+          <a:bodyPr rtlCol="0" anchor="ctr"/>
+          <a:lstStyle/>
+          <a:p>
+            <a:pPr algn="ctr"/>
+            <a:endParaRPr lang="en-JP"/>
+          </a:p>
+        </p:txBody>
+      </p:sp>
+      <p:sp>
+        <p:nvSpPr>
+          <p:cNvPr id="271" name="Triangle 270">
+            <a:extLst>
+              <a:ext uri="{FF2B5EF4-FFF2-40B4-BE49-F238E27FC236}">
+                <a16:creationId xmlns:a16="http://schemas.microsoft.com/office/drawing/2014/main" id="{2B87EDAE-A5E5-904E-AA81-4B6B5C418C25}"/>
+              </a:ext>
+            </a:extLst>
+          </p:cNvPr>
+          <p:cNvSpPr/>
+          <p:nvPr/>
+        </p:nvSpPr>
+        <p:spPr>
+          <a:xfrm rot="5400000">
+            <a:off x="716554" y="8860826"/>
+            <a:ext cx="53034" cy="45719"/>
+          </a:xfrm>
+          <a:prstGeom prst="triangle">
+            <a:avLst/>
+          </a:prstGeom>
+          <a:solidFill>
+            <a:schemeClr val="bg1"/>
+          </a:solidFill>
+          <a:ln>
+            <a:noFill/>
+          </a:ln>
+        </p:spPr>
+        <p:style>
+          <a:lnRef idx="2">
+            <a:schemeClr val="accent1">
+              <a:shade val="50000"/>
+            </a:schemeClr>
+          </a:lnRef>
+          <a:fillRef idx="1">
+            <a:schemeClr val="accent1"/>
+          </a:fillRef>
+          <a:effectRef idx="0">
+            <a:schemeClr val="accent1"/>
+          </a:effectRef>
+          <a:fontRef idx="minor">
+            <a:schemeClr val="lt1"/>
+          </a:fontRef>
+        </p:style>
+        <p:txBody>
+          <a:bodyPr rtlCol="0" anchor="ctr"/>
+          <a:lstStyle/>
+          <a:p>
+            <a:pPr algn="ctr"/>
+            <a:endParaRPr lang="en-JP"/>
+          </a:p>
+        </p:txBody>
+      </p:sp>
+      <p:sp>
+        <p:nvSpPr>
+          <p:cNvPr id="272" name="Triangle 271">
+            <a:extLst>
+              <a:ext uri="{FF2B5EF4-FFF2-40B4-BE49-F238E27FC236}">
+                <a16:creationId xmlns:a16="http://schemas.microsoft.com/office/drawing/2014/main" id="{94EA69FA-298E-F743-918E-0ECFD30A3BF5}"/>
+              </a:ext>
+            </a:extLst>
+          </p:cNvPr>
+          <p:cNvSpPr/>
+          <p:nvPr/>
+        </p:nvSpPr>
+        <p:spPr>
+          <a:xfrm rot="5400000">
+            <a:off x="868954" y="8860826"/>
+            <a:ext cx="53034" cy="45719"/>
+          </a:xfrm>
+          <a:prstGeom prst="triangle">
+            <a:avLst/>
+          </a:prstGeom>
+          <a:solidFill>
+            <a:schemeClr val="bg1"/>
+          </a:solidFill>
+          <a:ln>
+            <a:noFill/>
+          </a:ln>
+        </p:spPr>
+        <p:style>
+          <a:lnRef idx="2">
+            <a:schemeClr val="accent1">
+              <a:shade val="50000"/>
+            </a:schemeClr>
+          </a:lnRef>
+          <a:fillRef idx="1">
+            <a:schemeClr val="accent1"/>
+          </a:fillRef>
+          <a:effectRef idx="0">
+            <a:schemeClr val="accent1"/>
+          </a:effectRef>
+          <a:fontRef idx="minor">
+            <a:schemeClr val="lt1"/>
+          </a:fontRef>
+        </p:style>
+        <p:txBody>
+          <a:bodyPr rtlCol="0" anchor="ctr"/>
+          <a:lstStyle/>
+          <a:p>
+            <a:pPr algn="ctr"/>
+            <a:endParaRPr lang="en-JP"/>
+          </a:p>
+        </p:txBody>
+      </p:sp>
+      <p:sp>
+        <p:nvSpPr>
+          <p:cNvPr id="273" name="Triangle 272">
+            <a:extLst>
+              <a:ext uri="{FF2B5EF4-FFF2-40B4-BE49-F238E27FC236}">
+                <a16:creationId xmlns:a16="http://schemas.microsoft.com/office/drawing/2014/main" id="{7BBEC8E7-63F0-F147-A930-4EE66DE043E4}"/>
+              </a:ext>
+            </a:extLst>
+          </p:cNvPr>
+          <p:cNvSpPr/>
+          <p:nvPr/>
+        </p:nvSpPr>
+        <p:spPr>
+          <a:xfrm rot="5400000">
+            <a:off x="1201965" y="8860826"/>
+            <a:ext cx="53034" cy="45719"/>
+          </a:xfrm>
+          <a:prstGeom prst="triangle">
+            <a:avLst/>
+          </a:prstGeom>
+          <a:solidFill>
+            <a:schemeClr val="bg1"/>
+          </a:solidFill>
+          <a:ln>
+            <a:noFill/>
+          </a:ln>
+        </p:spPr>
+        <p:style>
+          <a:lnRef idx="2">
+            <a:schemeClr val="accent1">
+              <a:shade val="50000"/>
+            </a:schemeClr>
+          </a:lnRef>
+          <a:fillRef idx="1">
+            <a:schemeClr val="accent1"/>
+          </a:fillRef>
+          <a:effectRef idx="0">
+            <a:schemeClr val="accent1"/>
+          </a:effectRef>
+          <a:fontRef idx="minor">
+            <a:schemeClr val="lt1"/>
+          </a:fontRef>
+        </p:style>
+        <p:txBody>
+          <a:bodyPr rtlCol="0" anchor="ctr"/>
+          <a:lstStyle/>
+          <a:p>
+            <a:pPr algn="ctr"/>
+            <a:endParaRPr lang="en-JP"/>
+          </a:p>
+        </p:txBody>
+      </p:sp>
+      <p:sp>
+        <p:nvSpPr>
+          <p:cNvPr id="274" name="Triangle 273">
+            <a:extLst>
+              <a:ext uri="{FF2B5EF4-FFF2-40B4-BE49-F238E27FC236}">
+                <a16:creationId xmlns:a16="http://schemas.microsoft.com/office/drawing/2014/main" id="{781E035B-9D48-234D-AABE-B610DB6E404B}"/>
+              </a:ext>
+            </a:extLst>
+          </p:cNvPr>
+          <p:cNvSpPr/>
+          <p:nvPr/>
+        </p:nvSpPr>
+        <p:spPr>
+          <a:xfrm rot="5400000">
+            <a:off x="1354365" y="8860826"/>
+            <a:ext cx="53034" cy="45719"/>
+          </a:xfrm>
+          <a:prstGeom prst="triangle">
+            <a:avLst/>
+          </a:prstGeom>
+          <a:solidFill>
+            <a:schemeClr val="bg1"/>
+          </a:solidFill>
+          <a:ln>
+            <a:noFill/>
+          </a:ln>
+        </p:spPr>
+        <p:style>
+          <a:lnRef idx="2">
+            <a:schemeClr val="accent1">
+              <a:shade val="50000"/>
+            </a:schemeClr>
+          </a:lnRef>
+          <a:fillRef idx="1">
+            <a:schemeClr val="accent1"/>
+          </a:fillRef>
+          <a:effectRef idx="0">
+            <a:schemeClr val="accent1"/>
+          </a:effectRef>
+          <a:fontRef idx="minor">
+            <a:schemeClr val="lt1"/>
+          </a:fontRef>
+        </p:style>
+        <p:txBody>
+          <a:bodyPr rtlCol="0" anchor="ctr"/>
+          <a:lstStyle/>
+          <a:p>
+            <a:pPr algn="ctr"/>
+            <a:endParaRPr lang="en-JP"/>
+          </a:p>
+        </p:txBody>
+      </p:sp>
+      <p:sp>
+        <p:nvSpPr>
+          <p:cNvPr id="275" name="Triangle 274">
+            <a:extLst>
+              <a:ext uri="{FF2B5EF4-FFF2-40B4-BE49-F238E27FC236}">
+                <a16:creationId xmlns:a16="http://schemas.microsoft.com/office/drawing/2014/main" id="{4C41094D-70F3-724F-BFDF-9B53578C2B56}"/>
+              </a:ext>
+            </a:extLst>
+          </p:cNvPr>
+          <p:cNvSpPr/>
+          <p:nvPr/>
+        </p:nvSpPr>
+        <p:spPr>
+          <a:xfrm rot="5400000">
+            <a:off x="1506765" y="8860826"/>
+            <a:ext cx="53034" cy="45719"/>
+          </a:xfrm>
+          <a:prstGeom prst="triangle">
+            <a:avLst/>
+          </a:prstGeom>
+          <a:solidFill>
+            <a:schemeClr val="bg1"/>
+          </a:solidFill>
+          <a:ln>
+            <a:noFill/>
+          </a:ln>
+        </p:spPr>
+        <p:style>
+          <a:lnRef idx="2">
+            <a:schemeClr val="accent1">
+              <a:shade val="50000"/>
+            </a:schemeClr>
+          </a:lnRef>
+          <a:fillRef idx="1">
+            <a:schemeClr val="accent1"/>
+          </a:fillRef>
+          <a:effectRef idx="0">
+            <a:schemeClr val="accent1"/>
+          </a:effectRef>
+          <a:fontRef idx="minor">
+            <a:schemeClr val="lt1"/>
+          </a:fontRef>
+        </p:style>
+        <p:txBody>
+          <a:bodyPr rtlCol="0" anchor="ctr"/>
+          <a:lstStyle/>
+          <a:p>
+            <a:pPr algn="ctr"/>
+            <a:endParaRPr lang="en-JP"/>
+          </a:p>
+        </p:txBody>
+      </p:sp>
+      <p:sp>
+        <p:nvSpPr>
+          <p:cNvPr id="276" name="Triangle 275">
+            <a:extLst>
+              <a:ext uri="{FF2B5EF4-FFF2-40B4-BE49-F238E27FC236}">
+                <a16:creationId xmlns:a16="http://schemas.microsoft.com/office/drawing/2014/main" id="{6C84315E-2090-8E4D-B77A-1BD5A5E2BABE}"/>
+              </a:ext>
+            </a:extLst>
+          </p:cNvPr>
+          <p:cNvSpPr/>
+          <p:nvPr/>
+        </p:nvSpPr>
+        <p:spPr>
+          <a:xfrm rot="5400000">
+            <a:off x="1659165" y="8860826"/>
+            <a:ext cx="53034" cy="45719"/>
+          </a:xfrm>
+          <a:prstGeom prst="triangle">
+            <a:avLst/>
+          </a:prstGeom>
+          <a:solidFill>
+            <a:schemeClr val="bg1"/>
+          </a:solidFill>
+          <a:ln>
+            <a:noFill/>
+          </a:ln>
+        </p:spPr>
+        <p:style>
+          <a:lnRef idx="2">
+            <a:schemeClr val="accent1">
+              <a:shade val="50000"/>
+            </a:schemeClr>
+          </a:lnRef>
+          <a:fillRef idx="1">
+            <a:schemeClr val="accent1"/>
+          </a:fillRef>
+          <a:effectRef idx="0">
+            <a:schemeClr val="accent1"/>
+          </a:effectRef>
+          <a:fontRef idx="minor">
+            <a:schemeClr val="lt1"/>
+          </a:fontRef>
+        </p:style>
+        <p:txBody>
+          <a:bodyPr rtlCol="0" anchor="ctr"/>
+          <a:lstStyle/>
+          <a:p>
+            <a:pPr algn="ctr"/>
+            <a:endParaRPr lang="en-JP"/>
+          </a:p>
+        </p:txBody>
+      </p:sp>
+      <p:sp>
+        <p:nvSpPr>
+          <p:cNvPr id="277" name="Triangle 276">
+            <a:extLst>
+              <a:ext uri="{FF2B5EF4-FFF2-40B4-BE49-F238E27FC236}">
+                <a16:creationId xmlns:a16="http://schemas.microsoft.com/office/drawing/2014/main" id="{815B8EB0-F303-9546-9AE7-249A5AE8FB8F}"/>
+              </a:ext>
+            </a:extLst>
+          </p:cNvPr>
+          <p:cNvSpPr/>
+          <p:nvPr/>
+        </p:nvSpPr>
+        <p:spPr>
+          <a:xfrm rot="5400000">
+            <a:off x="1811565" y="8860826"/>
+            <a:ext cx="53034" cy="45719"/>
+          </a:xfrm>
+          <a:prstGeom prst="triangle">
+            <a:avLst/>
+          </a:prstGeom>
+          <a:solidFill>
+            <a:schemeClr val="bg1"/>
+          </a:solidFill>
+          <a:ln>
+            <a:noFill/>
+          </a:ln>
+        </p:spPr>
+        <p:style>
+          <a:lnRef idx="2">
+            <a:schemeClr val="accent1">
+              <a:shade val="50000"/>
+            </a:schemeClr>
+          </a:lnRef>
+          <a:fillRef idx="1">
+            <a:schemeClr val="accent1"/>
+          </a:fillRef>
+          <a:effectRef idx="0">
+            <a:schemeClr val="accent1"/>
+          </a:effectRef>
+          <a:fontRef idx="minor">
+            <a:schemeClr val="lt1"/>
+          </a:fontRef>
+        </p:style>
+        <p:txBody>
+          <a:bodyPr rtlCol="0" anchor="ctr"/>
+          <a:lstStyle/>
+          <a:p>
+            <a:pPr algn="ctr"/>
+            <a:endParaRPr lang="en-JP"/>
+          </a:p>
+        </p:txBody>
+      </p:sp>
+      <p:sp>
+        <p:nvSpPr>
+          <p:cNvPr id="278" name="Triangle 277">
+            <a:extLst>
+              <a:ext uri="{FF2B5EF4-FFF2-40B4-BE49-F238E27FC236}">
+                <a16:creationId xmlns:a16="http://schemas.microsoft.com/office/drawing/2014/main" id="{072515D0-2E9B-474E-AF1F-8872141A754D}"/>
+              </a:ext>
+            </a:extLst>
+          </p:cNvPr>
+          <p:cNvSpPr/>
+          <p:nvPr/>
+        </p:nvSpPr>
+        <p:spPr>
+          <a:xfrm rot="5400000">
+            <a:off x="1963965" y="8860826"/>
+            <a:ext cx="53034" cy="45719"/>
+          </a:xfrm>
+          <a:prstGeom prst="triangle">
+            <a:avLst/>
+          </a:prstGeom>
+          <a:solidFill>
+            <a:schemeClr val="bg1"/>
+          </a:solidFill>
+          <a:ln>
+            <a:noFill/>
+          </a:ln>
+        </p:spPr>
+        <p:style>
+          <a:lnRef idx="2">
+            <a:schemeClr val="accent1">
+              <a:shade val="50000"/>
+            </a:schemeClr>
+          </a:lnRef>
+          <a:fillRef idx="1">
+            <a:schemeClr val="accent1"/>
+          </a:fillRef>
+          <a:effectRef idx="0">
+            <a:schemeClr val="accent1"/>
+          </a:effectRef>
+          <a:fontRef idx="minor">
+            <a:schemeClr val="lt1"/>
+          </a:fontRef>
+        </p:style>
+        <p:txBody>
+          <a:bodyPr rtlCol="0" anchor="ctr"/>
+          <a:lstStyle/>
+          <a:p>
+            <a:pPr algn="ctr"/>
+            <a:endParaRPr lang="en-JP"/>
+          </a:p>
+        </p:txBody>
+      </p:sp>
+      <p:sp>
+        <p:nvSpPr>
+          <p:cNvPr id="279" name="Triangle 278">
+            <a:extLst>
+              <a:ext uri="{FF2B5EF4-FFF2-40B4-BE49-F238E27FC236}">
+                <a16:creationId xmlns:a16="http://schemas.microsoft.com/office/drawing/2014/main" id="{A63EC182-7151-8449-9BAE-BDDA7BD6B1DD}"/>
+              </a:ext>
+            </a:extLst>
+          </p:cNvPr>
+          <p:cNvSpPr/>
+          <p:nvPr/>
+        </p:nvSpPr>
+        <p:spPr>
+          <a:xfrm rot="5400000">
+            <a:off x="2116365" y="8860826"/>
+            <a:ext cx="53034" cy="45719"/>
+          </a:xfrm>
+          <a:prstGeom prst="triangle">
+            <a:avLst/>
+          </a:prstGeom>
+          <a:solidFill>
+            <a:schemeClr val="bg1"/>
+          </a:solidFill>
+          <a:ln>
+            <a:noFill/>
+          </a:ln>
+        </p:spPr>
+        <p:style>
+          <a:lnRef idx="2">
+            <a:schemeClr val="accent1">
+              <a:shade val="50000"/>
+            </a:schemeClr>
+          </a:lnRef>
+          <a:fillRef idx="1">
+            <a:schemeClr val="accent1"/>
+          </a:fillRef>
+          <a:effectRef idx="0">
+            <a:schemeClr val="accent1"/>
+          </a:effectRef>
+          <a:fontRef idx="minor">
+            <a:schemeClr val="lt1"/>
+          </a:fontRef>
+        </p:style>
+        <p:txBody>
+          <a:bodyPr rtlCol="0" anchor="ctr"/>
+          <a:lstStyle/>
+          <a:p>
+            <a:pPr algn="ctr"/>
+            <a:endParaRPr lang="en-JP"/>
+          </a:p>
+        </p:txBody>
+      </p:sp>
+      <p:sp>
+        <p:nvSpPr>
+          <p:cNvPr id="280" name="Triangle 279">
+            <a:extLst>
+              <a:ext uri="{FF2B5EF4-FFF2-40B4-BE49-F238E27FC236}">
+                <a16:creationId xmlns:a16="http://schemas.microsoft.com/office/drawing/2014/main" id="{BBF08A8D-5113-CA40-9505-8A1A903F0F71}"/>
+              </a:ext>
+            </a:extLst>
+          </p:cNvPr>
+          <p:cNvSpPr/>
+          <p:nvPr/>
+        </p:nvSpPr>
+        <p:spPr>
+          <a:xfrm rot="5400000">
+            <a:off x="2268765" y="8860826"/>
+            <a:ext cx="53034" cy="45719"/>
+          </a:xfrm>
+          <a:prstGeom prst="triangle">
+            <a:avLst/>
+          </a:prstGeom>
+          <a:solidFill>
+            <a:schemeClr val="bg1"/>
+          </a:solidFill>
+          <a:ln>
+            <a:noFill/>
+          </a:ln>
+        </p:spPr>
+        <p:style>
+          <a:lnRef idx="2">
+            <a:schemeClr val="accent1">
+              <a:shade val="50000"/>
+            </a:schemeClr>
+          </a:lnRef>
+          <a:fillRef idx="1">
+            <a:schemeClr val="accent1"/>
+          </a:fillRef>
+          <a:effectRef idx="0">
+            <a:schemeClr val="accent1"/>
+          </a:effectRef>
+          <a:fontRef idx="minor">
+            <a:schemeClr val="lt1"/>
+          </a:fontRef>
+        </p:style>
+        <p:txBody>
+          <a:bodyPr rtlCol="0" anchor="ctr"/>
+          <a:lstStyle/>
+          <a:p>
+            <a:pPr algn="ctr"/>
+            <a:endParaRPr lang="en-JP"/>
+          </a:p>
+        </p:txBody>
+      </p:sp>
+      <p:sp>
+        <p:nvSpPr>
+          <p:cNvPr id="281" name="Triangle 280">
+            <a:extLst>
+              <a:ext uri="{FF2B5EF4-FFF2-40B4-BE49-F238E27FC236}">
+                <a16:creationId xmlns:a16="http://schemas.microsoft.com/office/drawing/2014/main" id="{DB91BF44-F025-6149-AE3E-BDD4B4D99C6D}"/>
+              </a:ext>
+            </a:extLst>
+          </p:cNvPr>
+          <p:cNvSpPr/>
+          <p:nvPr/>
+        </p:nvSpPr>
+        <p:spPr>
+          <a:xfrm rot="5400000">
+            <a:off x="2421165" y="8860826"/>
+            <a:ext cx="53034" cy="45719"/>
+          </a:xfrm>
+          <a:prstGeom prst="triangle">
+            <a:avLst/>
+          </a:prstGeom>
+          <a:solidFill>
+            <a:schemeClr val="bg1"/>
+          </a:solidFill>
+          <a:ln>
+            <a:noFill/>
+          </a:ln>
+        </p:spPr>
+        <p:style>
+          <a:lnRef idx="2">
+            <a:schemeClr val="accent1">
+              <a:shade val="50000"/>
+            </a:schemeClr>
+          </a:lnRef>
+          <a:fillRef idx="1">
+            <a:schemeClr val="accent1"/>
+          </a:fillRef>
+          <a:effectRef idx="0">
+            <a:schemeClr val="accent1"/>
+          </a:effectRef>
+          <a:fontRef idx="minor">
+            <a:schemeClr val="lt1"/>
+          </a:fontRef>
+        </p:style>
+        <p:txBody>
+          <a:bodyPr rtlCol="0" anchor="ctr"/>
+          <a:lstStyle/>
+          <a:p>
+            <a:pPr algn="ctr"/>
+            <a:endParaRPr lang="en-JP"/>
+          </a:p>
+        </p:txBody>
+      </p:sp>
+      <p:sp>
+        <p:nvSpPr>
+          <p:cNvPr id="282" name="Triangle 281">
+            <a:extLst>
+              <a:ext uri="{FF2B5EF4-FFF2-40B4-BE49-F238E27FC236}">
+                <a16:creationId xmlns:a16="http://schemas.microsoft.com/office/drawing/2014/main" id="{40289357-E9E7-0C41-80BC-99C78BBA93F4}"/>
+              </a:ext>
+            </a:extLst>
+          </p:cNvPr>
+          <p:cNvSpPr/>
+          <p:nvPr/>
+        </p:nvSpPr>
+        <p:spPr>
+          <a:xfrm rot="5400000">
+            <a:off x="2573565" y="8860826"/>
+            <a:ext cx="53034" cy="45719"/>
+          </a:xfrm>
+          <a:prstGeom prst="triangle">
+            <a:avLst/>
+          </a:prstGeom>
+          <a:solidFill>
+            <a:schemeClr val="bg1"/>
+          </a:solidFill>
+          <a:ln>
+            <a:noFill/>
+          </a:ln>
+        </p:spPr>
+        <p:style>
+          <a:lnRef idx="2">
+            <a:schemeClr val="accent1">
+              <a:shade val="50000"/>
+            </a:schemeClr>
+          </a:lnRef>
+          <a:fillRef idx="1">
+            <a:schemeClr val="accent1"/>
+          </a:fillRef>
+          <a:effectRef idx="0">
+            <a:schemeClr val="accent1"/>
+          </a:effectRef>
+          <a:fontRef idx="minor">
+            <a:schemeClr val="lt1"/>
+          </a:fontRef>
+        </p:style>
+        <p:txBody>
+          <a:bodyPr rtlCol="0" anchor="ctr"/>
+          <a:lstStyle/>
+          <a:p>
+            <a:pPr algn="ctr"/>
+            <a:endParaRPr lang="en-JP"/>
+          </a:p>
+        </p:txBody>
+      </p:sp>
+      <p:sp>
+        <p:nvSpPr>
+          <p:cNvPr id="283" name="Triangle 282">
+            <a:extLst>
+              <a:ext uri="{FF2B5EF4-FFF2-40B4-BE49-F238E27FC236}">
+                <a16:creationId xmlns:a16="http://schemas.microsoft.com/office/drawing/2014/main" id="{AF072C1A-0473-6040-BA7B-1CEA5799656F}"/>
+              </a:ext>
+            </a:extLst>
+          </p:cNvPr>
+          <p:cNvSpPr/>
+          <p:nvPr/>
+        </p:nvSpPr>
+        <p:spPr>
+          <a:xfrm rot="5400000">
+            <a:off x="1885021" y="9170721"/>
+            <a:ext cx="53034" cy="45719"/>
+          </a:xfrm>
+          <a:prstGeom prst="triangle">
+            <a:avLst/>
+          </a:prstGeom>
+          <a:solidFill>
+            <a:schemeClr val="bg1"/>
+          </a:solidFill>
+          <a:ln>
+            <a:noFill/>
+          </a:ln>
+        </p:spPr>
+        <p:style>
+          <a:lnRef idx="2">
+            <a:schemeClr val="accent1">
+              <a:shade val="50000"/>
+            </a:schemeClr>
+          </a:lnRef>
+          <a:fillRef idx="1">
+            <a:schemeClr val="accent1"/>
+          </a:fillRef>
+          <a:effectRef idx="0">
+            <a:schemeClr val="accent1"/>
+          </a:effectRef>
+          <a:fontRef idx="minor">
+            <a:schemeClr val="lt1"/>
+          </a:fontRef>
+        </p:style>
+        <p:txBody>
+          <a:bodyPr rtlCol="0" anchor="ctr"/>
+          <a:lstStyle/>
+          <a:p>
+            <a:pPr algn="ctr"/>
+            <a:endParaRPr lang="en-JP"/>
+          </a:p>
+        </p:txBody>
+      </p:sp>
+      <p:sp>
+        <p:nvSpPr>
+          <p:cNvPr id="284" name="Triangle 283">
+            <a:extLst>
+              <a:ext uri="{FF2B5EF4-FFF2-40B4-BE49-F238E27FC236}">
+                <a16:creationId xmlns:a16="http://schemas.microsoft.com/office/drawing/2014/main" id="{96F4A6F1-14D4-3942-8BC1-5C239A2C9222}"/>
+              </a:ext>
+            </a:extLst>
+          </p:cNvPr>
+          <p:cNvSpPr/>
+          <p:nvPr/>
+        </p:nvSpPr>
+        <p:spPr>
+          <a:xfrm rot="5400000">
+            <a:off x="2037421" y="9170721"/>
+            <a:ext cx="53034" cy="45719"/>
+          </a:xfrm>
+          <a:prstGeom prst="triangle">
+            <a:avLst/>
+          </a:prstGeom>
+          <a:solidFill>
+            <a:schemeClr val="bg1"/>
+          </a:solidFill>
+          <a:ln>
+            <a:noFill/>
+          </a:ln>
+        </p:spPr>
+        <p:style>
+          <a:lnRef idx="2">
+            <a:schemeClr val="accent1">
+              <a:shade val="50000"/>
+            </a:schemeClr>
+          </a:lnRef>
+          <a:fillRef idx="1">
+            <a:schemeClr val="accent1"/>
+          </a:fillRef>
+          <a:effectRef idx="0">
+            <a:schemeClr val="accent1"/>
+          </a:effectRef>
+          <a:fontRef idx="minor">
+            <a:schemeClr val="lt1"/>
+          </a:fontRef>
+        </p:style>
+        <p:txBody>
+          <a:bodyPr rtlCol="0" anchor="ctr"/>
+          <a:lstStyle/>
+          <a:p>
+            <a:pPr algn="ctr"/>
+            <a:endParaRPr lang="en-JP"/>
+          </a:p>
+        </p:txBody>
+      </p:sp>
+      <p:sp>
+        <p:nvSpPr>
+          <p:cNvPr id="285" name="Triangle 284">
+            <a:extLst>
+              <a:ext uri="{FF2B5EF4-FFF2-40B4-BE49-F238E27FC236}">
+                <a16:creationId xmlns:a16="http://schemas.microsoft.com/office/drawing/2014/main" id="{79E6CE19-75BD-5C42-8E2B-5F5AB2F13C8B}"/>
+              </a:ext>
+            </a:extLst>
+          </p:cNvPr>
+          <p:cNvSpPr/>
+          <p:nvPr/>
+        </p:nvSpPr>
+        <p:spPr>
+          <a:xfrm rot="5400000">
+            <a:off x="2189821" y="9170721"/>
+            <a:ext cx="53034" cy="45719"/>
+          </a:xfrm>
+          <a:prstGeom prst="triangle">
+            <a:avLst/>
+          </a:prstGeom>
+          <a:solidFill>
+            <a:schemeClr val="bg1"/>
+          </a:solidFill>
+          <a:ln>
+            <a:noFill/>
+          </a:ln>
+        </p:spPr>
+        <p:style>
+          <a:lnRef idx="2">
+            <a:schemeClr val="accent1">
+              <a:shade val="50000"/>
+            </a:schemeClr>
+          </a:lnRef>
+          <a:fillRef idx="1">
+            <a:schemeClr val="accent1"/>
+          </a:fillRef>
+          <a:effectRef idx="0">
+            <a:schemeClr val="accent1"/>
+          </a:effectRef>
+          <a:fontRef idx="minor">
+            <a:schemeClr val="lt1"/>
+          </a:fontRef>
+        </p:style>
+        <p:txBody>
+          <a:bodyPr rtlCol="0" anchor="ctr"/>
+          <a:lstStyle/>
+          <a:p>
+            <a:pPr algn="ctr"/>
+            <a:endParaRPr lang="en-JP"/>
+          </a:p>
+        </p:txBody>
+      </p:sp>
+      <p:sp>
+        <p:nvSpPr>
+          <p:cNvPr id="286" name="TextBox 285">
+            <a:extLst>
+              <a:ext uri="{FF2B5EF4-FFF2-40B4-BE49-F238E27FC236}">
+                <a16:creationId xmlns:a16="http://schemas.microsoft.com/office/drawing/2014/main" id="{38694334-436D-D541-BEAA-4934E5686F57}"/>
+              </a:ext>
+            </a:extLst>
+          </p:cNvPr>
+          <p:cNvSpPr txBox="1"/>
+          <p:nvPr/>
+        </p:nvSpPr>
+        <p:spPr>
+          <a:xfrm>
+            <a:off x="130354" y="8923526"/>
+            <a:ext cx="461472" cy="215444"/>
+          </a:xfrm>
+          <a:prstGeom prst="rect">
+            <a:avLst/>
+          </a:prstGeom>
+          <a:noFill/>
+        </p:spPr>
+        <p:txBody>
+          <a:bodyPr wrap="none" rtlCol="0">
+            <a:spAutoFit/>
+          </a:bodyPr>
+          <a:lstStyle/>
+          <a:p>
+            <a:r>
+              <a:rPr lang="en-JP" sz="800" b="1" dirty="0">
+                <a:latin typeface="Hiragino Kaku Gothic ProN W6" panose="020B0300000000000000" pitchFamily="34" charset="-128"/>
+                <a:ea typeface="Hiragino Kaku Gothic ProN W6" panose="020B0300000000000000" pitchFamily="34" charset="-128"/>
+              </a:rPr>
+              <a:t>IWGSC</a:t>
+            </a:r>
+          </a:p>
+        </p:txBody>
+      </p:sp>
+      <p:sp>
+        <p:nvSpPr>
+          <p:cNvPr id="287" name="TextBox 286">
+            <a:extLst>
+              <a:ext uri="{FF2B5EF4-FFF2-40B4-BE49-F238E27FC236}">
+                <a16:creationId xmlns:a16="http://schemas.microsoft.com/office/drawing/2014/main" id="{3D2B0C55-45BE-C34C-8031-345466F05BFB}"/>
+              </a:ext>
+            </a:extLst>
+          </p:cNvPr>
+          <p:cNvSpPr txBox="1"/>
+          <p:nvPr/>
+        </p:nvSpPr>
+        <p:spPr>
+          <a:xfrm>
+            <a:off x="128470" y="9413716"/>
+            <a:ext cx="635413" cy="215444"/>
+          </a:xfrm>
+          <a:prstGeom prst="rect">
+            <a:avLst/>
+          </a:prstGeom>
+          <a:noFill/>
+        </p:spPr>
+        <p:txBody>
+          <a:bodyPr wrap="none" rtlCol="0">
+            <a:spAutoFit/>
+          </a:bodyPr>
+          <a:lstStyle/>
+          <a:p>
+            <a:r>
+              <a:rPr lang="en-JP" sz="800" b="1" dirty="0">
+                <a:latin typeface="Hiragino Kaku Gothic ProN W6" panose="020B0300000000000000" pitchFamily="34" charset="-128"/>
+                <a:ea typeface="Hiragino Kaku Gothic ProN W6" panose="020B0300000000000000" pitchFamily="34" charset="-128"/>
+              </a:rPr>
+              <a:t>IWGSC+1k</a:t>
+            </a:r>
+          </a:p>
+        </p:txBody>
+      </p:sp>
+      <p:sp>
+        <p:nvSpPr>
+          <p:cNvPr id="288" name="TextBox 287">
+            <a:extLst>
+              <a:ext uri="{FF2B5EF4-FFF2-40B4-BE49-F238E27FC236}">
+                <a16:creationId xmlns:a16="http://schemas.microsoft.com/office/drawing/2014/main" id="{FE693769-7901-8848-805D-00FEF3FB7DD9}"/>
+              </a:ext>
+            </a:extLst>
+          </p:cNvPr>
+          <p:cNvSpPr txBox="1"/>
+          <p:nvPr/>
+        </p:nvSpPr>
+        <p:spPr>
+          <a:xfrm>
+            <a:off x="3462976" y="124162"/>
             <a:ext cx="349776" cy="338554"/>
           </a:xfrm>
           <a:prstGeom prst="rect">
@@ -10291,10 +15216,10 @@
       </p:sp>
       <p:sp>
         <p:nvSpPr>
-          <p:cNvPr id="100" name="TextBox 99">
-            <a:extLst>
-              <a:ext uri="{FF2B5EF4-FFF2-40B4-BE49-F238E27FC236}">
-                <a16:creationId xmlns:a16="http://schemas.microsoft.com/office/drawing/2014/main" id="{E3E297B5-CD1E-1143-8C3A-0CC48167F587}"/>
+          <p:cNvPr id="289" name="TextBox 288">
+            <a:extLst>
+              <a:ext uri="{FF2B5EF4-FFF2-40B4-BE49-F238E27FC236}">
+                <a16:creationId xmlns:a16="http://schemas.microsoft.com/office/drawing/2014/main" id="{9E5B8563-CCC2-EC49-865A-02052F793787}"/>
               </a:ext>
             </a:extLst>
           </p:cNvPr>
@@ -10303,8 +15228,8 @@
         </p:nvSpPr>
         <p:spPr>
           <a:xfrm>
-            <a:off x="62979" y="42443"/>
-            <a:ext cx="1683794" cy="646331"/>
+            <a:off x="4914162" y="8985232"/>
+            <a:ext cx="1512065" cy="215444"/>
           </a:xfrm>
           <a:prstGeom prst="rect">
             <a:avLst/>
@@ -10312,62 +15237,31 @@
           <a:noFill/>
         </p:spPr>
         <p:txBody>
-          <a:bodyPr wrap="none" rtlCol="0">
+          <a:bodyPr wrap="square" rtlCol="0">
             <a:spAutoFit/>
           </a:bodyPr>
           <a:lstStyle/>
           <a:p>
             <a:r>
-              <a:rPr lang="en-JP" sz="3600" dirty="0"/>
-              <a:t>Figure 2</a:t>
-            </a:r>
-          </a:p>
-        </p:txBody>
-      </p:sp>
-      <p:sp>
-        <p:nvSpPr>
-          <p:cNvPr id="128" name="TextBox 127">
-            <a:extLst>
-              <a:ext uri="{FF2B5EF4-FFF2-40B4-BE49-F238E27FC236}">
-                <a16:creationId xmlns:a16="http://schemas.microsoft.com/office/drawing/2014/main" id="{82321AC5-A212-A043-A6FB-CCEB909930A5}"/>
-              </a:ext>
-            </a:extLst>
-          </p:cNvPr>
-          <p:cNvSpPr txBox="1"/>
-          <p:nvPr/>
-        </p:nvSpPr>
-        <p:spPr>
-          <a:xfrm rot="16200000">
-            <a:off x="3248128" y="2471109"/>
-            <a:ext cx="671979" cy="276999"/>
-          </a:xfrm>
-          <a:prstGeom prst="rect">
-            <a:avLst/>
-          </a:prstGeom>
-          <a:noFill/>
-        </p:spPr>
-        <p:txBody>
-          <a:bodyPr wrap="none" rtlCol="0">
-            <a:spAutoFit/>
-          </a:bodyPr>
-          <a:lstStyle/>
-          <a:p>
-            <a:r>
-              <a:rPr lang="en-JP" sz="1200" b="1" dirty="0">
+              <a:rPr lang="en-US" sz="800" b="1" dirty="0">
                 <a:latin typeface="Hiragino Kaku Gothic ProN W6" panose="020B0300000000000000" pitchFamily="34" charset="-128"/>
                 <a:ea typeface="Hiragino Kaku Gothic ProN W6" panose="020B0300000000000000" pitchFamily="34" charset="-128"/>
               </a:rPr>
-              <a:t>depth</a:t>
+              <a:t>TraesCS7B02G013100</a:t>
             </a:r>
-          </a:p>
-        </p:txBody>
-      </p:sp>
-      <p:sp>
-        <p:nvSpPr>
-          <p:cNvPr id="129" name="TextBox 128">
-            <a:extLst>
-              <a:ext uri="{FF2B5EF4-FFF2-40B4-BE49-F238E27FC236}">
-                <a16:creationId xmlns:a16="http://schemas.microsoft.com/office/drawing/2014/main" id="{EBC3818E-DFDD-CC48-9018-E4424E488A88}"/>
+            <a:endParaRPr lang="en-JP" sz="800" b="1" dirty="0">
+              <a:latin typeface="Hiragino Kaku Gothic ProN W6" panose="020B0300000000000000" pitchFamily="34" charset="-128"/>
+              <a:ea typeface="Hiragino Kaku Gothic ProN W6" panose="020B0300000000000000" pitchFamily="34" charset="-128"/>
+            </a:endParaRPr>
+          </a:p>
+        </p:txBody>
+      </p:sp>
+      <p:sp>
+        <p:nvSpPr>
+          <p:cNvPr id="290" name="TextBox 289">
+            <a:extLst>
+              <a:ext uri="{FF2B5EF4-FFF2-40B4-BE49-F238E27FC236}">
+                <a16:creationId xmlns:a16="http://schemas.microsoft.com/office/drawing/2014/main" id="{53E816B3-14C0-7C47-81FE-DA1F3ADA92A6}"/>
               </a:ext>
             </a:extLst>
           </p:cNvPr>
@@ -10375,227 +15269,8 @@
           <p:nvPr/>
         </p:nvSpPr>
         <p:spPr>
-          <a:xfrm rot="16200000">
-            <a:off x="-191051" y="6043022"/>
-            <a:ext cx="671979" cy="276999"/>
-          </a:xfrm>
-          <a:prstGeom prst="rect">
-            <a:avLst/>
-          </a:prstGeom>
-          <a:noFill/>
-        </p:spPr>
-        <p:txBody>
-          <a:bodyPr wrap="none" rtlCol="0">
-            <a:spAutoFit/>
-          </a:bodyPr>
-          <a:lstStyle/>
-          <a:p>
-            <a:r>
-              <a:rPr lang="en-JP" sz="1200" b="1" dirty="0">
-                <a:latin typeface="Hiragino Kaku Gothic ProN W6" panose="020B0300000000000000" pitchFamily="34" charset="-128"/>
-                <a:ea typeface="Hiragino Kaku Gothic ProN W6" panose="020B0300000000000000" pitchFamily="34" charset="-128"/>
-              </a:rPr>
-              <a:t>depth</a:t>
-            </a:r>
-          </a:p>
-        </p:txBody>
-      </p:sp>
-      <p:sp>
-        <p:nvSpPr>
-          <p:cNvPr id="131" name="TextBox 130">
-            <a:extLst>
-              <a:ext uri="{FF2B5EF4-FFF2-40B4-BE49-F238E27FC236}">
-                <a16:creationId xmlns:a16="http://schemas.microsoft.com/office/drawing/2014/main" id="{40919542-793A-634B-B07C-ED033C2CABF2}"/>
-              </a:ext>
-            </a:extLst>
-          </p:cNvPr>
-          <p:cNvSpPr txBox="1"/>
-          <p:nvPr/>
-        </p:nvSpPr>
-        <p:spPr>
-          <a:xfrm rot="16200000">
-            <a:off x="3345925" y="6043023"/>
-            <a:ext cx="671979" cy="276999"/>
-          </a:xfrm>
-          <a:prstGeom prst="rect">
-            <a:avLst/>
-          </a:prstGeom>
-          <a:noFill/>
-        </p:spPr>
-        <p:txBody>
-          <a:bodyPr wrap="none" rtlCol="0">
-            <a:spAutoFit/>
-          </a:bodyPr>
-          <a:lstStyle/>
-          <a:p>
-            <a:r>
-              <a:rPr lang="en-JP" sz="1200" b="1" dirty="0">
-                <a:latin typeface="Hiragino Kaku Gothic ProN W6" panose="020B0300000000000000" pitchFamily="34" charset="-128"/>
-                <a:ea typeface="Hiragino Kaku Gothic ProN W6" panose="020B0300000000000000" pitchFamily="34" charset="-128"/>
-              </a:rPr>
-              <a:t>depth</a:t>
-            </a:r>
-          </a:p>
-        </p:txBody>
-      </p:sp>
-      <p:pic>
-        <p:nvPicPr>
-          <p:cNvPr id="141" name="Picture 140">
-            <a:extLst>
-              <a:ext uri="{FF2B5EF4-FFF2-40B4-BE49-F238E27FC236}">
-                <a16:creationId xmlns:a16="http://schemas.microsoft.com/office/drawing/2014/main" id="{D0E88367-616F-D94F-BDE8-1163D68FF9C2}"/>
-              </a:ext>
-            </a:extLst>
-          </p:cNvPr>
-          <p:cNvPicPr>
-            <a:picLocks noChangeAspect="1"/>
-          </p:cNvPicPr>
-          <p:nvPr/>
-        </p:nvPicPr>
-        <p:blipFill rotWithShape="1">
-          <a:blip r:embed="rId5"/>
-          <a:srcRect l="82500" t="27704" r="2499" b="39939"/>
-          <a:stretch/>
-        </p:blipFill>
-        <p:spPr>
-          <a:xfrm>
-            <a:off x="4143602" y="1664977"/>
-            <a:ext cx="559997" cy="805212"/>
-          </a:xfrm>
-          <a:prstGeom prst="rect">
-            <a:avLst/>
-          </a:prstGeom>
-        </p:spPr>
-      </p:pic>
-      <p:sp>
-        <p:nvSpPr>
-          <p:cNvPr id="170" name="TextBox 169">
-            <a:extLst>
-              <a:ext uri="{FF2B5EF4-FFF2-40B4-BE49-F238E27FC236}">
-                <a16:creationId xmlns:a16="http://schemas.microsoft.com/office/drawing/2014/main" id="{B509BD99-A499-3349-A94C-AF60151070A7}"/>
-              </a:ext>
-            </a:extLst>
-          </p:cNvPr>
-          <p:cNvSpPr txBox="1"/>
-          <p:nvPr/>
-        </p:nvSpPr>
-        <p:spPr>
-          <a:xfrm>
-            <a:off x="4450222" y="3568368"/>
-            <a:ext cx="684803" cy="215444"/>
-          </a:xfrm>
-          <a:prstGeom prst="rect">
-            <a:avLst/>
-          </a:prstGeom>
-          <a:noFill/>
-        </p:spPr>
-        <p:txBody>
-          <a:bodyPr wrap="none" rtlCol="0">
-            <a:spAutoFit/>
-          </a:bodyPr>
-          <a:lstStyle/>
-          <a:p>
-            <a:r>
-              <a:rPr lang="en-JP" sz="800" b="1" dirty="0">
-                <a:latin typeface="Hiragino Kaku Gothic ProN W6" panose="020B0300000000000000" pitchFamily="34" charset="-128"/>
-                <a:ea typeface="Hiragino Kaku Gothic ProN W6" panose="020B0300000000000000" pitchFamily="34" charset="-128"/>
-              </a:rPr>
-              <a:t>2,154 bp</a:t>
-            </a:r>
-          </a:p>
-        </p:txBody>
-      </p:sp>
-      <p:sp>
-        <p:nvSpPr>
-          <p:cNvPr id="160" name="TextBox 159">
-            <a:extLst>
-              <a:ext uri="{FF2B5EF4-FFF2-40B4-BE49-F238E27FC236}">
-                <a16:creationId xmlns:a16="http://schemas.microsoft.com/office/drawing/2014/main" id="{8AB13059-626C-2E45-B91F-02BDCA0E9666}"/>
-              </a:ext>
-            </a:extLst>
-          </p:cNvPr>
-          <p:cNvSpPr txBox="1"/>
-          <p:nvPr/>
-        </p:nvSpPr>
-        <p:spPr>
-          <a:xfrm>
-            <a:off x="5430900" y="3773568"/>
-            <a:ext cx="1512065" cy="215444"/>
-          </a:xfrm>
-          <a:prstGeom prst="rect">
-            <a:avLst/>
-          </a:prstGeom>
-          <a:noFill/>
-        </p:spPr>
-        <p:txBody>
-          <a:bodyPr wrap="square" rtlCol="0">
-            <a:spAutoFit/>
-          </a:bodyPr>
-          <a:lstStyle/>
-          <a:p>
-            <a:r>
-              <a:rPr lang="en-JP" sz="800" b="1" dirty="0">
-                <a:latin typeface="Hiragino Kaku Gothic ProN W6" panose="020B0300000000000000" pitchFamily="34" charset="-128"/>
-                <a:ea typeface="Hiragino Kaku Gothic ProN W6" panose="020B0300000000000000" pitchFamily="34" charset="-128"/>
-              </a:rPr>
-              <a:t>TraesCS2B02G330600</a:t>
-            </a:r>
-          </a:p>
-        </p:txBody>
-      </p:sp>
-      <p:sp>
-        <p:nvSpPr>
-          <p:cNvPr id="161" name="TextBox 160">
-            <a:extLst>
-              <a:ext uri="{FF2B5EF4-FFF2-40B4-BE49-F238E27FC236}">
-                <a16:creationId xmlns:a16="http://schemas.microsoft.com/office/drawing/2014/main" id="{0E00BD78-31A4-C94D-A156-69E44908BE75}"/>
-              </a:ext>
-            </a:extLst>
-          </p:cNvPr>
-          <p:cNvSpPr txBox="1"/>
-          <p:nvPr/>
-        </p:nvSpPr>
-        <p:spPr>
-          <a:xfrm>
-            <a:off x="4598948" y="4101724"/>
-            <a:ext cx="1512065" cy="215444"/>
-          </a:xfrm>
-          <a:prstGeom prst="rect">
-            <a:avLst/>
-          </a:prstGeom>
-          <a:noFill/>
-        </p:spPr>
-        <p:txBody>
-          <a:bodyPr wrap="square" rtlCol="0">
-            <a:spAutoFit/>
-          </a:bodyPr>
-          <a:lstStyle/>
-          <a:p>
-            <a:r>
-              <a:rPr lang="en-JP" sz="800" b="1" dirty="0">
-                <a:latin typeface="Hiragino Kaku Gothic ProN W6" panose="020B0300000000000000" pitchFamily="34" charset="-128"/>
-                <a:ea typeface="Hiragino Kaku Gothic ProN W6" panose="020B0300000000000000" pitchFamily="34" charset="-128"/>
-              </a:rPr>
-              <a:t>TraesCS2B02G330500</a:t>
-            </a:r>
-          </a:p>
-        </p:txBody>
-      </p:sp>
-      <p:sp>
-        <p:nvSpPr>
-          <p:cNvPr id="162" name="TextBox 161">
-            <a:extLst>
-              <a:ext uri="{FF2B5EF4-FFF2-40B4-BE49-F238E27FC236}">
-                <a16:creationId xmlns:a16="http://schemas.microsoft.com/office/drawing/2014/main" id="{EEF10CFA-E3DA-0940-93FE-46FC2E7445F7}"/>
-              </a:ext>
-            </a:extLst>
-          </p:cNvPr>
-          <p:cNvSpPr txBox="1"/>
-          <p:nvPr/>
-        </p:nvSpPr>
-        <p:spPr>
-          <a:xfrm>
-            <a:off x="4102046" y="3923998"/>
+          <a:xfrm>
+            <a:off x="4213482" y="8798301"/>
             <a:ext cx="495507" cy="215444"/>
           </a:xfrm>
           <a:prstGeom prst="rect">
@@ -10621,10 +15296,10 @@
       </p:sp>
       <p:sp>
         <p:nvSpPr>
-          <p:cNvPr id="163" name="TextBox 162">
-            <a:extLst>
-              <a:ext uri="{FF2B5EF4-FFF2-40B4-BE49-F238E27FC236}">
-                <a16:creationId xmlns:a16="http://schemas.microsoft.com/office/drawing/2014/main" id="{6DBAC676-5804-C746-A916-751314F7ED86}"/>
+          <p:cNvPr id="291" name="TextBox 290">
+            <a:extLst>
+              <a:ext uri="{FF2B5EF4-FFF2-40B4-BE49-F238E27FC236}">
+                <a16:creationId xmlns:a16="http://schemas.microsoft.com/office/drawing/2014/main" id="{783978EC-A87A-E340-BAC4-1179643A51F9}"/>
               </a:ext>
             </a:extLst>
           </p:cNvPr>
@@ -10633,7 +15308,7 @@
         </p:nvSpPr>
         <p:spPr>
           <a:xfrm>
-            <a:off x="4008660" y="4316537"/>
+            <a:off x="4060570" y="9207550"/>
             <a:ext cx="682278" cy="215444"/>
           </a:xfrm>
           <a:prstGeom prst="rect">
@@ -10659,10 +15334,10 @@
       </p:sp>
       <p:sp>
         <p:nvSpPr>
-          <p:cNvPr id="164" name="Rectangle 163">
-            <a:extLst>
-              <a:ext uri="{FF2B5EF4-FFF2-40B4-BE49-F238E27FC236}">
-                <a16:creationId xmlns:a16="http://schemas.microsoft.com/office/drawing/2014/main" id="{39A6E8FF-EE0A-564F-8163-22DDB48984C1}"/>
+          <p:cNvPr id="292" name="Rectangle 291">
+            <a:extLst>
+              <a:ext uri="{FF2B5EF4-FFF2-40B4-BE49-F238E27FC236}">
+                <a16:creationId xmlns:a16="http://schemas.microsoft.com/office/drawing/2014/main" id="{8F5583F4-F946-9043-931B-C4C303495E63}"/>
               </a:ext>
             </a:extLst>
           </p:cNvPr>
@@ -10671,8 +15346,8 @@
         </p:nvSpPr>
         <p:spPr>
           <a:xfrm>
-            <a:off x="5328985" y="4366570"/>
-            <a:ext cx="721777" cy="109200"/>
+            <a:off x="4862611" y="9282397"/>
+            <a:ext cx="1869072" cy="95953"/>
           </a:xfrm>
           <a:prstGeom prst="rect">
             <a:avLst/>
@@ -10711,10 +15386,10 @@
       </p:sp>
       <p:sp>
         <p:nvSpPr>
-          <p:cNvPr id="165" name="Rectangle 164">
-            <a:extLst>
-              <a:ext uri="{FF2B5EF4-FFF2-40B4-BE49-F238E27FC236}">
-                <a16:creationId xmlns:a16="http://schemas.microsoft.com/office/drawing/2014/main" id="{E6620516-7835-4040-87B3-2439A53ECD7A}"/>
+          <p:cNvPr id="293" name="Triangle 292">
+            <a:extLst>
+              <a:ext uri="{FF2B5EF4-FFF2-40B4-BE49-F238E27FC236}">
+                <a16:creationId xmlns:a16="http://schemas.microsoft.com/office/drawing/2014/main" id="{DBAC59AE-02CB-EF40-AD2B-6F86ACFE8679}"/>
               </a:ext>
             </a:extLst>
           </p:cNvPr>
@@ -10722,15 +15397,15 @@
           <p:nvPr/>
         </p:nvSpPr>
         <p:spPr>
-          <a:xfrm>
-            <a:off x="6050769" y="4494878"/>
-            <a:ext cx="699076" cy="109200"/>
-          </a:xfrm>
-          <a:prstGeom prst="rect">
+          <a:xfrm rot="5400000">
+            <a:off x="4940353" y="9298903"/>
+            <a:ext cx="82716" cy="62941"/>
+          </a:xfrm>
+          <a:prstGeom prst="triangle">
             <a:avLst/>
           </a:prstGeom>
           <a:solidFill>
-            <a:srgbClr val="FFC000"/>
+            <a:schemeClr val="bg1"/>
           </a:solidFill>
           <a:ln>
             <a:noFill/>
@@ -10763,10 +15438,10 @@
       </p:sp>
       <p:sp>
         <p:nvSpPr>
-          <p:cNvPr id="166" name="Triangle 165">
-            <a:extLst>
-              <a:ext uri="{FF2B5EF4-FFF2-40B4-BE49-F238E27FC236}">
-                <a16:creationId xmlns:a16="http://schemas.microsoft.com/office/drawing/2014/main" id="{A7280BD7-5E0A-434D-AD4D-B4F9E18BB293}"/>
+          <p:cNvPr id="294" name="Triangle 293">
+            <a:extLst>
+              <a:ext uri="{FF2B5EF4-FFF2-40B4-BE49-F238E27FC236}">
+                <a16:creationId xmlns:a16="http://schemas.microsoft.com/office/drawing/2014/main" id="{BC19C4D3-FEAB-4248-AEDC-FDD367329624}"/>
               </a:ext>
             </a:extLst>
           </p:cNvPr>
@@ -10775,7 +15450,7 @@
         </p:nvSpPr>
         <p:spPr>
           <a:xfrm rot="5400000">
-            <a:off x="5440784" y="4388111"/>
+            <a:off x="5788549" y="9298903"/>
             <a:ext cx="82716" cy="62941"/>
           </a:xfrm>
           <a:prstGeom prst="triangle">
@@ -10813,168 +15488,12 @@
           </a:p>
         </p:txBody>
       </p:sp>
-      <p:sp>
-        <p:nvSpPr>
-          <p:cNvPr id="167" name="Triangle 166">
-            <a:extLst>
-              <a:ext uri="{FF2B5EF4-FFF2-40B4-BE49-F238E27FC236}">
-                <a16:creationId xmlns:a16="http://schemas.microsoft.com/office/drawing/2014/main" id="{B6A37D1C-91A9-454E-A970-5FF737F3FF88}"/>
-              </a:ext>
-            </a:extLst>
-          </p:cNvPr>
-          <p:cNvSpPr/>
-          <p:nvPr/>
-        </p:nvSpPr>
-        <p:spPr>
-          <a:xfrm rot="5400000">
-            <a:off x="6136734" y="4519023"/>
-            <a:ext cx="82716" cy="62941"/>
-          </a:xfrm>
-          <a:prstGeom prst="triangle">
-            <a:avLst/>
-          </a:prstGeom>
-          <a:solidFill>
-            <a:schemeClr val="bg1"/>
-          </a:solidFill>
-          <a:ln>
-            <a:noFill/>
-          </a:ln>
-        </p:spPr>
-        <p:style>
-          <a:lnRef idx="2">
-            <a:schemeClr val="accent1">
-              <a:shade val="50000"/>
-            </a:schemeClr>
-          </a:lnRef>
-          <a:fillRef idx="1">
-            <a:schemeClr val="accent1"/>
-          </a:fillRef>
-          <a:effectRef idx="0">
-            <a:schemeClr val="accent1"/>
-          </a:effectRef>
-          <a:fontRef idx="minor">
-            <a:schemeClr val="lt1"/>
-          </a:fontRef>
-        </p:style>
-        <p:txBody>
-          <a:bodyPr rtlCol="0" anchor="ctr"/>
-          <a:lstStyle/>
-          <a:p>
-            <a:pPr algn="ctr"/>
-            <a:endParaRPr lang="en-JP"/>
-          </a:p>
-        </p:txBody>
-      </p:sp>
-      <p:sp>
-        <p:nvSpPr>
-          <p:cNvPr id="168" name="Triangle 167">
-            <a:extLst>
-              <a:ext uri="{FF2B5EF4-FFF2-40B4-BE49-F238E27FC236}">
-                <a16:creationId xmlns:a16="http://schemas.microsoft.com/office/drawing/2014/main" id="{191BA028-3B14-C442-8289-407366C6472E}"/>
-              </a:ext>
-            </a:extLst>
-          </p:cNvPr>
-          <p:cNvSpPr/>
-          <p:nvPr/>
-        </p:nvSpPr>
-        <p:spPr>
-          <a:xfrm rot="5400000">
-            <a:off x="5861021" y="4388111"/>
-            <a:ext cx="82716" cy="62941"/>
-          </a:xfrm>
-          <a:prstGeom prst="triangle">
-            <a:avLst/>
-          </a:prstGeom>
-          <a:solidFill>
-            <a:schemeClr val="bg1"/>
-          </a:solidFill>
-          <a:ln>
-            <a:noFill/>
-          </a:ln>
-        </p:spPr>
-        <p:style>
-          <a:lnRef idx="2">
-            <a:schemeClr val="accent1">
-              <a:shade val="50000"/>
-            </a:schemeClr>
-          </a:lnRef>
-          <a:fillRef idx="1">
-            <a:schemeClr val="accent1"/>
-          </a:fillRef>
-          <a:effectRef idx="0">
-            <a:schemeClr val="accent1"/>
-          </a:effectRef>
-          <a:fontRef idx="minor">
-            <a:schemeClr val="lt1"/>
-          </a:fontRef>
-        </p:style>
-        <p:txBody>
-          <a:bodyPr rtlCol="0" anchor="ctr"/>
-          <a:lstStyle/>
-          <a:p>
-            <a:pPr algn="ctr"/>
-            <a:endParaRPr lang="en-JP"/>
-          </a:p>
-        </p:txBody>
-      </p:sp>
-      <p:sp>
-        <p:nvSpPr>
-          <p:cNvPr id="169" name="Triangle 168">
-            <a:extLst>
-              <a:ext uri="{FF2B5EF4-FFF2-40B4-BE49-F238E27FC236}">
-                <a16:creationId xmlns:a16="http://schemas.microsoft.com/office/drawing/2014/main" id="{88196DC5-F4FA-8A44-8C61-72CBA7071C39}"/>
-              </a:ext>
-            </a:extLst>
-          </p:cNvPr>
-          <p:cNvSpPr/>
-          <p:nvPr/>
-        </p:nvSpPr>
-        <p:spPr>
-          <a:xfrm rot="5400000">
-            <a:off x="6593800" y="4519023"/>
-            <a:ext cx="82716" cy="62941"/>
-          </a:xfrm>
-          <a:prstGeom prst="triangle">
-            <a:avLst/>
-          </a:prstGeom>
-          <a:solidFill>
-            <a:schemeClr val="bg1"/>
-          </a:solidFill>
-          <a:ln>
-            <a:noFill/>
-          </a:ln>
-        </p:spPr>
-        <p:style>
-          <a:lnRef idx="2">
-            <a:schemeClr val="accent1">
-              <a:shade val="50000"/>
-            </a:schemeClr>
-          </a:lnRef>
-          <a:fillRef idx="1">
-            <a:schemeClr val="accent1"/>
-          </a:fillRef>
-          <a:effectRef idx="0">
-            <a:schemeClr val="accent1"/>
-          </a:effectRef>
-          <a:fontRef idx="minor">
-            <a:schemeClr val="lt1"/>
-          </a:fontRef>
-        </p:style>
-        <p:txBody>
-          <a:bodyPr rtlCol="0" anchor="ctr"/>
-          <a:lstStyle/>
-          <a:p>
-            <a:pPr algn="ctr"/>
-            <a:endParaRPr lang="en-JP"/>
-          </a:p>
-        </p:txBody>
-      </p:sp>
       <p:cxnSp>
         <p:nvCxnSpPr>
-          <p:cNvPr id="171" name="Straight Arrow Connector 170">
-            <a:extLst>
-              <a:ext uri="{FF2B5EF4-FFF2-40B4-BE49-F238E27FC236}">
-                <a16:creationId xmlns:a16="http://schemas.microsoft.com/office/drawing/2014/main" id="{044E799D-E5FC-454B-B472-3107C0758FA4}"/>
+          <p:cNvPr id="295" name="Straight Connector 294">
+            <a:extLst>
+              <a:ext uri="{FF2B5EF4-FFF2-40B4-BE49-F238E27FC236}">
+                <a16:creationId xmlns:a16="http://schemas.microsoft.com/office/drawing/2014/main" id="{3F654ADC-9DCC-BA4F-A44C-6E9DC0521F27}"/>
               </a:ext>
             </a:extLst>
           </p:cNvPr>
@@ -10985,18 +15504,16 @@
         </p:nvCxnSpPr>
         <p:spPr>
           <a:xfrm>
-            <a:off x="4129647" y="3756858"/>
-            <a:ext cx="2618497" cy="0"/>
-          </a:xfrm>
-          <a:prstGeom prst="straightConnector1">
-            <a:avLst/>
-          </a:prstGeom>
-          <a:ln w="15875">
+            <a:off x="4872578" y="8906023"/>
+            <a:ext cx="1245896" cy="0"/>
+          </a:xfrm>
+          <a:prstGeom prst="line">
+            <a:avLst/>
+          </a:prstGeom>
+          <a:ln w="57150">
             <a:solidFill>
-              <a:schemeClr val="tx1"/>
+              <a:srgbClr val="002060"/>
             </a:solidFill>
-            <a:headEnd type="triangle"/>
-            <a:tailEnd type="triangle"/>
           </a:ln>
         </p:spPr>
         <p:style>
@@ -11016,10 +15533,10 @@
       </p:cxnSp>
       <p:sp>
         <p:nvSpPr>
-          <p:cNvPr id="177" name="Triangle 176">
-            <a:extLst>
-              <a:ext uri="{FF2B5EF4-FFF2-40B4-BE49-F238E27FC236}">
-                <a16:creationId xmlns:a16="http://schemas.microsoft.com/office/drawing/2014/main" id="{A98CD308-B074-8645-8141-E104FAED2D92}"/>
+          <p:cNvPr id="296" name="Rectangle 295">
+            <a:extLst>
+              <a:ext uri="{FF2B5EF4-FFF2-40B4-BE49-F238E27FC236}">
+                <a16:creationId xmlns:a16="http://schemas.microsoft.com/office/drawing/2014/main" id="{544DC3E2-41FF-7241-BFF0-A3B64CBFE762}"/>
               </a:ext>
             </a:extLst>
           </p:cNvPr>
@@ -11027,1592 +15544,9 @@
           <p:nvPr/>
         </p:nvSpPr>
         <p:spPr>
-          <a:xfrm rot="16200000">
-            <a:off x="3062461" y="7575288"/>
-            <a:ext cx="82716" cy="58617"/>
-          </a:xfrm>
-          <a:prstGeom prst="triangle">
-            <a:avLst/>
-          </a:prstGeom>
-          <a:solidFill>
-            <a:schemeClr val="bg1"/>
-          </a:solidFill>
-          <a:ln>
-            <a:noFill/>
-          </a:ln>
-        </p:spPr>
-        <p:style>
-          <a:lnRef idx="2">
-            <a:schemeClr val="accent1">
-              <a:shade val="50000"/>
-            </a:schemeClr>
-          </a:lnRef>
-          <a:fillRef idx="1">
-            <a:schemeClr val="accent1"/>
-          </a:fillRef>
-          <a:effectRef idx="0">
-            <a:schemeClr val="accent1"/>
-          </a:effectRef>
-          <a:fontRef idx="minor">
-            <a:schemeClr val="lt1"/>
-          </a:fontRef>
-        </p:style>
-        <p:txBody>
-          <a:bodyPr rtlCol="0" anchor="ctr"/>
-          <a:lstStyle/>
-          <a:p>
-            <a:pPr algn="ctr"/>
-            <a:endParaRPr lang="en-JP"/>
-          </a:p>
-        </p:txBody>
-      </p:sp>
-      <p:sp>
-        <p:nvSpPr>
-          <p:cNvPr id="178" name="TextBox 177">
-            <a:extLst>
-              <a:ext uri="{FF2B5EF4-FFF2-40B4-BE49-F238E27FC236}">
-                <a16:creationId xmlns:a16="http://schemas.microsoft.com/office/drawing/2014/main" id="{D40DDBA1-5A22-4140-96AE-E21C33F2B31F}"/>
-              </a:ext>
-            </a:extLst>
-          </p:cNvPr>
-          <p:cNvSpPr txBox="1"/>
-          <p:nvPr/>
-        </p:nvSpPr>
-        <p:spPr>
-          <a:xfrm>
-            <a:off x="2576413" y="7391263"/>
-            <a:ext cx="1546166" cy="215444"/>
-          </a:xfrm>
-          <a:prstGeom prst="rect">
-            <a:avLst/>
-          </a:prstGeom>
-          <a:noFill/>
-        </p:spPr>
-        <p:txBody>
-          <a:bodyPr wrap="square" rtlCol="0">
-            <a:spAutoFit/>
-          </a:bodyPr>
-          <a:lstStyle/>
-          <a:p>
-            <a:r>
-              <a:rPr lang="en-US" sz="800" b="1" dirty="0">
-                <a:latin typeface="Hiragino Kaku Gothic ProN W6" panose="020B0300000000000000" pitchFamily="34" charset="-128"/>
-                <a:ea typeface="Hiragino Kaku Gothic ProN W6" panose="020B0300000000000000" pitchFamily="34" charset="-128"/>
-              </a:rPr>
-              <a:t>TraesCS4D02G145500</a:t>
-            </a:r>
-            <a:endParaRPr lang="en-JP" sz="800" b="1" dirty="0">
-              <a:latin typeface="Hiragino Kaku Gothic ProN W6" panose="020B0300000000000000" pitchFamily="34" charset="-128"/>
-              <a:ea typeface="Hiragino Kaku Gothic ProN W6" panose="020B0300000000000000" pitchFamily="34" charset="-128"/>
-            </a:endParaRPr>
-          </a:p>
-        </p:txBody>
-      </p:sp>
-      <p:sp>
-        <p:nvSpPr>
-          <p:cNvPr id="179" name="TextBox 178">
-            <a:extLst>
-              <a:ext uri="{FF2B5EF4-FFF2-40B4-BE49-F238E27FC236}">
-                <a16:creationId xmlns:a16="http://schemas.microsoft.com/office/drawing/2014/main" id="{8F6F83E7-48C4-F04B-9C97-1F030C09F2C0}"/>
-              </a:ext>
-            </a:extLst>
-          </p:cNvPr>
-          <p:cNvSpPr txBox="1"/>
-          <p:nvPr/>
-        </p:nvSpPr>
-        <p:spPr>
-          <a:xfrm>
-            <a:off x="1169215" y="7679909"/>
-            <a:ext cx="1546166" cy="215444"/>
-          </a:xfrm>
-          <a:prstGeom prst="rect">
-            <a:avLst/>
-          </a:prstGeom>
-          <a:noFill/>
-        </p:spPr>
-        <p:txBody>
-          <a:bodyPr wrap="square" rtlCol="0">
-            <a:spAutoFit/>
-          </a:bodyPr>
-          <a:lstStyle/>
-          <a:p>
-            <a:r>
-              <a:rPr lang="en-US" sz="800" b="1" dirty="0">
-                <a:latin typeface="Hiragino Kaku Gothic ProN W6" panose="020B0300000000000000" pitchFamily="34" charset="-128"/>
-                <a:ea typeface="Hiragino Kaku Gothic ProN W6" panose="020B0300000000000000" pitchFamily="34" charset="-128"/>
-              </a:rPr>
-              <a:t>TraesCS4D02G145400</a:t>
-            </a:r>
-            <a:endParaRPr lang="en-JP" sz="800" b="1" dirty="0">
-              <a:latin typeface="Hiragino Kaku Gothic ProN W6" panose="020B0300000000000000" pitchFamily="34" charset="-128"/>
-              <a:ea typeface="Hiragino Kaku Gothic ProN W6" panose="020B0300000000000000" pitchFamily="34" charset="-128"/>
-            </a:endParaRPr>
-          </a:p>
-        </p:txBody>
-      </p:sp>
-      <p:sp>
-        <p:nvSpPr>
-          <p:cNvPr id="180" name="TextBox 179">
-            <a:extLst>
-              <a:ext uri="{FF2B5EF4-FFF2-40B4-BE49-F238E27FC236}">
-                <a16:creationId xmlns:a16="http://schemas.microsoft.com/office/drawing/2014/main" id="{8F25D550-09F6-1A4F-8D0A-88DE23E0412C}"/>
-              </a:ext>
-            </a:extLst>
-          </p:cNvPr>
-          <p:cNvSpPr txBox="1"/>
-          <p:nvPr/>
-        </p:nvSpPr>
-        <p:spPr>
-          <a:xfrm>
-            <a:off x="1069704" y="7086250"/>
-            <a:ext cx="562937" cy="215444"/>
-          </a:xfrm>
-          <a:prstGeom prst="rect">
-            <a:avLst/>
-          </a:prstGeom>
-          <a:noFill/>
-        </p:spPr>
-        <p:txBody>
-          <a:bodyPr wrap="none" rtlCol="0">
-            <a:spAutoFit/>
-          </a:bodyPr>
-          <a:lstStyle/>
-          <a:p>
-            <a:r>
-              <a:rPr lang="en-JP" sz="800" b="1" dirty="0">
-                <a:latin typeface="Hiragino Kaku Gothic ProN W6" panose="020B0300000000000000" pitchFamily="34" charset="-128"/>
-                <a:ea typeface="Hiragino Kaku Gothic ProN W6" panose="020B0300000000000000" pitchFamily="34" charset="-128"/>
-              </a:rPr>
-              <a:t>3,297 bp</a:t>
-            </a:r>
-          </a:p>
-        </p:txBody>
-      </p:sp>
-      <p:cxnSp>
-        <p:nvCxnSpPr>
-          <p:cNvPr id="181" name="Straight Arrow Connector 180">
-            <a:extLst>
-              <a:ext uri="{FF2B5EF4-FFF2-40B4-BE49-F238E27FC236}">
-                <a16:creationId xmlns:a16="http://schemas.microsoft.com/office/drawing/2014/main" id="{49D6D43B-3C30-9949-AFC9-D45969F90077}"/>
-              </a:ext>
-            </a:extLst>
-          </p:cNvPr>
-          <p:cNvCxnSpPr>
-            <a:cxnSpLocks/>
-          </p:cNvCxnSpPr>
-          <p:nvPr/>
-        </p:nvCxnSpPr>
-        <p:spPr>
-          <a:xfrm>
-            <a:off x="719088" y="7279250"/>
-            <a:ext cx="2455778" cy="0"/>
-          </a:xfrm>
-          <a:prstGeom prst="straightConnector1">
-            <a:avLst/>
-          </a:prstGeom>
-          <a:ln w="15875">
-            <a:solidFill>
-              <a:schemeClr val="tx1"/>
-            </a:solidFill>
-            <a:headEnd type="triangle"/>
-            <a:tailEnd type="triangle"/>
-          </a:ln>
-        </p:spPr>
-        <p:style>
-          <a:lnRef idx="1">
-            <a:schemeClr val="accent1"/>
-          </a:lnRef>
-          <a:fillRef idx="0">
-            <a:schemeClr val="accent1"/>
-          </a:fillRef>
-          <a:effectRef idx="0">
-            <a:schemeClr val="accent1"/>
-          </a:effectRef>
-          <a:fontRef idx="minor">
-            <a:schemeClr val="tx1"/>
-          </a:fontRef>
-        </p:style>
-      </p:cxnSp>
-      <p:sp>
-        <p:nvSpPr>
-          <p:cNvPr id="185" name="TextBox 184">
-            <a:extLst>
-              <a:ext uri="{FF2B5EF4-FFF2-40B4-BE49-F238E27FC236}">
-                <a16:creationId xmlns:a16="http://schemas.microsoft.com/office/drawing/2014/main" id="{350B3C85-AB18-3247-8E60-305E9C7C31C5}"/>
-              </a:ext>
-            </a:extLst>
-          </p:cNvPr>
-          <p:cNvSpPr txBox="1"/>
-          <p:nvPr/>
-        </p:nvSpPr>
-        <p:spPr>
-          <a:xfrm>
-            <a:off x="754129" y="7514817"/>
-            <a:ext cx="461472" cy="215444"/>
-          </a:xfrm>
-          <a:prstGeom prst="rect">
-            <a:avLst/>
-          </a:prstGeom>
-          <a:noFill/>
-        </p:spPr>
-        <p:txBody>
-          <a:bodyPr wrap="none" rtlCol="0">
-            <a:spAutoFit/>
-          </a:bodyPr>
-          <a:lstStyle/>
-          <a:p>
-            <a:r>
-              <a:rPr lang="en-JP" sz="800" b="1" dirty="0">
-                <a:latin typeface="Hiragino Kaku Gothic ProN W6" panose="020B0300000000000000" pitchFamily="34" charset="-128"/>
-                <a:ea typeface="Hiragino Kaku Gothic ProN W6" panose="020B0300000000000000" pitchFamily="34" charset="-128"/>
-              </a:rPr>
-              <a:t>IWGSC</a:t>
-            </a:r>
-          </a:p>
-        </p:txBody>
-      </p:sp>
-      <p:sp>
-        <p:nvSpPr>
-          <p:cNvPr id="186" name="TextBox 185">
-            <a:extLst>
-              <a:ext uri="{FF2B5EF4-FFF2-40B4-BE49-F238E27FC236}">
-                <a16:creationId xmlns:a16="http://schemas.microsoft.com/office/drawing/2014/main" id="{95B71BE2-B6FD-B34F-B1EC-2B9003172BA4}"/>
-              </a:ext>
-            </a:extLst>
-          </p:cNvPr>
-          <p:cNvSpPr txBox="1"/>
-          <p:nvPr/>
-        </p:nvSpPr>
-        <p:spPr>
-          <a:xfrm>
-            <a:off x="615724" y="7936758"/>
-            <a:ext cx="635413" cy="215444"/>
-          </a:xfrm>
-          <a:prstGeom prst="rect">
-            <a:avLst/>
-          </a:prstGeom>
-          <a:noFill/>
-        </p:spPr>
-        <p:txBody>
-          <a:bodyPr wrap="none" rtlCol="0">
-            <a:spAutoFit/>
-          </a:bodyPr>
-          <a:lstStyle/>
-          <a:p>
-            <a:r>
-              <a:rPr lang="en-JP" sz="800" b="1" dirty="0">
-                <a:latin typeface="Hiragino Kaku Gothic ProN W6" panose="020B0300000000000000" pitchFamily="34" charset="-128"/>
-                <a:ea typeface="Hiragino Kaku Gothic ProN W6" panose="020B0300000000000000" pitchFamily="34" charset="-128"/>
-              </a:rPr>
-              <a:t>IWGSC+1k</a:t>
-            </a:r>
-          </a:p>
-        </p:txBody>
-      </p:sp>
-      <p:sp>
-        <p:nvSpPr>
-          <p:cNvPr id="187" name="Rectangle 186">
-            <a:extLst>
-              <a:ext uri="{FF2B5EF4-FFF2-40B4-BE49-F238E27FC236}">
-                <a16:creationId xmlns:a16="http://schemas.microsoft.com/office/drawing/2014/main" id="{19C68809-3B3A-EC41-97F0-3611906EE1EB}"/>
-              </a:ext>
-            </a:extLst>
-          </p:cNvPr>
-          <p:cNvSpPr/>
-          <p:nvPr/>
-        </p:nvSpPr>
-        <p:spPr>
-          <a:xfrm>
-            <a:off x="1447949" y="7985413"/>
-            <a:ext cx="1723191" cy="109200"/>
-          </a:xfrm>
-          <a:prstGeom prst="rect">
-            <a:avLst/>
-          </a:prstGeom>
-          <a:solidFill>
-            <a:srgbClr val="FFC000"/>
-          </a:solidFill>
-          <a:ln>
-            <a:noFill/>
-          </a:ln>
-        </p:spPr>
-        <p:style>
-          <a:lnRef idx="2">
-            <a:schemeClr val="accent1">
-              <a:shade val="50000"/>
-            </a:schemeClr>
-          </a:lnRef>
-          <a:fillRef idx="1">
-            <a:schemeClr val="accent1"/>
-          </a:fillRef>
-          <a:effectRef idx="0">
-            <a:schemeClr val="accent1"/>
-          </a:effectRef>
-          <a:fontRef idx="minor">
-            <a:schemeClr val="lt1"/>
-          </a:fontRef>
-        </p:style>
-        <p:txBody>
-          <a:bodyPr rtlCol="0" anchor="ctr"/>
-          <a:lstStyle/>
-          <a:p>
-            <a:pPr algn="ctr"/>
-            <a:endParaRPr lang="en-JP"/>
-          </a:p>
-        </p:txBody>
-      </p:sp>
-      <p:sp>
-        <p:nvSpPr>
-          <p:cNvPr id="188" name="Rectangle 187">
-            <a:extLst>
-              <a:ext uri="{FF2B5EF4-FFF2-40B4-BE49-F238E27FC236}">
-                <a16:creationId xmlns:a16="http://schemas.microsoft.com/office/drawing/2014/main" id="{7E794550-DD58-C543-95E3-E257395E87EB}"/>
-              </a:ext>
-            </a:extLst>
-          </p:cNvPr>
-          <p:cNvSpPr/>
-          <p:nvPr/>
-        </p:nvSpPr>
-        <p:spPr>
-          <a:xfrm>
-            <a:off x="2373759" y="8140628"/>
-            <a:ext cx="797379" cy="109200"/>
-          </a:xfrm>
-          <a:prstGeom prst="rect">
-            <a:avLst/>
-          </a:prstGeom>
-          <a:solidFill>
-            <a:srgbClr val="FFC000"/>
-          </a:solidFill>
-          <a:ln>
-            <a:noFill/>
-          </a:ln>
-        </p:spPr>
-        <p:style>
-          <a:lnRef idx="2">
-            <a:schemeClr val="accent1">
-              <a:shade val="50000"/>
-            </a:schemeClr>
-          </a:lnRef>
-          <a:fillRef idx="1">
-            <a:schemeClr val="accent1"/>
-          </a:fillRef>
-          <a:effectRef idx="0">
-            <a:schemeClr val="accent1"/>
-          </a:effectRef>
-          <a:fontRef idx="minor">
-            <a:schemeClr val="lt1"/>
-          </a:fontRef>
-        </p:style>
-        <p:txBody>
-          <a:bodyPr rtlCol="0" anchor="ctr"/>
-          <a:lstStyle/>
-          <a:p>
-            <a:pPr algn="ctr"/>
-            <a:endParaRPr lang="en-JP"/>
-          </a:p>
-        </p:txBody>
-      </p:sp>
-      <p:sp>
-        <p:nvSpPr>
-          <p:cNvPr id="189" name="Triangle 188">
-            <a:extLst>
-              <a:ext uri="{FF2B5EF4-FFF2-40B4-BE49-F238E27FC236}">
-                <a16:creationId xmlns:a16="http://schemas.microsoft.com/office/drawing/2014/main" id="{77898C30-38B6-D34E-B513-D41A3D27E3E3}"/>
-              </a:ext>
-            </a:extLst>
-          </p:cNvPr>
-          <p:cNvSpPr/>
-          <p:nvPr/>
-        </p:nvSpPr>
-        <p:spPr>
-          <a:xfrm rot="5400000">
-            <a:off x="1500636" y="8010705"/>
-            <a:ext cx="82716" cy="58617"/>
-          </a:xfrm>
-          <a:prstGeom prst="triangle">
-            <a:avLst/>
-          </a:prstGeom>
-          <a:solidFill>
-            <a:schemeClr val="bg1"/>
-          </a:solidFill>
-          <a:ln>
-            <a:noFill/>
-          </a:ln>
-        </p:spPr>
-        <p:style>
-          <a:lnRef idx="2">
-            <a:schemeClr val="accent1">
-              <a:shade val="50000"/>
-            </a:schemeClr>
-          </a:lnRef>
-          <a:fillRef idx="1">
-            <a:schemeClr val="accent1"/>
-          </a:fillRef>
-          <a:effectRef idx="0">
-            <a:schemeClr val="accent1"/>
-          </a:effectRef>
-          <a:fontRef idx="minor">
-            <a:schemeClr val="lt1"/>
-          </a:fontRef>
-        </p:style>
-        <p:txBody>
-          <a:bodyPr rtlCol="0" anchor="ctr"/>
-          <a:lstStyle/>
-          <a:p>
-            <a:pPr algn="ctr"/>
-            <a:endParaRPr lang="en-JP"/>
-          </a:p>
-        </p:txBody>
-      </p:sp>
-      <p:sp>
-        <p:nvSpPr>
-          <p:cNvPr id="190" name="Triangle 189">
-            <a:extLst>
-              <a:ext uri="{FF2B5EF4-FFF2-40B4-BE49-F238E27FC236}">
-                <a16:creationId xmlns:a16="http://schemas.microsoft.com/office/drawing/2014/main" id="{EA6F19D1-E80A-B24C-97F7-7F7BF2F705B0}"/>
-              </a:ext>
-            </a:extLst>
-          </p:cNvPr>
-          <p:cNvSpPr/>
-          <p:nvPr/>
-        </p:nvSpPr>
-        <p:spPr>
-          <a:xfrm rot="5400000">
-            <a:off x="2014375" y="8010705"/>
-            <a:ext cx="82716" cy="58617"/>
-          </a:xfrm>
-          <a:prstGeom prst="triangle">
-            <a:avLst/>
-          </a:prstGeom>
-          <a:solidFill>
-            <a:schemeClr val="bg1"/>
-          </a:solidFill>
-          <a:ln>
-            <a:noFill/>
-          </a:ln>
-        </p:spPr>
-        <p:style>
-          <a:lnRef idx="2">
-            <a:schemeClr val="accent1">
-              <a:shade val="50000"/>
-            </a:schemeClr>
-          </a:lnRef>
-          <a:fillRef idx="1">
-            <a:schemeClr val="accent1"/>
-          </a:fillRef>
-          <a:effectRef idx="0">
-            <a:schemeClr val="accent1"/>
-          </a:effectRef>
-          <a:fontRef idx="minor">
-            <a:schemeClr val="lt1"/>
-          </a:fontRef>
-        </p:style>
-        <p:txBody>
-          <a:bodyPr rtlCol="0" anchor="ctr"/>
-          <a:lstStyle/>
-          <a:p>
-            <a:pPr algn="ctr"/>
-            <a:endParaRPr lang="en-JP"/>
-          </a:p>
-        </p:txBody>
-      </p:sp>
-      <p:sp>
-        <p:nvSpPr>
-          <p:cNvPr id="191" name="Triangle 190">
-            <a:extLst>
-              <a:ext uri="{FF2B5EF4-FFF2-40B4-BE49-F238E27FC236}">
-                <a16:creationId xmlns:a16="http://schemas.microsoft.com/office/drawing/2014/main" id="{E84E0F87-7A5E-A64D-AFF4-0A8A389FDC27}"/>
-              </a:ext>
-            </a:extLst>
-          </p:cNvPr>
-          <p:cNvSpPr/>
-          <p:nvPr/>
-        </p:nvSpPr>
-        <p:spPr>
-          <a:xfrm rot="5400000">
-            <a:off x="2528115" y="8010705"/>
-            <a:ext cx="82716" cy="58617"/>
-          </a:xfrm>
-          <a:prstGeom prst="triangle">
-            <a:avLst/>
-          </a:prstGeom>
-          <a:solidFill>
-            <a:schemeClr val="bg1"/>
-          </a:solidFill>
-          <a:ln>
-            <a:noFill/>
-          </a:ln>
-        </p:spPr>
-        <p:style>
-          <a:lnRef idx="2">
-            <a:schemeClr val="accent1">
-              <a:shade val="50000"/>
-            </a:schemeClr>
-          </a:lnRef>
-          <a:fillRef idx="1">
-            <a:schemeClr val="accent1"/>
-          </a:fillRef>
-          <a:effectRef idx="0">
-            <a:schemeClr val="accent1"/>
-          </a:effectRef>
-          <a:fontRef idx="minor">
-            <a:schemeClr val="lt1"/>
-          </a:fontRef>
-        </p:style>
-        <p:txBody>
-          <a:bodyPr rtlCol="0" anchor="ctr"/>
-          <a:lstStyle/>
-          <a:p>
-            <a:pPr algn="ctr"/>
-            <a:endParaRPr lang="en-JP"/>
-          </a:p>
-        </p:txBody>
-      </p:sp>
-      <p:sp>
-        <p:nvSpPr>
-          <p:cNvPr id="192" name="Triangle 191">
-            <a:extLst>
-              <a:ext uri="{FF2B5EF4-FFF2-40B4-BE49-F238E27FC236}">
-                <a16:creationId xmlns:a16="http://schemas.microsoft.com/office/drawing/2014/main" id="{5CBE3A54-37AF-4F41-8559-BA6D703F91DF}"/>
-              </a:ext>
-            </a:extLst>
-          </p:cNvPr>
-          <p:cNvSpPr/>
-          <p:nvPr/>
-        </p:nvSpPr>
-        <p:spPr>
-          <a:xfrm rot="5400000">
-            <a:off x="3041855" y="8010705"/>
-            <a:ext cx="82716" cy="58617"/>
-          </a:xfrm>
-          <a:prstGeom prst="triangle">
-            <a:avLst/>
-          </a:prstGeom>
-          <a:solidFill>
-            <a:schemeClr val="bg1"/>
-          </a:solidFill>
-          <a:ln>
-            <a:noFill/>
-          </a:ln>
-        </p:spPr>
-        <p:style>
-          <a:lnRef idx="2">
-            <a:schemeClr val="accent1">
-              <a:shade val="50000"/>
-            </a:schemeClr>
-          </a:lnRef>
-          <a:fillRef idx="1">
-            <a:schemeClr val="accent1"/>
-          </a:fillRef>
-          <a:effectRef idx="0">
-            <a:schemeClr val="accent1"/>
-          </a:effectRef>
-          <a:fontRef idx="minor">
-            <a:schemeClr val="lt1"/>
-          </a:fontRef>
-        </p:style>
-        <p:txBody>
-          <a:bodyPr rtlCol="0" anchor="ctr"/>
-          <a:lstStyle/>
-          <a:p>
-            <a:pPr algn="ctr"/>
-            <a:endParaRPr lang="en-JP"/>
-          </a:p>
-        </p:txBody>
-      </p:sp>
-      <p:sp>
-        <p:nvSpPr>
-          <p:cNvPr id="193" name="Triangle 192">
-            <a:extLst>
-              <a:ext uri="{FF2B5EF4-FFF2-40B4-BE49-F238E27FC236}">
-                <a16:creationId xmlns:a16="http://schemas.microsoft.com/office/drawing/2014/main" id="{18DCE252-F8F2-C743-94E3-CD7AD486B37B}"/>
-              </a:ext>
-            </a:extLst>
-          </p:cNvPr>
-          <p:cNvSpPr/>
-          <p:nvPr/>
-        </p:nvSpPr>
-        <p:spPr>
-          <a:xfrm rot="16200000">
-            <a:off x="2458434" y="8167681"/>
-            <a:ext cx="82716" cy="58617"/>
-          </a:xfrm>
-          <a:prstGeom prst="triangle">
-            <a:avLst/>
-          </a:prstGeom>
-          <a:solidFill>
-            <a:schemeClr val="bg1"/>
-          </a:solidFill>
-          <a:ln>
-            <a:noFill/>
-          </a:ln>
-        </p:spPr>
-        <p:style>
-          <a:lnRef idx="2">
-            <a:schemeClr val="accent1">
-              <a:shade val="50000"/>
-            </a:schemeClr>
-          </a:lnRef>
-          <a:fillRef idx="1">
-            <a:schemeClr val="accent1"/>
-          </a:fillRef>
-          <a:effectRef idx="0">
-            <a:schemeClr val="accent1"/>
-          </a:effectRef>
-          <a:fontRef idx="minor">
-            <a:schemeClr val="lt1"/>
-          </a:fontRef>
-        </p:style>
-        <p:txBody>
-          <a:bodyPr rtlCol="0" anchor="ctr"/>
-          <a:lstStyle/>
-          <a:p>
-            <a:pPr algn="ctr"/>
-            <a:endParaRPr lang="en-JP"/>
-          </a:p>
-        </p:txBody>
-      </p:sp>
-      <p:sp>
-        <p:nvSpPr>
-          <p:cNvPr id="194" name="Triangle 193">
-            <a:extLst>
-              <a:ext uri="{FF2B5EF4-FFF2-40B4-BE49-F238E27FC236}">
-                <a16:creationId xmlns:a16="http://schemas.microsoft.com/office/drawing/2014/main" id="{B72A4A89-4BC1-824E-9468-EA04A1E671A3}"/>
-              </a:ext>
-            </a:extLst>
-          </p:cNvPr>
-          <p:cNvSpPr/>
-          <p:nvPr/>
-        </p:nvSpPr>
-        <p:spPr>
-          <a:xfrm rot="16200000">
-            <a:off x="2991392" y="8167681"/>
-            <a:ext cx="82716" cy="58617"/>
-          </a:xfrm>
-          <a:prstGeom prst="triangle">
-            <a:avLst/>
-          </a:prstGeom>
-          <a:solidFill>
-            <a:schemeClr val="bg1"/>
-          </a:solidFill>
-          <a:ln>
-            <a:noFill/>
-          </a:ln>
-        </p:spPr>
-        <p:style>
-          <a:lnRef idx="2">
-            <a:schemeClr val="accent1">
-              <a:shade val="50000"/>
-            </a:schemeClr>
-          </a:lnRef>
-          <a:fillRef idx="1">
-            <a:schemeClr val="accent1"/>
-          </a:fillRef>
-          <a:effectRef idx="0">
-            <a:schemeClr val="accent1"/>
-          </a:effectRef>
-          <a:fontRef idx="minor">
-            <a:schemeClr val="lt1"/>
-          </a:fontRef>
-        </p:style>
-        <p:txBody>
-          <a:bodyPr rtlCol="0" anchor="ctr"/>
-          <a:lstStyle/>
-          <a:p>
-            <a:pPr algn="ctr"/>
-            <a:endParaRPr lang="en-JP"/>
-          </a:p>
-        </p:txBody>
-      </p:sp>
-      <p:sp>
-        <p:nvSpPr>
-          <p:cNvPr id="200" name="TextBox 199">
-            <a:extLst>
-              <a:ext uri="{FF2B5EF4-FFF2-40B4-BE49-F238E27FC236}">
-                <a16:creationId xmlns:a16="http://schemas.microsoft.com/office/drawing/2014/main" id="{282AB7FC-2B7C-E04B-B64C-FA0BA82A6BED}"/>
-              </a:ext>
-            </a:extLst>
-          </p:cNvPr>
-          <p:cNvSpPr txBox="1"/>
-          <p:nvPr/>
-        </p:nvSpPr>
-        <p:spPr>
-          <a:xfrm>
-            <a:off x="5182323" y="7390757"/>
-            <a:ext cx="1484305" cy="215444"/>
-          </a:xfrm>
-          <a:prstGeom prst="rect">
-            <a:avLst/>
-          </a:prstGeom>
-          <a:noFill/>
-        </p:spPr>
-        <p:txBody>
-          <a:bodyPr wrap="square" rtlCol="0">
-            <a:spAutoFit/>
-          </a:bodyPr>
-          <a:lstStyle/>
-          <a:p>
-            <a:r>
-              <a:rPr lang="en-US" sz="800" b="1" dirty="0">
-                <a:latin typeface="Hiragino Kaku Gothic ProN W6" panose="020B0300000000000000" pitchFamily="34" charset="-128"/>
-                <a:ea typeface="Hiragino Kaku Gothic ProN W6" panose="020B0300000000000000" pitchFamily="34" charset="-128"/>
-              </a:rPr>
-              <a:t>TraesCS4D02G263300</a:t>
-            </a:r>
-            <a:endParaRPr lang="en-JP" sz="800" b="1" dirty="0">
-              <a:latin typeface="Hiragino Kaku Gothic ProN W6" panose="020B0300000000000000" pitchFamily="34" charset="-128"/>
-              <a:ea typeface="Hiragino Kaku Gothic ProN W6" panose="020B0300000000000000" pitchFamily="34" charset="-128"/>
-            </a:endParaRPr>
-          </a:p>
-        </p:txBody>
-      </p:sp>
-      <p:sp>
-        <p:nvSpPr>
-          <p:cNvPr id="201" name="TextBox 200">
-            <a:extLst>
-              <a:ext uri="{FF2B5EF4-FFF2-40B4-BE49-F238E27FC236}">
-                <a16:creationId xmlns:a16="http://schemas.microsoft.com/office/drawing/2014/main" id="{E1F798E0-CC8D-DF47-8E08-A281A60A7B30}"/>
-              </a:ext>
-            </a:extLst>
-          </p:cNvPr>
-          <p:cNvSpPr txBox="1"/>
-          <p:nvPr/>
-        </p:nvSpPr>
-        <p:spPr>
-          <a:xfrm>
-            <a:off x="5215114" y="6991738"/>
-            <a:ext cx="559268" cy="215444"/>
-          </a:xfrm>
-          <a:prstGeom prst="rect">
-            <a:avLst/>
-          </a:prstGeom>
-          <a:noFill/>
-        </p:spPr>
-        <p:txBody>
-          <a:bodyPr wrap="none" rtlCol="0">
-            <a:spAutoFit/>
-          </a:bodyPr>
-          <a:lstStyle/>
-          <a:p>
-            <a:r>
-              <a:rPr lang="en-JP" sz="800" b="1" dirty="0">
-                <a:latin typeface="Hiragino Kaku Gothic ProN W6" panose="020B0300000000000000" pitchFamily="34" charset="-128"/>
-                <a:ea typeface="Hiragino Kaku Gothic ProN W6" panose="020B0300000000000000" pitchFamily="34" charset="-128"/>
-              </a:rPr>
-              <a:t>5,022 bp</a:t>
-            </a:r>
-          </a:p>
-        </p:txBody>
-      </p:sp>
-      <p:cxnSp>
-        <p:nvCxnSpPr>
-          <p:cNvPr id="202" name="Straight Arrow Connector 201">
-            <a:extLst>
-              <a:ext uri="{FF2B5EF4-FFF2-40B4-BE49-F238E27FC236}">
-                <a16:creationId xmlns:a16="http://schemas.microsoft.com/office/drawing/2014/main" id="{9D667EFA-18DD-6244-B701-A69195EEACD2}"/>
-              </a:ext>
-            </a:extLst>
-          </p:cNvPr>
-          <p:cNvCxnSpPr>
-            <a:cxnSpLocks/>
-          </p:cNvCxnSpPr>
-          <p:nvPr/>
-        </p:nvCxnSpPr>
-        <p:spPr>
-          <a:xfrm>
-            <a:off x="4134032" y="7184738"/>
-            <a:ext cx="2469655" cy="0"/>
-          </a:xfrm>
-          <a:prstGeom prst="straightConnector1">
-            <a:avLst/>
-          </a:prstGeom>
-          <a:ln w="15875">
-            <a:solidFill>
-              <a:schemeClr val="tx1"/>
-            </a:solidFill>
-            <a:headEnd type="triangle"/>
-            <a:tailEnd type="triangle"/>
-          </a:ln>
-        </p:spPr>
-        <p:style>
-          <a:lnRef idx="1">
-            <a:schemeClr val="accent1"/>
-          </a:lnRef>
-          <a:fillRef idx="0">
-            <a:schemeClr val="accent1"/>
-          </a:fillRef>
-          <a:effectRef idx="0">
-            <a:schemeClr val="accent1"/>
-          </a:effectRef>
-          <a:fontRef idx="minor">
-            <a:schemeClr val="tx1"/>
-          </a:fontRef>
-        </p:style>
-      </p:cxnSp>
-      <p:sp>
-        <p:nvSpPr>
-          <p:cNvPr id="214" name="TextBox 213">
-            <a:extLst>
-              <a:ext uri="{FF2B5EF4-FFF2-40B4-BE49-F238E27FC236}">
-                <a16:creationId xmlns:a16="http://schemas.microsoft.com/office/drawing/2014/main" id="{6D24C9B1-3B07-3745-BCE6-4E5EF4E10B04}"/>
-              </a:ext>
-            </a:extLst>
-          </p:cNvPr>
-          <p:cNvSpPr txBox="1"/>
-          <p:nvPr/>
-        </p:nvSpPr>
-        <p:spPr>
-          <a:xfrm>
-            <a:off x="4892647" y="7706523"/>
-            <a:ext cx="1546166" cy="215444"/>
-          </a:xfrm>
-          <a:prstGeom prst="rect">
-            <a:avLst/>
-          </a:prstGeom>
-          <a:noFill/>
-        </p:spPr>
-        <p:txBody>
-          <a:bodyPr wrap="square" rtlCol="0">
-            <a:spAutoFit/>
-          </a:bodyPr>
-          <a:lstStyle/>
-          <a:p>
-            <a:r>
-              <a:rPr lang="en-US" sz="800" b="1" dirty="0">
-                <a:latin typeface="Hiragino Kaku Gothic ProN W6" panose="020B0300000000000000" pitchFamily="34" charset="-128"/>
-                <a:ea typeface="Hiragino Kaku Gothic ProN W6" panose="020B0300000000000000" pitchFamily="34" charset="-128"/>
-              </a:rPr>
-              <a:t>TraesCS4D02G263400</a:t>
-            </a:r>
-            <a:endParaRPr lang="en-JP" sz="800" b="1" dirty="0">
-              <a:latin typeface="Hiragino Kaku Gothic ProN W6" panose="020B0300000000000000" pitchFamily="34" charset="-128"/>
-              <a:ea typeface="Hiragino Kaku Gothic ProN W6" panose="020B0300000000000000" pitchFamily="34" charset="-128"/>
-            </a:endParaRPr>
-          </a:p>
-        </p:txBody>
-      </p:sp>
-      <p:sp>
-        <p:nvSpPr>
-          <p:cNvPr id="215" name="Rectangle 214">
-            <a:extLst>
-              <a:ext uri="{FF2B5EF4-FFF2-40B4-BE49-F238E27FC236}">
-                <a16:creationId xmlns:a16="http://schemas.microsoft.com/office/drawing/2014/main" id="{18E1F986-D9BC-CB44-B173-13D53F75D072}"/>
-              </a:ext>
-            </a:extLst>
-          </p:cNvPr>
-          <p:cNvSpPr/>
-          <p:nvPr/>
-        </p:nvSpPr>
-        <p:spPr>
-          <a:xfrm>
-            <a:off x="4594976" y="7992676"/>
-            <a:ext cx="1999245" cy="109200"/>
-          </a:xfrm>
-          <a:prstGeom prst="rect">
-            <a:avLst/>
-          </a:prstGeom>
-          <a:solidFill>
-            <a:srgbClr val="FFC000"/>
-          </a:solidFill>
-          <a:ln>
-            <a:noFill/>
-          </a:ln>
-        </p:spPr>
-        <p:style>
-          <a:lnRef idx="2">
-            <a:schemeClr val="accent1">
-              <a:shade val="50000"/>
-            </a:schemeClr>
-          </a:lnRef>
-          <a:fillRef idx="1">
-            <a:schemeClr val="accent1"/>
-          </a:fillRef>
-          <a:effectRef idx="0">
-            <a:schemeClr val="accent1"/>
-          </a:effectRef>
-          <a:fontRef idx="minor">
-            <a:schemeClr val="lt1"/>
-          </a:fontRef>
-        </p:style>
-        <p:txBody>
-          <a:bodyPr rtlCol="0" anchor="ctr"/>
-          <a:lstStyle/>
-          <a:p>
-            <a:pPr algn="ctr"/>
-            <a:endParaRPr lang="en-JP"/>
-          </a:p>
-        </p:txBody>
-      </p:sp>
-      <p:sp>
-        <p:nvSpPr>
-          <p:cNvPr id="216" name="Triangle 215">
-            <a:extLst>
-              <a:ext uri="{FF2B5EF4-FFF2-40B4-BE49-F238E27FC236}">
-                <a16:creationId xmlns:a16="http://schemas.microsoft.com/office/drawing/2014/main" id="{92415F9F-032A-7047-BE32-480E35F8B0CC}"/>
-              </a:ext>
-            </a:extLst>
-          </p:cNvPr>
-          <p:cNvSpPr/>
-          <p:nvPr/>
-        </p:nvSpPr>
-        <p:spPr>
-          <a:xfrm rot="5400000">
-            <a:off x="5098830" y="8018159"/>
-            <a:ext cx="82716" cy="58235"/>
-          </a:xfrm>
-          <a:prstGeom prst="triangle">
-            <a:avLst/>
-          </a:prstGeom>
-          <a:solidFill>
-            <a:schemeClr val="bg1"/>
-          </a:solidFill>
-          <a:ln>
-            <a:noFill/>
-          </a:ln>
-        </p:spPr>
-        <p:style>
-          <a:lnRef idx="2">
-            <a:schemeClr val="accent1">
-              <a:shade val="50000"/>
-            </a:schemeClr>
-          </a:lnRef>
-          <a:fillRef idx="1">
-            <a:schemeClr val="accent1"/>
-          </a:fillRef>
-          <a:effectRef idx="0">
-            <a:schemeClr val="accent1"/>
-          </a:effectRef>
-          <a:fontRef idx="minor">
-            <a:schemeClr val="lt1"/>
-          </a:fontRef>
-        </p:style>
-        <p:txBody>
-          <a:bodyPr rtlCol="0" anchor="ctr"/>
-          <a:lstStyle/>
-          <a:p>
-            <a:pPr algn="ctr"/>
-            <a:endParaRPr lang="en-JP"/>
-          </a:p>
-        </p:txBody>
-      </p:sp>
-      <p:sp>
-        <p:nvSpPr>
-          <p:cNvPr id="217" name="Triangle 216">
-            <a:extLst>
-              <a:ext uri="{FF2B5EF4-FFF2-40B4-BE49-F238E27FC236}">
-                <a16:creationId xmlns:a16="http://schemas.microsoft.com/office/drawing/2014/main" id="{A8CA7932-95AD-2C45-8EAA-15666E983B38}"/>
-              </a:ext>
-            </a:extLst>
-          </p:cNvPr>
-          <p:cNvSpPr/>
-          <p:nvPr/>
-        </p:nvSpPr>
-        <p:spPr>
-          <a:xfrm rot="5400000">
-            <a:off x="5541411" y="8018159"/>
-            <a:ext cx="82716" cy="58235"/>
-          </a:xfrm>
-          <a:prstGeom prst="triangle">
-            <a:avLst/>
-          </a:prstGeom>
-          <a:solidFill>
-            <a:schemeClr val="bg1"/>
-          </a:solidFill>
-          <a:ln>
-            <a:noFill/>
-          </a:ln>
-        </p:spPr>
-        <p:style>
-          <a:lnRef idx="2">
-            <a:schemeClr val="accent1">
-              <a:shade val="50000"/>
-            </a:schemeClr>
-          </a:lnRef>
-          <a:fillRef idx="1">
-            <a:schemeClr val="accent1"/>
-          </a:fillRef>
-          <a:effectRef idx="0">
-            <a:schemeClr val="accent1"/>
-          </a:effectRef>
-          <a:fontRef idx="minor">
-            <a:schemeClr val="lt1"/>
-          </a:fontRef>
-        </p:style>
-        <p:txBody>
-          <a:bodyPr rtlCol="0" anchor="ctr"/>
-          <a:lstStyle/>
-          <a:p>
-            <a:pPr algn="ctr"/>
-            <a:endParaRPr lang="en-JP"/>
-          </a:p>
-        </p:txBody>
-      </p:sp>
-      <p:sp>
-        <p:nvSpPr>
-          <p:cNvPr id="218" name="Triangle 217">
-            <a:extLst>
-              <a:ext uri="{FF2B5EF4-FFF2-40B4-BE49-F238E27FC236}">
-                <a16:creationId xmlns:a16="http://schemas.microsoft.com/office/drawing/2014/main" id="{9491255E-547F-7F42-9524-F02486E0A8AC}"/>
-              </a:ext>
-            </a:extLst>
-          </p:cNvPr>
-          <p:cNvSpPr/>
-          <p:nvPr/>
-        </p:nvSpPr>
-        <p:spPr>
-          <a:xfrm rot="5400000">
-            <a:off x="4656248" y="8018159"/>
-            <a:ext cx="82716" cy="58235"/>
-          </a:xfrm>
-          <a:prstGeom prst="triangle">
-            <a:avLst/>
-          </a:prstGeom>
-          <a:solidFill>
-            <a:schemeClr val="bg1"/>
-          </a:solidFill>
-          <a:ln>
-            <a:noFill/>
-          </a:ln>
-        </p:spPr>
-        <p:style>
-          <a:lnRef idx="2">
-            <a:schemeClr val="accent1">
-              <a:shade val="50000"/>
-            </a:schemeClr>
-          </a:lnRef>
-          <a:fillRef idx="1">
-            <a:schemeClr val="accent1"/>
-          </a:fillRef>
-          <a:effectRef idx="0">
-            <a:schemeClr val="accent1"/>
-          </a:effectRef>
-          <a:fontRef idx="minor">
-            <a:schemeClr val="lt1"/>
-          </a:fontRef>
-        </p:style>
-        <p:txBody>
-          <a:bodyPr rtlCol="0" anchor="ctr"/>
-          <a:lstStyle/>
-          <a:p>
-            <a:pPr algn="ctr"/>
-            <a:endParaRPr lang="en-JP"/>
-          </a:p>
-        </p:txBody>
-      </p:sp>
-      <p:sp>
-        <p:nvSpPr>
-          <p:cNvPr id="219" name="Triangle 218">
-            <a:extLst>
-              <a:ext uri="{FF2B5EF4-FFF2-40B4-BE49-F238E27FC236}">
-                <a16:creationId xmlns:a16="http://schemas.microsoft.com/office/drawing/2014/main" id="{35C3A6E2-BF19-304B-9695-8F18E2204AA9}"/>
-              </a:ext>
-            </a:extLst>
-          </p:cNvPr>
-          <p:cNvSpPr/>
-          <p:nvPr/>
-        </p:nvSpPr>
-        <p:spPr>
-          <a:xfrm rot="5400000">
-            <a:off x="5983992" y="8018159"/>
-            <a:ext cx="82716" cy="58235"/>
-          </a:xfrm>
-          <a:prstGeom prst="triangle">
-            <a:avLst/>
-          </a:prstGeom>
-          <a:solidFill>
-            <a:schemeClr val="bg1"/>
-          </a:solidFill>
-          <a:ln>
-            <a:noFill/>
-          </a:ln>
-        </p:spPr>
-        <p:style>
-          <a:lnRef idx="2">
-            <a:schemeClr val="accent1">
-              <a:shade val="50000"/>
-            </a:schemeClr>
-          </a:lnRef>
-          <a:fillRef idx="1">
-            <a:schemeClr val="accent1"/>
-          </a:fillRef>
-          <a:effectRef idx="0">
-            <a:schemeClr val="accent1"/>
-          </a:effectRef>
-          <a:fontRef idx="minor">
-            <a:schemeClr val="lt1"/>
-          </a:fontRef>
-        </p:style>
-        <p:txBody>
-          <a:bodyPr rtlCol="0" anchor="ctr"/>
-          <a:lstStyle/>
-          <a:p>
-            <a:pPr algn="ctr"/>
-            <a:endParaRPr lang="en-JP"/>
-          </a:p>
-        </p:txBody>
-      </p:sp>
-      <p:sp>
-        <p:nvSpPr>
-          <p:cNvPr id="220" name="Triangle 219">
-            <a:extLst>
-              <a:ext uri="{FF2B5EF4-FFF2-40B4-BE49-F238E27FC236}">
-                <a16:creationId xmlns:a16="http://schemas.microsoft.com/office/drawing/2014/main" id="{64DD7EB0-ABB8-6249-A6EF-A527D89410AA}"/>
-              </a:ext>
-            </a:extLst>
-          </p:cNvPr>
-          <p:cNvSpPr/>
-          <p:nvPr/>
-        </p:nvSpPr>
-        <p:spPr>
-          <a:xfrm rot="5400000">
-            <a:off x="6426573" y="8018159"/>
-            <a:ext cx="82716" cy="58235"/>
-          </a:xfrm>
-          <a:prstGeom prst="triangle">
-            <a:avLst/>
-          </a:prstGeom>
-          <a:solidFill>
-            <a:schemeClr val="bg1"/>
-          </a:solidFill>
-          <a:ln>
-            <a:noFill/>
-          </a:ln>
-        </p:spPr>
-        <p:style>
-          <a:lnRef idx="2">
-            <a:schemeClr val="accent1">
-              <a:shade val="50000"/>
-            </a:schemeClr>
-          </a:lnRef>
-          <a:fillRef idx="1">
-            <a:schemeClr val="accent1"/>
-          </a:fillRef>
-          <a:effectRef idx="0">
-            <a:schemeClr val="accent1"/>
-          </a:effectRef>
-          <a:fontRef idx="minor">
-            <a:schemeClr val="lt1"/>
-          </a:fontRef>
-        </p:style>
-        <p:txBody>
-          <a:bodyPr rtlCol="0" anchor="ctr"/>
-          <a:lstStyle/>
-          <a:p>
-            <a:pPr algn="ctr"/>
-            <a:endParaRPr lang="en-JP"/>
-          </a:p>
-        </p:txBody>
-      </p:sp>
-      <p:sp>
-        <p:nvSpPr>
-          <p:cNvPr id="221" name="Rectangle 220">
-            <a:extLst>
-              <a:ext uri="{FF2B5EF4-FFF2-40B4-BE49-F238E27FC236}">
-                <a16:creationId xmlns:a16="http://schemas.microsoft.com/office/drawing/2014/main" id="{3F9DA1FA-FF06-2F40-A03D-4E46D845C796}"/>
-              </a:ext>
-            </a:extLst>
-          </p:cNvPr>
-          <p:cNvSpPr/>
-          <p:nvPr/>
-        </p:nvSpPr>
-        <p:spPr>
-          <a:xfrm>
-            <a:off x="4129647" y="8144347"/>
-            <a:ext cx="479160" cy="109200"/>
-          </a:xfrm>
-          <a:prstGeom prst="rect">
-            <a:avLst/>
-          </a:prstGeom>
-          <a:solidFill>
-            <a:srgbClr val="FFC000"/>
-          </a:solidFill>
-          <a:ln>
-            <a:noFill/>
-          </a:ln>
-        </p:spPr>
-        <p:style>
-          <a:lnRef idx="2">
-            <a:schemeClr val="accent1">
-              <a:shade val="50000"/>
-            </a:schemeClr>
-          </a:lnRef>
-          <a:fillRef idx="1">
-            <a:schemeClr val="accent1"/>
-          </a:fillRef>
-          <a:effectRef idx="0">
-            <a:schemeClr val="accent1"/>
-          </a:effectRef>
-          <a:fontRef idx="minor">
-            <a:schemeClr val="lt1"/>
-          </a:fontRef>
-        </p:style>
-        <p:txBody>
-          <a:bodyPr rtlCol="0" anchor="ctr"/>
-          <a:lstStyle/>
-          <a:p>
-            <a:pPr algn="ctr"/>
-            <a:endParaRPr lang="en-JP"/>
-          </a:p>
-        </p:txBody>
-      </p:sp>
-      <p:sp>
-        <p:nvSpPr>
-          <p:cNvPr id="222" name="Triangle 221">
-            <a:extLst>
-              <a:ext uri="{FF2B5EF4-FFF2-40B4-BE49-F238E27FC236}">
-                <a16:creationId xmlns:a16="http://schemas.microsoft.com/office/drawing/2014/main" id="{B93B576F-35B1-3641-8497-19E8C8ADAC18}"/>
-              </a:ext>
-            </a:extLst>
-          </p:cNvPr>
-          <p:cNvSpPr/>
-          <p:nvPr/>
-        </p:nvSpPr>
-        <p:spPr>
-          <a:xfrm rot="5400000">
-            <a:off x="4442455" y="8170547"/>
-            <a:ext cx="82716" cy="58235"/>
-          </a:xfrm>
-          <a:prstGeom prst="triangle">
-            <a:avLst/>
-          </a:prstGeom>
-          <a:solidFill>
-            <a:schemeClr val="bg1"/>
-          </a:solidFill>
-          <a:ln>
-            <a:noFill/>
-          </a:ln>
-        </p:spPr>
-        <p:style>
-          <a:lnRef idx="2">
-            <a:schemeClr val="accent1">
-              <a:shade val="50000"/>
-            </a:schemeClr>
-          </a:lnRef>
-          <a:fillRef idx="1">
-            <a:schemeClr val="accent1"/>
-          </a:fillRef>
-          <a:effectRef idx="0">
-            <a:schemeClr val="accent1"/>
-          </a:effectRef>
-          <a:fontRef idx="minor">
-            <a:schemeClr val="lt1"/>
-          </a:fontRef>
-        </p:style>
-        <p:txBody>
-          <a:bodyPr rtlCol="0" anchor="ctr"/>
-          <a:lstStyle/>
-          <a:p>
-            <a:pPr algn="ctr"/>
-            <a:endParaRPr lang="en-JP"/>
-          </a:p>
-        </p:txBody>
-      </p:sp>
-      <p:sp>
-        <p:nvSpPr>
-          <p:cNvPr id="223" name="Triangle 222">
-            <a:extLst>
-              <a:ext uri="{FF2B5EF4-FFF2-40B4-BE49-F238E27FC236}">
-                <a16:creationId xmlns:a16="http://schemas.microsoft.com/office/drawing/2014/main" id="{20A2E0D7-670D-3B40-A5EB-A5843C933F00}"/>
-              </a:ext>
-            </a:extLst>
-          </p:cNvPr>
-          <p:cNvSpPr/>
-          <p:nvPr/>
-        </p:nvSpPr>
-        <p:spPr>
-          <a:xfrm rot="5400000">
-            <a:off x="4221164" y="8170547"/>
-            <a:ext cx="82716" cy="58235"/>
-          </a:xfrm>
-          <a:prstGeom prst="triangle">
-            <a:avLst/>
-          </a:prstGeom>
-          <a:solidFill>
-            <a:schemeClr val="bg1"/>
-          </a:solidFill>
-          <a:ln>
-            <a:noFill/>
-          </a:ln>
-        </p:spPr>
-        <p:style>
-          <a:lnRef idx="2">
-            <a:schemeClr val="accent1">
-              <a:shade val="50000"/>
-            </a:schemeClr>
-          </a:lnRef>
-          <a:fillRef idx="1">
-            <a:schemeClr val="accent1"/>
-          </a:fillRef>
-          <a:effectRef idx="0">
-            <a:schemeClr val="accent1"/>
-          </a:effectRef>
-          <a:fontRef idx="minor">
-            <a:schemeClr val="lt1"/>
-          </a:fontRef>
-        </p:style>
-        <p:txBody>
-          <a:bodyPr rtlCol="0" anchor="ctr"/>
-          <a:lstStyle/>
-          <a:p>
-            <a:pPr algn="ctr"/>
-            <a:endParaRPr lang="en-JP"/>
-          </a:p>
-        </p:txBody>
-      </p:sp>
-      <p:sp>
-        <p:nvSpPr>
-          <p:cNvPr id="224" name="Rectangle 223">
-            <a:extLst>
-              <a:ext uri="{FF2B5EF4-FFF2-40B4-BE49-F238E27FC236}">
-                <a16:creationId xmlns:a16="http://schemas.microsoft.com/office/drawing/2014/main" id="{D985B66A-36E7-F946-8410-3F1A0AD71E60}"/>
-              </a:ext>
-            </a:extLst>
-          </p:cNvPr>
-          <p:cNvSpPr/>
-          <p:nvPr/>
-        </p:nvSpPr>
-        <p:spPr>
-          <a:xfrm>
-            <a:off x="5323776" y="8144347"/>
-            <a:ext cx="911420" cy="109200"/>
-          </a:xfrm>
-          <a:prstGeom prst="rect">
-            <a:avLst/>
-          </a:prstGeom>
-          <a:solidFill>
-            <a:srgbClr val="FFC000"/>
-          </a:solidFill>
-          <a:ln>
-            <a:noFill/>
-          </a:ln>
-        </p:spPr>
-        <p:style>
-          <a:lnRef idx="2">
-            <a:schemeClr val="accent1">
-              <a:shade val="50000"/>
-            </a:schemeClr>
-          </a:lnRef>
-          <a:fillRef idx="1">
-            <a:schemeClr val="accent1"/>
-          </a:fillRef>
-          <a:effectRef idx="0">
-            <a:schemeClr val="accent1"/>
-          </a:effectRef>
-          <a:fontRef idx="minor">
-            <a:schemeClr val="lt1"/>
-          </a:fontRef>
-        </p:style>
-        <p:txBody>
-          <a:bodyPr rtlCol="0" anchor="ctr"/>
-          <a:lstStyle/>
-          <a:p>
-            <a:pPr algn="ctr"/>
-            <a:endParaRPr lang="en-JP"/>
-          </a:p>
-        </p:txBody>
-      </p:sp>
-      <p:sp>
-        <p:nvSpPr>
-          <p:cNvPr id="225" name="Triangle 224">
-            <a:extLst>
-              <a:ext uri="{FF2B5EF4-FFF2-40B4-BE49-F238E27FC236}">
-                <a16:creationId xmlns:a16="http://schemas.microsoft.com/office/drawing/2014/main" id="{BF4810C9-EFFE-0E4D-A31D-5CED1AFB2498}"/>
-              </a:ext>
-            </a:extLst>
-          </p:cNvPr>
-          <p:cNvSpPr/>
-          <p:nvPr/>
-        </p:nvSpPr>
-        <p:spPr>
-          <a:xfrm rot="5400000">
-            <a:off x="5366692" y="8169830"/>
-            <a:ext cx="82716" cy="58235"/>
-          </a:xfrm>
-          <a:prstGeom prst="triangle">
-            <a:avLst/>
-          </a:prstGeom>
-          <a:solidFill>
-            <a:schemeClr val="bg1"/>
-          </a:solidFill>
-          <a:ln>
-            <a:noFill/>
-          </a:ln>
-        </p:spPr>
-        <p:style>
-          <a:lnRef idx="2">
-            <a:schemeClr val="accent1">
-              <a:shade val="50000"/>
-            </a:schemeClr>
-          </a:lnRef>
-          <a:fillRef idx="1">
-            <a:schemeClr val="accent1"/>
-          </a:fillRef>
-          <a:effectRef idx="0">
-            <a:schemeClr val="accent1"/>
-          </a:effectRef>
-          <a:fontRef idx="minor">
-            <a:schemeClr val="lt1"/>
-          </a:fontRef>
-        </p:style>
-        <p:txBody>
-          <a:bodyPr rtlCol="0" anchor="ctr"/>
-          <a:lstStyle/>
-          <a:p>
-            <a:pPr algn="ctr"/>
-            <a:endParaRPr lang="en-JP"/>
-          </a:p>
-        </p:txBody>
-      </p:sp>
-      <p:sp>
-        <p:nvSpPr>
-          <p:cNvPr id="226" name="Triangle 225">
-            <a:extLst>
-              <a:ext uri="{FF2B5EF4-FFF2-40B4-BE49-F238E27FC236}">
-                <a16:creationId xmlns:a16="http://schemas.microsoft.com/office/drawing/2014/main" id="{70559967-58F6-2C4C-BD2C-B2AD0657A9C6}"/>
-              </a:ext>
-            </a:extLst>
-          </p:cNvPr>
-          <p:cNvSpPr/>
-          <p:nvPr/>
-        </p:nvSpPr>
-        <p:spPr>
-          <a:xfrm rot="5400000">
-            <a:off x="5733341" y="8169830"/>
-            <a:ext cx="82716" cy="58235"/>
-          </a:xfrm>
-          <a:prstGeom prst="triangle">
-            <a:avLst/>
-          </a:prstGeom>
-          <a:solidFill>
-            <a:schemeClr val="bg1"/>
-          </a:solidFill>
-          <a:ln>
-            <a:noFill/>
-          </a:ln>
-        </p:spPr>
-        <p:style>
-          <a:lnRef idx="2">
-            <a:schemeClr val="accent1">
-              <a:shade val="50000"/>
-            </a:schemeClr>
-          </a:lnRef>
-          <a:fillRef idx="1">
-            <a:schemeClr val="accent1"/>
-          </a:fillRef>
-          <a:effectRef idx="0">
-            <a:schemeClr val="accent1"/>
-          </a:effectRef>
-          <a:fontRef idx="minor">
-            <a:schemeClr val="lt1"/>
-          </a:fontRef>
-        </p:style>
-        <p:txBody>
-          <a:bodyPr rtlCol="0" anchor="ctr"/>
-          <a:lstStyle/>
-          <a:p>
-            <a:pPr algn="ctr"/>
-            <a:endParaRPr lang="en-JP"/>
-          </a:p>
-        </p:txBody>
-      </p:sp>
-      <p:sp>
-        <p:nvSpPr>
-          <p:cNvPr id="227" name="Triangle 226">
-            <a:extLst>
-              <a:ext uri="{FF2B5EF4-FFF2-40B4-BE49-F238E27FC236}">
-                <a16:creationId xmlns:a16="http://schemas.microsoft.com/office/drawing/2014/main" id="{A2485B37-77C5-4840-867C-63175534D276}"/>
-              </a:ext>
-            </a:extLst>
-          </p:cNvPr>
-          <p:cNvSpPr/>
-          <p:nvPr/>
-        </p:nvSpPr>
-        <p:spPr>
-          <a:xfrm rot="5400000">
-            <a:off x="6099989" y="8169830"/>
-            <a:ext cx="82716" cy="58235"/>
-          </a:xfrm>
-          <a:prstGeom prst="triangle">
-            <a:avLst/>
-          </a:prstGeom>
-          <a:solidFill>
-            <a:schemeClr val="bg1"/>
-          </a:solidFill>
-          <a:ln>
-            <a:noFill/>
-          </a:ln>
-        </p:spPr>
-        <p:style>
-          <a:lnRef idx="2">
-            <a:schemeClr val="accent1">
-              <a:shade val="50000"/>
-            </a:schemeClr>
-          </a:lnRef>
-          <a:fillRef idx="1">
-            <a:schemeClr val="accent1"/>
-          </a:fillRef>
-          <a:effectRef idx="0">
-            <a:schemeClr val="accent1"/>
-          </a:effectRef>
-          <a:fontRef idx="minor">
-            <a:schemeClr val="lt1"/>
-          </a:fontRef>
-        </p:style>
-        <p:txBody>
-          <a:bodyPr rtlCol="0" anchor="ctr"/>
-          <a:lstStyle/>
-          <a:p>
-            <a:pPr algn="ctr"/>
-            <a:endParaRPr lang="en-JP"/>
-          </a:p>
-        </p:txBody>
-      </p:sp>
-      <p:pic>
-        <p:nvPicPr>
-          <p:cNvPr id="228" name="Picture 227">
-            <a:extLst>
-              <a:ext uri="{FF2B5EF4-FFF2-40B4-BE49-F238E27FC236}">
-                <a16:creationId xmlns:a16="http://schemas.microsoft.com/office/drawing/2014/main" id="{A1728A22-0769-F243-B675-E0976C8C7E52}"/>
-              </a:ext>
-            </a:extLst>
-          </p:cNvPr>
-          <p:cNvPicPr>
-            <a:picLocks noChangeAspect="1"/>
-          </p:cNvPicPr>
-          <p:nvPr/>
-        </p:nvPicPr>
-        <p:blipFill rotWithShape="1">
-          <a:blip r:embed="rId5"/>
-          <a:srcRect l="82500" t="27704" r="2499" b="39939"/>
-          <a:stretch/>
-        </p:blipFill>
-        <p:spPr>
-          <a:xfrm>
-            <a:off x="718128" y="5189215"/>
-            <a:ext cx="559997" cy="805212"/>
-          </a:xfrm>
-          <a:prstGeom prst="rect">
-            <a:avLst/>
-          </a:prstGeom>
-        </p:spPr>
-      </p:pic>
-      <p:sp>
-        <p:nvSpPr>
-          <p:cNvPr id="94" name="Rectangle 93">
-            <a:extLst>
-              <a:ext uri="{FF2B5EF4-FFF2-40B4-BE49-F238E27FC236}">
-                <a16:creationId xmlns:a16="http://schemas.microsoft.com/office/drawing/2014/main" id="{79D22E39-6593-404C-B9EB-2CE74E387E1E}"/>
-              </a:ext>
-            </a:extLst>
-          </p:cNvPr>
-          <p:cNvSpPr/>
-          <p:nvPr/>
-        </p:nvSpPr>
-        <p:spPr>
-          <a:xfrm>
-            <a:off x="1454968" y="7541012"/>
-            <a:ext cx="18000" cy="127168"/>
+          <a:xfrm>
+            <a:off x="4957399" y="8842439"/>
+            <a:ext cx="109794" cy="127168"/>
           </a:xfrm>
           <a:prstGeom prst="rect">
             <a:avLst/>
@@ -12653,10 +15587,10 @@
       </p:sp>
       <p:sp>
         <p:nvSpPr>
-          <p:cNvPr id="95" name="Rectangle 94">
-            <a:extLst>
-              <a:ext uri="{FF2B5EF4-FFF2-40B4-BE49-F238E27FC236}">
-                <a16:creationId xmlns:a16="http://schemas.microsoft.com/office/drawing/2014/main" id="{983B82E0-A1B0-1A43-84CE-B6A95789A16F}"/>
+          <p:cNvPr id="297" name="Rectangle 296">
+            <a:extLst>
+              <a:ext uri="{FF2B5EF4-FFF2-40B4-BE49-F238E27FC236}">
+                <a16:creationId xmlns:a16="http://schemas.microsoft.com/office/drawing/2014/main" id="{35B21674-0E2F-D14E-BFEE-2BFB73FC51CD}"/>
               </a:ext>
             </a:extLst>
           </p:cNvPr>
@@ -12665,8 +15599,8 @@
         </p:nvSpPr>
         <p:spPr>
           <a:xfrm>
-            <a:off x="1707192" y="7541012"/>
-            <a:ext cx="47811" cy="127168"/>
+            <a:off x="5463448" y="8842439"/>
+            <a:ext cx="36000" cy="127168"/>
           </a:xfrm>
           <a:prstGeom prst="rect">
             <a:avLst/>
@@ -12707,10 +15641,10 @@
       </p:sp>
       <p:sp>
         <p:nvSpPr>
-          <p:cNvPr id="96" name="Rectangle 95">
-            <a:extLst>
-              <a:ext uri="{FF2B5EF4-FFF2-40B4-BE49-F238E27FC236}">
-                <a16:creationId xmlns:a16="http://schemas.microsoft.com/office/drawing/2014/main" id="{D283FBAB-B65C-4C45-AA57-1ADB673CFFA0}"/>
+          <p:cNvPr id="298" name="Rectangle 297">
+            <a:extLst>
+              <a:ext uri="{FF2B5EF4-FFF2-40B4-BE49-F238E27FC236}">
+                <a16:creationId xmlns:a16="http://schemas.microsoft.com/office/drawing/2014/main" id="{86F642AF-9E28-854C-901E-6477D1BD8E2B}"/>
               </a:ext>
             </a:extLst>
           </p:cNvPr>
@@ -12719,8 +15653,8 @@
         </p:nvSpPr>
         <p:spPr>
           <a:xfrm>
-            <a:off x="2177378" y="7541012"/>
-            <a:ext cx="100800" cy="127168"/>
+            <a:off x="5569617" y="8843023"/>
+            <a:ext cx="147381" cy="126000"/>
           </a:xfrm>
           <a:prstGeom prst="rect">
             <a:avLst/>
@@ -12761,10 +15695,10 @@
       </p:sp>
       <p:sp>
         <p:nvSpPr>
-          <p:cNvPr id="97" name="Rectangle 96">
-            <a:extLst>
-              <a:ext uri="{FF2B5EF4-FFF2-40B4-BE49-F238E27FC236}">
-                <a16:creationId xmlns:a16="http://schemas.microsoft.com/office/drawing/2014/main" id="{4803614C-9545-5741-9091-690AA800F6AB}"/>
+          <p:cNvPr id="299" name="Triangle 298">
+            <a:extLst>
+              <a:ext uri="{FF2B5EF4-FFF2-40B4-BE49-F238E27FC236}">
+                <a16:creationId xmlns:a16="http://schemas.microsoft.com/office/drawing/2014/main" id="{17BE79DE-6132-9247-877C-8CFE1E772987}"/>
               </a:ext>
             </a:extLst>
           </p:cNvPr>
@@ -12772,20 +15706,18 @@
           <p:nvPr/>
         </p:nvSpPr>
         <p:spPr>
-          <a:xfrm>
-            <a:off x="2342297" y="7541012"/>
-            <a:ext cx="122400" cy="127168"/>
-          </a:xfrm>
-          <a:prstGeom prst="rect">
+          <a:xfrm rot="5400000">
+            <a:off x="4955240" y="8883164"/>
+            <a:ext cx="53034" cy="45719"/>
+          </a:xfrm>
+          <a:prstGeom prst="triangle">
             <a:avLst/>
           </a:prstGeom>
           <a:solidFill>
-            <a:srgbClr val="002060"/>
+            <a:schemeClr val="bg1"/>
           </a:solidFill>
           <a:ln>
-            <a:solidFill>
-              <a:srgbClr val="002060"/>
-            </a:solidFill>
+            <a:noFill/>
           </a:ln>
         </p:spPr>
         <p:style>
@@ -12813,128 +15745,12 @@
           </a:p>
         </p:txBody>
       </p:sp>
-      <p:cxnSp>
-        <p:nvCxnSpPr>
-          <p:cNvPr id="101" name="Straight Connector 100">
-            <a:extLst>
-              <a:ext uri="{FF2B5EF4-FFF2-40B4-BE49-F238E27FC236}">
-                <a16:creationId xmlns:a16="http://schemas.microsoft.com/office/drawing/2014/main" id="{50E77E12-7437-AC44-9C45-C1131BFA623F}"/>
-              </a:ext>
-            </a:extLst>
-          </p:cNvPr>
-          <p:cNvCxnSpPr>
-            <a:cxnSpLocks/>
-          </p:cNvCxnSpPr>
-          <p:nvPr/>
-        </p:nvCxnSpPr>
-        <p:spPr>
-          <a:xfrm>
-            <a:off x="1458422" y="7604596"/>
-            <a:ext cx="1007801" cy="0"/>
-          </a:xfrm>
-          <a:prstGeom prst="line">
-            <a:avLst/>
-          </a:prstGeom>
-          <a:ln w="57150">
-            <a:solidFill>
-              <a:srgbClr val="002060"/>
-            </a:solidFill>
-          </a:ln>
-        </p:spPr>
-        <p:style>
-          <a:lnRef idx="1">
-            <a:schemeClr val="accent1"/>
-          </a:lnRef>
-          <a:fillRef idx="0">
-            <a:schemeClr val="accent1"/>
-          </a:fillRef>
-          <a:effectRef idx="0">
-            <a:schemeClr val="accent1"/>
-          </a:effectRef>
-          <a:fontRef idx="minor">
-            <a:schemeClr val="tx1"/>
-          </a:fontRef>
-        </p:style>
-      </p:cxnSp>
-      <p:pic>
-        <p:nvPicPr>
-          <p:cNvPr id="7" name="Picture 6">
-            <a:extLst>
-              <a:ext uri="{FF2B5EF4-FFF2-40B4-BE49-F238E27FC236}">
-                <a16:creationId xmlns:a16="http://schemas.microsoft.com/office/drawing/2014/main" id="{78B7C92A-1ECC-C147-B15F-70A06DC29B7C}"/>
-              </a:ext>
-            </a:extLst>
-          </p:cNvPr>
-          <p:cNvPicPr>
-            <a:picLocks noChangeAspect="1"/>
-          </p:cNvPicPr>
-          <p:nvPr/>
-        </p:nvPicPr>
-        <p:blipFill>
-          <a:blip r:embed="rId7"/>
-          <a:stretch>
-            <a:fillRect/>
-          </a:stretch>
-        </p:blipFill>
-        <p:spPr>
-          <a:xfrm>
-            <a:off x="738079" y="9347984"/>
-            <a:ext cx="2453010" cy="286292"/>
-          </a:xfrm>
-          <a:prstGeom prst="rect">
-            <a:avLst/>
-          </a:prstGeom>
-        </p:spPr>
-      </p:pic>
-      <p:cxnSp>
-        <p:nvCxnSpPr>
-          <p:cNvPr id="105" name="Straight Connector 104">
-            <a:extLst>
-              <a:ext uri="{FF2B5EF4-FFF2-40B4-BE49-F238E27FC236}">
-                <a16:creationId xmlns:a16="http://schemas.microsoft.com/office/drawing/2014/main" id="{F0034699-030F-A246-A497-EB8A9CBDF490}"/>
-              </a:ext>
-            </a:extLst>
-          </p:cNvPr>
-          <p:cNvCxnSpPr>
-            <a:cxnSpLocks/>
-          </p:cNvCxnSpPr>
-          <p:nvPr/>
-        </p:nvCxnSpPr>
-        <p:spPr>
-          <a:xfrm>
-            <a:off x="3005796" y="7604596"/>
-            <a:ext cx="185293" cy="0"/>
-          </a:xfrm>
-          <a:prstGeom prst="line">
-            <a:avLst/>
-          </a:prstGeom>
-          <a:ln w="57150">
-            <a:solidFill>
-              <a:srgbClr val="002060"/>
-            </a:solidFill>
-          </a:ln>
-        </p:spPr>
-        <p:style>
-          <a:lnRef idx="1">
-            <a:schemeClr val="accent1"/>
-          </a:lnRef>
-          <a:fillRef idx="0">
-            <a:schemeClr val="accent1"/>
-          </a:fillRef>
-          <a:effectRef idx="0">
-            <a:schemeClr val="accent1"/>
-          </a:effectRef>
-          <a:fontRef idx="minor">
-            <a:schemeClr val="tx1"/>
-          </a:fontRef>
-        </p:style>
-      </p:cxnSp>
-      <p:sp>
-        <p:nvSpPr>
-          <p:cNvPr id="11" name="Triangle 10">
-            <a:extLst>
-              <a:ext uri="{FF2B5EF4-FFF2-40B4-BE49-F238E27FC236}">
-                <a16:creationId xmlns:a16="http://schemas.microsoft.com/office/drawing/2014/main" id="{39955D8B-6EB5-8C42-9B47-838D84ABC8BF}"/>
+      <p:sp>
+        <p:nvSpPr>
+          <p:cNvPr id="300" name="Triangle 299">
+            <a:extLst>
+              <a:ext uri="{FF2B5EF4-FFF2-40B4-BE49-F238E27FC236}">
+                <a16:creationId xmlns:a16="http://schemas.microsoft.com/office/drawing/2014/main" id="{9725D73A-9D38-FE41-BDA5-DA0AEB094BBB}"/>
               </a:ext>
             </a:extLst>
           </p:cNvPr>
@@ -12943,7 +15759,7 @@
         </p:nvSpPr>
         <p:spPr>
           <a:xfrm rot="5400000">
-            <a:off x="1508952" y="7581737"/>
+            <a:off x="5111196" y="8883164"/>
             <a:ext cx="53034" cy="45719"/>
           </a:xfrm>
           <a:prstGeom prst="triangle">
@@ -12983,10 +15799,10 @@
       </p:sp>
       <p:sp>
         <p:nvSpPr>
-          <p:cNvPr id="109" name="Triangle 108">
-            <a:extLst>
-              <a:ext uri="{FF2B5EF4-FFF2-40B4-BE49-F238E27FC236}">
-                <a16:creationId xmlns:a16="http://schemas.microsoft.com/office/drawing/2014/main" id="{C6A22B9A-CA8C-8E44-83F7-F4A60CD1E971}"/>
+          <p:cNvPr id="301" name="Triangle 300">
+            <a:extLst>
+              <a:ext uri="{FF2B5EF4-FFF2-40B4-BE49-F238E27FC236}">
+                <a16:creationId xmlns:a16="http://schemas.microsoft.com/office/drawing/2014/main" id="{40C69AAB-280B-9845-9B5E-7E0D7AA57D0C}"/>
               </a:ext>
             </a:extLst>
           </p:cNvPr>
@@ -12995,7 +15811,7 @@
         </p:nvSpPr>
         <p:spPr>
           <a:xfrm rot="5400000">
-            <a:off x="1661352" y="7581737"/>
+            <a:off x="5267152" y="8883164"/>
             <a:ext cx="53034" cy="45719"/>
           </a:xfrm>
           <a:prstGeom prst="triangle">
@@ -13035,10 +15851,10 @@
       </p:sp>
       <p:sp>
         <p:nvSpPr>
-          <p:cNvPr id="110" name="Triangle 109">
-            <a:extLst>
-              <a:ext uri="{FF2B5EF4-FFF2-40B4-BE49-F238E27FC236}">
-                <a16:creationId xmlns:a16="http://schemas.microsoft.com/office/drawing/2014/main" id="{A2FF1323-ABBD-3947-B09B-9A1FE7057E3C}"/>
+          <p:cNvPr id="302" name="Triangle 301">
+            <a:extLst>
+              <a:ext uri="{FF2B5EF4-FFF2-40B4-BE49-F238E27FC236}">
+                <a16:creationId xmlns:a16="http://schemas.microsoft.com/office/drawing/2014/main" id="{CDE1BE04-918A-D341-B02C-F7ED40F380CB}"/>
               </a:ext>
             </a:extLst>
           </p:cNvPr>
@@ -13047,7 +15863,7 @@
         </p:nvSpPr>
         <p:spPr>
           <a:xfrm rot="5400000">
-            <a:off x="1813752" y="7581737"/>
+            <a:off x="5423108" y="8883164"/>
             <a:ext cx="53034" cy="45719"/>
           </a:xfrm>
           <a:prstGeom prst="triangle">
@@ -13087,10 +15903,10 @@
       </p:sp>
       <p:sp>
         <p:nvSpPr>
-          <p:cNvPr id="111" name="Triangle 110">
-            <a:extLst>
-              <a:ext uri="{FF2B5EF4-FFF2-40B4-BE49-F238E27FC236}">
-                <a16:creationId xmlns:a16="http://schemas.microsoft.com/office/drawing/2014/main" id="{0F737AB6-9E53-EC4A-A58A-162761CDC43A}"/>
+          <p:cNvPr id="303" name="Triangle 302">
+            <a:extLst>
+              <a:ext uri="{FF2B5EF4-FFF2-40B4-BE49-F238E27FC236}">
+                <a16:creationId xmlns:a16="http://schemas.microsoft.com/office/drawing/2014/main" id="{22989505-2F0D-ED4D-AAAF-7B2E5CE0CEF0}"/>
               </a:ext>
             </a:extLst>
           </p:cNvPr>
@@ -13099,7 +15915,7 @@
         </p:nvSpPr>
         <p:spPr>
           <a:xfrm rot="5400000">
-            <a:off x="1966152" y="7581737"/>
+            <a:off x="5579064" y="8883164"/>
             <a:ext cx="53034" cy="45719"/>
           </a:xfrm>
           <a:prstGeom prst="triangle">
@@ -13139,10 +15955,10 @@
       </p:sp>
       <p:sp>
         <p:nvSpPr>
-          <p:cNvPr id="112" name="Triangle 111">
-            <a:extLst>
-              <a:ext uri="{FF2B5EF4-FFF2-40B4-BE49-F238E27FC236}">
-                <a16:creationId xmlns:a16="http://schemas.microsoft.com/office/drawing/2014/main" id="{61F1A2DA-72A1-4F4C-90F9-62C2D3A03611}"/>
+          <p:cNvPr id="304" name="Triangle 303">
+            <a:extLst>
+              <a:ext uri="{FF2B5EF4-FFF2-40B4-BE49-F238E27FC236}">
+                <a16:creationId xmlns:a16="http://schemas.microsoft.com/office/drawing/2014/main" id="{F2AA18B1-2ECE-F94D-863F-D45B5393E28C}"/>
               </a:ext>
             </a:extLst>
           </p:cNvPr>
@@ -13151,8 +15967,8 @@
         </p:nvSpPr>
         <p:spPr>
           <a:xfrm rot="5400000">
-            <a:off x="2118552" y="7581737"/>
-            <a:ext cx="53034" cy="45719"/>
+            <a:off x="5364451" y="9298903"/>
+            <a:ext cx="82716" cy="62941"/>
           </a:xfrm>
           <a:prstGeom prst="triangle">
             <a:avLst/>
@@ -13191,10 +16007,10 @@
       </p:sp>
       <p:sp>
         <p:nvSpPr>
-          <p:cNvPr id="113" name="Triangle 112">
-            <a:extLst>
-              <a:ext uri="{FF2B5EF4-FFF2-40B4-BE49-F238E27FC236}">
-                <a16:creationId xmlns:a16="http://schemas.microsoft.com/office/drawing/2014/main" id="{0A7D39E3-F9BD-4940-8B67-C8FDF1685A21}"/>
+          <p:cNvPr id="305" name="Triangle 304">
+            <a:extLst>
+              <a:ext uri="{FF2B5EF4-FFF2-40B4-BE49-F238E27FC236}">
+                <a16:creationId xmlns:a16="http://schemas.microsoft.com/office/drawing/2014/main" id="{12138970-A908-7F4F-B56C-AC3712FDF229}"/>
               </a:ext>
             </a:extLst>
           </p:cNvPr>
@@ -13203,8 +16019,8 @@
         </p:nvSpPr>
         <p:spPr>
           <a:xfrm rot="5400000">
-            <a:off x="2270952" y="7581737"/>
-            <a:ext cx="53034" cy="45719"/>
+            <a:off x="6212647" y="9298903"/>
+            <a:ext cx="82716" cy="62941"/>
           </a:xfrm>
           <a:prstGeom prst="triangle">
             <a:avLst/>
@@ -13243,10 +16059,10 @@
       </p:sp>
       <p:sp>
         <p:nvSpPr>
-          <p:cNvPr id="115" name="Triangle 114">
-            <a:extLst>
-              <a:ext uri="{FF2B5EF4-FFF2-40B4-BE49-F238E27FC236}">
-                <a16:creationId xmlns:a16="http://schemas.microsoft.com/office/drawing/2014/main" id="{85173528-8121-574A-ABFA-9D998D26F863}"/>
+          <p:cNvPr id="308" name="Triangle 307">
+            <a:extLst>
+              <a:ext uri="{FF2B5EF4-FFF2-40B4-BE49-F238E27FC236}">
+                <a16:creationId xmlns:a16="http://schemas.microsoft.com/office/drawing/2014/main" id="{611020B9-2375-0542-B8C4-A71134C30DB7}"/>
               </a:ext>
             </a:extLst>
           </p:cNvPr>
@@ -13255,7 +16071,7 @@
         </p:nvSpPr>
         <p:spPr>
           <a:xfrm rot="5400000">
-            <a:off x="2423352" y="7581737"/>
+            <a:off x="5735020" y="8883164"/>
             <a:ext cx="53034" cy="45719"/>
           </a:xfrm>
           <a:prstGeom prst="triangle">
@@ -13295,10 +16111,10 @@
       </p:sp>
       <p:sp>
         <p:nvSpPr>
-          <p:cNvPr id="116" name="Triangle 115">
-            <a:extLst>
-              <a:ext uri="{FF2B5EF4-FFF2-40B4-BE49-F238E27FC236}">
-                <a16:creationId xmlns:a16="http://schemas.microsoft.com/office/drawing/2014/main" id="{AD2A9C4D-F468-0C47-9259-9581245BE16C}"/>
+          <p:cNvPr id="309" name="Triangle 308">
+            <a:extLst>
+              <a:ext uri="{FF2B5EF4-FFF2-40B4-BE49-F238E27FC236}">
+                <a16:creationId xmlns:a16="http://schemas.microsoft.com/office/drawing/2014/main" id="{39089B32-42F3-6C41-A248-2E3EE0379028}"/>
               </a:ext>
             </a:extLst>
           </p:cNvPr>
@@ -13306,8 +16122,8 @@
           <p:nvPr/>
         </p:nvSpPr>
         <p:spPr>
-          <a:xfrm rot="16200000">
-            <a:off x="3013580" y="7581737"/>
+          <a:xfrm rot="5400000">
+            <a:off x="5890976" y="8883164"/>
             <a:ext cx="53034" cy="45719"/>
           </a:xfrm>
           <a:prstGeom prst="triangle">
@@ -13347,10 +16163,10 @@
       </p:sp>
       <p:sp>
         <p:nvSpPr>
-          <p:cNvPr id="117" name="Triangle 116">
-            <a:extLst>
-              <a:ext uri="{FF2B5EF4-FFF2-40B4-BE49-F238E27FC236}">
-                <a16:creationId xmlns:a16="http://schemas.microsoft.com/office/drawing/2014/main" id="{B776A415-2BE2-8549-9C0E-58575683D1A1}"/>
+          <p:cNvPr id="310" name="Triangle 309">
+            <a:extLst>
+              <a:ext uri="{FF2B5EF4-FFF2-40B4-BE49-F238E27FC236}">
+                <a16:creationId xmlns:a16="http://schemas.microsoft.com/office/drawing/2014/main" id="{68A2B40C-B137-8043-8C8D-E6D329878D11}"/>
               </a:ext>
             </a:extLst>
           </p:cNvPr>
@@ -13358,8 +16174,8 @@
           <p:nvPr/>
         </p:nvSpPr>
         <p:spPr>
-          <a:xfrm rot="16200000">
-            <a:off x="3124705" y="7581737"/>
+          <a:xfrm rot="5400000">
+            <a:off x="6046931" y="8883164"/>
             <a:ext cx="53034" cy="45719"/>
           </a:xfrm>
           <a:prstGeom prst="triangle">
@@ -13397,128 +16213,12 @@
           </a:p>
         </p:txBody>
       </p:sp>
-      <p:pic>
-        <p:nvPicPr>
-          <p:cNvPr id="13" name="Picture 12">
-            <a:extLst>
-              <a:ext uri="{FF2B5EF4-FFF2-40B4-BE49-F238E27FC236}">
-                <a16:creationId xmlns:a16="http://schemas.microsoft.com/office/drawing/2014/main" id="{5857A7F2-A684-5F4A-B2E4-9A42794EA5A9}"/>
-              </a:ext>
-            </a:extLst>
-          </p:cNvPr>
-          <p:cNvPicPr>
-            <a:picLocks noChangeAspect="1"/>
-          </p:cNvPicPr>
-          <p:nvPr/>
-        </p:nvPicPr>
-        <p:blipFill>
-          <a:blip r:embed="rId8"/>
-          <a:stretch>
-            <a:fillRect/>
-          </a:stretch>
-        </p:blipFill>
-        <p:spPr>
-          <a:xfrm>
-            <a:off x="4103707" y="9328464"/>
-            <a:ext cx="2460085" cy="325332"/>
-          </a:xfrm>
-          <a:prstGeom prst="rect">
-            <a:avLst/>
-          </a:prstGeom>
-        </p:spPr>
-      </p:pic>
-      <p:cxnSp>
-        <p:nvCxnSpPr>
-          <p:cNvPr id="120" name="Straight Connector 119">
-            <a:extLst>
-              <a:ext uri="{FF2B5EF4-FFF2-40B4-BE49-F238E27FC236}">
-                <a16:creationId xmlns:a16="http://schemas.microsoft.com/office/drawing/2014/main" id="{43A26DC8-AD9C-C744-BB69-7E4D6B34381B}"/>
-              </a:ext>
-            </a:extLst>
-          </p:cNvPr>
-          <p:cNvCxnSpPr>
-            <a:cxnSpLocks/>
-          </p:cNvCxnSpPr>
-          <p:nvPr/>
-        </p:nvCxnSpPr>
-        <p:spPr>
-          <a:xfrm>
-            <a:off x="4140520" y="7344582"/>
-            <a:ext cx="336606" cy="0"/>
-          </a:xfrm>
-          <a:prstGeom prst="line">
-            <a:avLst/>
-          </a:prstGeom>
-          <a:ln w="57150">
-            <a:solidFill>
-              <a:srgbClr val="002060"/>
-            </a:solidFill>
-          </a:ln>
-        </p:spPr>
-        <p:style>
-          <a:lnRef idx="1">
-            <a:schemeClr val="accent1"/>
-          </a:lnRef>
-          <a:fillRef idx="0">
-            <a:schemeClr val="accent1"/>
-          </a:fillRef>
-          <a:effectRef idx="0">
-            <a:schemeClr val="accent1"/>
-          </a:effectRef>
-          <a:fontRef idx="minor">
-            <a:schemeClr val="tx1"/>
-          </a:fontRef>
-        </p:style>
-      </p:cxnSp>
-      <p:cxnSp>
-        <p:nvCxnSpPr>
-          <p:cNvPr id="123" name="Straight Connector 122">
-            <a:extLst>
-              <a:ext uri="{FF2B5EF4-FFF2-40B4-BE49-F238E27FC236}">
-                <a16:creationId xmlns:a16="http://schemas.microsoft.com/office/drawing/2014/main" id="{372E4086-472E-4548-ACFF-23504A11891E}"/>
-              </a:ext>
-            </a:extLst>
-          </p:cNvPr>
-          <p:cNvCxnSpPr>
-            <a:cxnSpLocks/>
-          </p:cNvCxnSpPr>
-          <p:nvPr/>
-        </p:nvCxnSpPr>
-        <p:spPr>
-          <a:xfrm>
-            <a:off x="4608807" y="7344582"/>
-            <a:ext cx="1561658" cy="0"/>
-          </a:xfrm>
-          <a:prstGeom prst="line">
-            <a:avLst/>
-          </a:prstGeom>
-          <a:ln w="57150">
-            <a:solidFill>
-              <a:srgbClr val="002060"/>
-            </a:solidFill>
-          </a:ln>
-        </p:spPr>
-        <p:style>
-          <a:lnRef idx="1">
-            <a:schemeClr val="accent1"/>
-          </a:lnRef>
-          <a:fillRef idx="0">
-            <a:schemeClr val="accent1"/>
-          </a:fillRef>
-          <a:effectRef idx="0">
-            <a:schemeClr val="accent1"/>
-          </a:effectRef>
-          <a:fontRef idx="minor">
-            <a:schemeClr val="tx1"/>
-          </a:fontRef>
-        </p:style>
-      </p:cxnSp>
-      <p:sp>
-        <p:nvSpPr>
-          <p:cNvPr id="125" name="Rectangle 124">
-            <a:extLst>
-              <a:ext uri="{FF2B5EF4-FFF2-40B4-BE49-F238E27FC236}">
-                <a16:creationId xmlns:a16="http://schemas.microsoft.com/office/drawing/2014/main" id="{81B3CFEC-C0FD-7F46-BDBC-8B26BAF1EEA2}"/>
+      <p:sp>
+        <p:nvSpPr>
+          <p:cNvPr id="311" name="Triangle 310">
+            <a:extLst>
+              <a:ext uri="{FF2B5EF4-FFF2-40B4-BE49-F238E27FC236}">
+                <a16:creationId xmlns:a16="http://schemas.microsoft.com/office/drawing/2014/main" id="{AF6647A8-98E0-854D-B200-B28FE11A3A28}"/>
               </a:ext>
             </a:extLst>
           </p:cNvPr>
@@ -13526,20 +16226,18 @@
           <p:nvPr/>
         </p:nvSpPr>
         <p:spPr>
-          <a:xfrm>
-            <a:off x="4143944" y="7280998"/>
-            <a:ext cx="216000" cy="127168"/>
-          </a:xfrm>
-          <a:prstGeom prst="rect">
+          <a:xfrm rot="5400000">
+            <a:off x="6573803" y="9298903"/>
+            <a:ext cx="82716" cy="62941"/>
+          </a:xfrm>
+          <a:prstGeom prst="triangle">
             <a:avLst/>
           </a:prstGeom>
           <a:solidFill>
-            <a:srgbClr val="002060"/>
+            <a:schemeClr val="bg1"/>
           </a:solidFill>
           <a:ln>
-            <a:solidFill>
-              <a:srgbClr val="002060"/>
-            </a:solidFill>
+            <a:noFill/>
           </a:ln>
         </p:spPr>
         <p:style>
@@ -13567,1270 +16265,253 @@
           </a:p>
         </p:txBody>
       </p:sp>
-      <p:sp>
-        <p:nvSpPr>
-          <p:cNvPr id="126" name="Rectangle 125">
-            <a:extLst>
-              <a:ext uri="{FF2B5EF4-FFF2-40B4-BE49-F238E27FC236}">
-                <a16:creationId xmlns:a16="http://schemas.microsoft.com/office/drawing/2014/main" id="{95530BC6-7BA4-0440-872F-A8C1CBD7CDB5}"/>
-              </a:ext>
-            </a:extLst>
-          </p:cNvPr>
-          <p:cNvSpPr/>
-          <p:nvPr/>
-        </p:nvSpPr>
-        <p:spPr>
-          <a:xfrm>
-            <a:off x="4661346" y="7280998"/>
-            <a:ext cx="68400" cy="127168"/>
+      <p:pic>
+        <p:nvPicPr>
+          <p:cNvPr id="43" name="Picture 42">
+            <a:extLst>
+              <a:ext uri="{FF2B5EF4-FFF2-40B4-BE49-F238E27FC236}">
+                <a16:creationId xmlns:a16="http://schemas.microsoft.com/office/drawing/2014/main" id="{D312F8FE-80BC-BD47-844B-BD0437BDAA4F}"/>
+              </a:ext>
+            </a:extLst>
+          </p:cNvPr>
+          <p:cNvPicPr>
+            <a:picLocks noChangeAspect="1"/>
+          </p:cNvPicPr>
+          <p:nvPr/>
+        </p:nvPicPr>
+        <p:blipFill>
+          <a:blip r:embed="rId13"/>
+          <a:stretch>
+            <a:fillRect/>
+          </a:stretch>
+        </p:blipFill>
+        <p:spPr>
+          <a:xfrm>
+            <a:off x="7211481" y="9160790"/>
+            <a:ext cx="2483648" cy="285750"/>
           </a:xfrm>
           <a:prstGeom prst="rect">
             <a:avLst/>
           </a:prstGeom>
-          <a:solidFill>
-            <a:srgbClr val="002060"/>
-          </a:solidFill>
-          <a:ln>
+        </p:spPr>
+      </p:pic>
+      <p:cxnSp>
+        <p:nvCxnSpPr>
+          <p:cNvPr id="312" name="Straight Arrow Connector 311">
+            <a:extLst>
+              <a:ext uri="{FF2B5EF4-FFF2-40B4-BE49-F238E27FC236}">
+                <a16:creationId xmlns:a16="http://schemas.microsoft.com/office/drawing/2014/main" id="{174B4ED6-D5CB-7947-B5DF-60E8C86FE982}"/>
+              </a:ext>
+            </a:extLst>
+          </p:cNvPr>
+          <p:cNvCxnSpPr>
+            <a:cxnSpLocks/>
+          </p:cNvCxnSpPr>
+          <p:nvPr/>
+        </p:nvCxnSpPr>
+        <p:spPr>
+          <a:xfrm flipH="1">
+            <a:off x="4593641" y="1049525"/>
+            <a:ext cx="15813" cy="353514"/>
+          </a:xfrm>
+          <a:prstGeom prst="straightConnector1">
+            <a:avLst/>
+          </a:prstGeom>
+          <a:ln w="31750">
             <a:solidFill>
-              <a:srgbClr val="002060"/>
+              <a:srgbClr val="C00000"/>
             </a:solidFill>
+            <a:tailEnd type="triangle" w="lg" len="lg"/>
           </a:ln>
         </p:spPr>
         <p:style>
-          <a:lnRef idx="2">
-            <a:schemeClr val="accent1">
-              <a:shade val="50000"/>
-            </a:schemeClr>
+          <a:lnRef idx="1">
+            <a:schemeClr val="accent1"/>
           </a:lnRef>
-          <a:fillRef idx="1">
+          <a:fillRef idx="0">
             <a:schemeClr val="accent1"/>
           </a:fillRef>
           <a:effectRef idx="0">
             <a:schemeClr val="accent1"/>
           </a:effectRef>
           <a:fontRef idx="minor">
-            <a:schemeClr val="lt1"/>
+            <a:schemeClr val="tx1"/>
           </a:fontRef>
         </p:style>
-        <p:txBody>
-          <a:bodyPr rtlCol="0" anchor="ctr"/>
-          <a:lstStyle/>
-          <a:p>
-            <a:pPr algn="ctr"/>
-            <a:endParaRPr lang="en-JP"/>
-          </a:p>
-        </p:txBody>
-      </p:sp>
-      <p:sp>
-        <p:nvSpPr>
-          <p:cNvPr id="127" name="Rectangle 126">
-            <a:extLst>
-              <a:ext uri="{FF2B5EF4-FFF2-40B4-BE49-F238E27FC236}">
-                <a16:creationId xmlns:a16="http://schemas.microsoft.com/office/drawing/2014/main" id="{A51A0F5A-ABE7-BE47-AEB3-C92398568823}"/>
-              </a:ext>
-            </a:extLst>
-          </p:cNvPr>
-          <p:cNvSpPr/>
-          <p:nvPr/>
-        </p:nvSpPr>
-        <p:spPr>
-          <a:xfrm>
-            <a:off x="4845899" y="7280998"/>
-            <a:ext cx="18000" cy="127168"/>
+      </p:cxnSp>
+      <p:sp>
+        <p:nvSpPr>
+          <p:cNvPr id="313" name="TextBox 312">
+            <a:extLst>
+              <a:ext uri="{FF2B5EF4-FFF2-40B4-BE49-F238E27FC236}">
+                <a16:creationId xmlns:a16="http://schemas.microsoft.com/office/drawing/2014/main" id="{CCC342BA-07E5-244E-8ABD-C368593D7091}"/>
+              </a:ext>
+            </a:extLst>
+          </p:cNvPr>
+          <p:cNvSpPr txBox="1"/>
+          <p:nvPr/>
+        </p:nvSpPr>
+        <p:spPr>
+          <a:xfrm>
+            <a:off x="3698604" y="722643"/>
+            <a:ext cx="2114681" cy="276999"/>
           </a:xfrm>
           <a:prstGeom prst="rect">
             <a:avLst/>
           </a:prstGeom>
-          <a:solidFill>
-            <a:srgbClr val="002060"/>
-          </a:solidFill>
-          <a:ln>
+          <a:noFill/>
+        </p:spPr>
+        <p:txBody>
+          <a:bodyPr wrap="none" rtlCol="0">
+            <a:spAutoFit/>
+          </a:bodyPr>
+          <a:lstStyle/>
+          <a:p>
+            <a:r>
+              <a:rPr lang="en-US" sz="1200" b="1" dirty="0">
+                <a:solidFill>
+                  <a:srgbClr val="C00000"/>
+                </a:solidFill>
+                <a:latin typeface="Hiragino Kaku Gothic ProN W6" panose="020B0300000000000000" pitchFamily="34" charset="-128"/>
+                <a:ea typeface="Hiragino Kaku Gothic ProN W6" panose="020B0300000000000000" pitchFamily="34" charset="-128"/>
+              </a:rPr>
+              <a:t>TraesCS7A02G115400</a:t>
+            </a:r>
+            <a:endParaRPr lang="en-JP" sz="1200" b="1" dirty="0">
+              <a:solidFill>
+                <a:srgbClr val="C00000"/>
+              </a:solidFill>
+              <a:latin typeface="Hiragino Kaku Gothic ProN W6" panose="020B0300000000000000" pitchFamily="34" charset="-128"/>
+              <a:ea typeface="Hiragino Kaku Gothic ProN W6" panose="020B0300000000000000" pitchFamily="34" charset="-128"/>
+            </a:endParaRPr>
+          </a:p>
+        </p:txBody>
+      </p:sp>
+      <p:cxnSp>
+        <p:nvCxnSpPr>
+          <p:cNvPr id="314" name="Straight Arrow Connector 313">
+            <a:extLst>
+              <a:ext uri="{FF2B5EF4-FFF2-40B4-BE49-F238E27FC236}">
+                <a16:creationId xmlns:a16="http://schemas.microsoft.com/office/drawing/2014/main" id="{BAA3DA87-27D1-4D4A-B0BA-B5EB0657ABC9}"/>
+              </a:ext>
+            </a:extLst>
+          </p:cNvPr>
+          <p:cNvCxnSpPr>
+            <a:cxnSpLocks/>
+          </p:cNvCxnSpPr>
+          <p:nvPr/>
+        </p:nvCxnSpPr>
+        <p:spPr>
+          <a:xfrm flipH="1" flipV="1">
+            <a:off x="5640962" y="1289948"/>
+            <a:ext cx="215302" cy="322014"/>
+          </a:xfrm>
+          <a:prstGeom prst="straightConnector1">
+            <a:avLst/>
+          </a:prstGeom>
+          <a:ln w="31750">
             <a:solidFill>
-              <a:srgbClr val="002060"/>
+              <a:srgbClr val="C00000"/>
             </a:solidFill>
+            <a:tailEnd type="triangle" w="lg" len="lg"/>
           </a:ln>
         </p:spPr>
         <p:style>
-          <a:lnRef idx="2">
-            <a:schemeClr val="accent1">
-              <a:shade val="50000"/>
-            </a:schemeClr>
+          <a:lnRef idx="1">
+            <a:schemeClr val="accent1"/>
           </a:lnRef>
-          <a:fillRef idx="1">
+          <a:fillRef idx="0">
             <a:schemeClr val="accent1"/>
           </a:fillRef>
           <a:effectRef idx="0">
             <a:schemeClr val="accent1"/>
           </a:effectRef>
           <a:fontRef idx="minor">
-            <a:schemeClr val="lt1"/>
+            <a:schemeClr val="tx1"/>
           </a:fontRef>
         </p:style>
-        <p:txBody>
-          <a:bodyPr rtlCol="0" anchor="ctr"/>
-          <a:lstStyle/>
-          <a:p>
-            <a:pPr algn="ctr"/>
-            <a:endParaRPr lang="en-JP"/>
-          </a:p>
-        </p:txBody>
-      </p:sp>
-      <p:sp>
-        <p:nvSpPr>
-          <p:cNvPr id="130" name="Rectangle 129">
-            <a:extLst>
-              <a:ext uri="{FF2B5EF4-FFF2-40B4-BE49-F238E27FC236}">
-                <a16:creationId xmlns:a16="http://schemas.microsoft.com/office/drawing/2014/main" id="{D0EE4863-B5E7-B346-AA1E-957B65E773E6}"/>
-              </a:ext>
-            </a:extLst>
-          </p:cNvPr>
-          <p:cNvSpPr/>
-          <p:nvPr/>
-        </p:nvSpPr>
-        <p:spPr>
-          <a:xfrm>
-            <a:off x="5317425" y="7590893"/>
-            <a:ext cx="428155" cy="127168"/>
+      </p:cxnSp>
+      <p:sp>
+        <p:nvSpPr>
+          <p:cNvPr id="315" name="TextBox 314">
+            <a:extLst>
+              <a:ext uri="{FF2B5EF4-FFF2-40B4-BE49-F238E27FC236}">
+                <a16:creationId xmlns:a16="http://schemas.microsoft.com/office/drawing/2014/main" id="{10DFC469-9954-5E4E-BDDF-98867DE9309C}"/>
+              </a:ext>
+            </a:extLst>
+          </p:cNvPr>
+          <p:cNvSpPr txBox="1"/>
+          <p:nvPr/>
+        </p:nvSpPr>
+        <p:spPr>
+          <a:xfrm>
+            <a:off x="4698344" y="1603336"/>
+            <a:ext cx="2114681" cy="276999"/>
           </a:xfrm>
           <a:prstGeom prst="rect">
             <a:avLst/>
           </a:prstGeom>
-          <a:solidFill>
-            <a:srgbClr val="002060"/>
-          </a:solidFill>
-          <a:ln>
-            <a:solidFill>
-              <a:srgbClr val="002060"/>
-            </a:solidFill>
-          </a:ln>
-        </p:spPr>
-        <p:style>
-          <a:lnRef idx="2">
-            <a:schemeClr val="accent1">
-              <a:shade val="50000"/>
-            </a:schemeClr>
-          </a:lnRef>
-          <a:fillRef idx="1">
-            <a:schemeClr val="accent1"/>
-          </a:fillRef>
-          <a:effectRef idx="0">
-            <a:schemeClr val="accent1"/>
-          </a:effectRef>
-          <a:fontRef idx="minor">
-            <a:schemeClr val="lt1"/>
-          </a:fontRef>
-        </p:style>
-        <p:txBody>
-          <a:bodyPr rtlCol="0" anchor="ctr"/>
-          <a:lstStyle/>
-          <a:p>
-            <a:pPr algn="ctr"/>
-            <a:endParaRPr lang="en-JP"/>
-          </a:p>
-        </p:txBody>
-      </p:sp>
-      <p:sp>
-        <p:nvSpPr>
-          <p:cNvPr id="132" name="Rectangle 131">
-            <a:extLst>
-              <a:ext uri="{FF2B5EF4-FFF2-40B4-BE49-F238E27FC236}">
-                <a16:creationId xmlns:a16="http://schemas.microsoft.com/office/drawing/2014/main" id="{C2BDA16B-5025-624A-A89E-A6DEA465E05E}"/>
-              </a:ext>
-            </a:extLst>
-          </p:cNvPr>
-          <p:cNvSpPr/>
-          <p:nvPr/>
-        </p:nvSpPr>
-        <p:spPr>
-          <a:xfrm>
-            <a:off x="5896628" y="7280998"/>
-            <a:ext cx="144000" cy="127168"/>
+          <a:noFill/>
+        </p:spPr>
+        <p:txBody>
+          <a:bodyPr wrap="none" rtlCol="0">
+            <a:spAutoFit/>
+          </a:bodyPr>
+          <a:lstStyle/>
+          <a:p>
+            <a:r>
+              <a:rPr lang="en-US" sz="1200" b="1" dirty="0">
+                <a:solidFill>
+                  <a:srgbClr val="C00000"/>
+                </a:solidFill>
+                <a:latin typeface="Hiragino Kaku Gothic ProN W6" panose="020B0300000000000000" pitchFamily="34" charset="-128"/>
+                <a:ea typeface="Hiragino Kaku Gothic ProN W6" panose="020B0300000000000000" pitchFamily="34" charset="-128"/>
+              </a:rPr>
+              <a:t>TraesCS7B02G013100</a:t>
+            </a:r>
+            <a:endParaRPr lang="en-JP" sz="1200" b="1" dirty="0">
+              <a:solidFill>
+                <a:srgbClr val="C00000"/>
+              </a:solidFill>
+              <a:latin typeface="Hiragino Kaku Gothic ProN W6" panose="020B0300000000000000" pitchFamily="34" charset="-128"/>
+              <a:ea typeface="Hiragino Kaku Gothic ProN W6" panose="020B0300000000000000" pitchFamily="34" charset="-128"/>
+            </a:endParaRPr>
+          </a:p>
+        </p:txBody>
+      </p:sp>
+      <p:pic>
+        <p:nvPicPr>
+          <p:cNvPr id="156" name="Picture 155">
+            <a:extLst>
+              <a:ext uri="{FF2B5EF4-FFF2-40B4-BE49-F238E27FC236}">
+                <a16:creationId xmlns:a16="http://schemas.microsoft.com/office/drawing/2014/main" id="{9ADE9DF3-7AC3-2187-887A-C75AB7250037}"/>
+              </a:ext>
+            </a:extLst>
+          </p:cNvPr>
+          <p:cNvPicPr>
+            <a:picLocks noChangeAspect="1"/>
+          </p:cNvPicPr>
+          <p:nvPr/>
+        </p:nvPicPr>
+        <p:blipFill rotWithShape="1">
+          <a:blip r:embed="rId7"/>
+          <a:srcRect l="82500" t="27704" r="2499" b="39939"/>
+          <a:stretch/>
+        </p:blipFill>
+        <p:spPr>
+          <a:xfrm>
+            <a:off x="763883" y="6616622"/>
+            <a:ext cx="559997" cy="805212"/>
           </a:xfrm>
           <a:prstGeom prst="rect">
             <a:avLst/>
           </a:prstGeom>
-          <a:solidFill>
-            <a:srgbClr val="002060"/>
-          </a:solidFill>
-          <a:ln>
-            <a:solidFill>
-              <a:srgbClr val="002060"/>
-            </a:solidFill>
-          </a:ln>
-        </p:spPr>
-        <p:style>
-          <a:lnRef idx="2">
-            <a:schemeClr val="accent1">
-              <a:shade val="50000"/>
-            </a:schemeClr>
-          </a:lnRef>
-          <a:fillRef idx="1">
-            <a:schemeClr val="accent1"/>
-          </a:fillRef>
-          <a:effectRef idx="0">
-            <a:schemeClr val="accent1"/>
-          </a:effectRef>
-          <a:fontRef idx="minor">
-            <a:schemeClr val="lt1"/>
-          </a:fontRef>
-        </p:style>
-        <p:txBody>
-          <a:bodyPr rtlCol="0" anchor="ctr"/>
-          <a:lstStyle/>
-          <a:p>
-            <a:pPr algn="ctr"/>
-            <a:endParaRPr lang="en-JP"/>
-          </a:p>
-        </p:txBody>
-      </p:sp>
-      <p:sp>
-        <p:nvSpPr>
-          <p:cNvPr id="133" name="Triangle 132">
-            <a:extLst>
-              <a:ext uri="{FF2B5EF4-FFF2-40B4-BE49-F238E27FC236}">
-                <a16:creationId xmlns:a16="http://schemas.microsoft.com/office/drawing/2014/main" id="{BFB7D3B5-8EA9-C349-824A-303C83AFB0D9}"/>
-              </a:ext>
-            </a:extLst>
-          </p:cNvPr>
-          <p:cNvSpPr/>
-          <p:nvPr/>
-        </p:nvSpPr>
-        <p:spPr>
-          <a:xfrm rot="5400000">
-            <a:off x="4179419" y="7321723"/>
-            <a:ext cx="53034" cy="45719"/>
-          </a:xfrm>
-          <a:prstGeom prst="triangle">
-            <a:avLst/>
-          </a:prstGeom>
-          <a:solidFill>
-            <a:schemeClr val="bg1"/>
-          </a:solidFill>
-          <a:ln>
-            <a:noFill/>
-          </a:ln>
-        </p:spPr>
-        <p:style>
-          <a:lnRef idx="2">
-            <a:schemeClr val="accent1">
-              <a:shade val="50000"/>
-            </a:schemeClr>
-          </a:lnRef>
-          <a:fillRef idx="1">
-            <a:schemeClr val="accent1"/>
-          </a:fillRef>
-          <a:effectRef idx="0">
-            <a:schemeClr val="accent1"/>
-          </a:effectRef>
-          <a:fontRef idx="minor">
-            <a:schemeClr val="lt1"/>
-          </a:fontRef>
-        </p:style>
-        <p:txBody>
-          <a:bodyPr rtlCol="0" anchor="ctr"/>
-          <a:lstStyle/>
-          <a:p>
-            <a:pPr algn="ctr"/>
-            <a:endParaRPr lang="en-JP"/>
-          </a:p>
-        </p:txBody>
-      </p:sp>
-      <p:sp>
-        <p:nvSpPr>
-          <p:cNvPr id="134" name="Triangle 133">
-            <a:extLst>
-              <a:ext uri="{FF2B5EF4-FFF2-40B4-BE49-F238E27FC236}">
-                <a16:creationId xmlns:a16="http://schemas.microsoft.com/office/drawing/2014/main" id="{0EC9CBBC-8732-C44C-BA65-32C0CD1B5094}"/>
-              </a:ext>
-            </a:extLst>
-          </p:cNvPr>
-          <p:cNvSpPr/>
-          <p:nvPr/>
-        </p:nvSpPr>
-        <p:spPr>
-          <a:xfrm rot="5400000">
-            <a:off x="4331819" y="7321723"/>
-            <a:ext cx="53034" cy="45719"/>
-          </a:xfrm>
-          <a:prstGeom prst="triangle">
-            <a:avLst/>
-          </a:prstGeom>
-          <a:solidFill>
-            <a:schemeClr val="bg1"/>
-          </a:solidFill>
-          <a:ln>
-            <a:noFill/>
-          </a:ln>
-        </p:spPr>
-        <p:style>
-          <a:lnRef idx="2">
-            <a:schemeClr val="accent1">
-              <a:shade val="50000"/>
-            </a:schemeClr>
-          </a:lnRef>
-          <a:fillRef idx="1">
-            <a:schemeClr val="accent1"/>
-          </a:fillRef>
-          <a:effectRef idx="0">
-            <a:schemeClr val="accent1"/>
-          </a:effectRef>
-          <a:fontRef idx="minor">
-            <a:schemeClr val="lt1"/>
-          </a:fontRef>
-        </p:style>
-        <p:txBody>
-          <a:bodyPr rtlCol="0" anchor="ctr"/>
-          <a:lstStyle/>
-          <a:p>
-            <a:pPr algn="ctr"/>
-            <a:endParaRPr lang="en-JP"/>
-          </a:p>
-        </p:txBody>
-      </p:sp>
-      <p:sp>
-        <p:nvSpPr>
-          <p:cNvPr id="135" name="Triangle 134">
-            <a:extLst>
-              <a:ext uri="{FF2B5EF4-FFF2-40B4-BE49-F238E27FC236}">
-                <a16:creationId xmlns:a16="http://schemas.microsoft.com/office/drawing/2014/main" id="{84808659-E226-C140-B1C5-E6CA4C9F0520}"/>
-              </a:ext>
-            </a:extLst>
-          </p:cNvPr>
-          <p:cNvSpPr/>
-          <p:nvPr/>
-        </p:nvSpPr>
-        <p:spPr>
-          <a:xfrm rot="5400000">
-            <a:off x="4664830" y="7321723"/>
-            <a:ext cx="53034" cy="45719"/>
-          </a:xfrm>
-          <a:prstGeom prst="triangle">
-            <a:avLst/>
-          </a:prstGeom>
-          <a:solidFill>
-            <a:schemeClr val="bg1"/>
-          </a:solidFill>
-          <a:ln>
-            <a:noFill/>
-          </a:ln>
-        </p:spPr>
-        <p:style>
-          <a:lnRef idx="2">
-            <a:schemeClr val="accent1">
-              <a:shade val="50000"/>
-            </a:schemeClr>
-          </a:lnRef>
-          <a:fillRef idx="1">
-            <a:schemeClr val="accent1"/>
-          </a:fillRef>
-          <a:effectRef idx="0">
-            <a:schemeClr val="accent1"/>
-          </a:effectRef>
-          <a:fontRef idx="minor">
-            <a:schemeClr val="lt1"/>
-          </a:fontRef>
-        </p:style>
-        <p:txBody>
-          <a:bodyPr rtlCol="0" anchor="ctr"/>
-          <a:lstStyle/>
-          <a:p>
-            <a:pPr algn="ctr"/>
-            <a:endParaRPr lang="en-JP"/>
-          </a:p>
-        </p:txBody>
-      </p:sp>
-      <p:sp>
-        <p:nvSpPr>
-          <p:cNvPr id="136" name="Triangle 135">
-            <a:extLst>
-              <a:ext uri="{FF2B5EF4-FFF2-40B4-BE49-F238E27FC236}">
-                <a16:creationId xmlns:a16="http://schemas.microsoft.com/office/drawing/2014/main" id="{FA34E034-034A-D849-8B84-A17724D1A161}"/>
-              </a:ext>
-            </a:extLst>
-          </p:cNvPr>
-          <p:cNvSpPr/>
-          <p:nvPr/>
-        </p:nvSpPr>
-        <p:spPr>
-          <a:xfrm rot="5400000">
-            <a:off x="4817230" y="7321723"/>
-            <a:ext cx="53034" cy="45719"/>
-          </a:xfrm>
-          <a:prstGeom prst="triangle">
-            <a:avLst/>
-          </a:prstGeom>
-          <a:solidFill>
-            <a:schemeClr val="bg1"/>
-          </a:solidFill>
-          <a:ln>
-            <a:noFill/>
-          </a:ln>
-        </p:spPr>
-        <p:style>
-          <a:lnRef idx="2">
-            <a:schemeClr val="accent1">
-              <a:shade val="50000"/>
-            </a:schemeClr>
-          </a:lnRef>
-          <a:fillRef idx="1">
-            <a:schemeClr val="accent1"/>
-          </a:fillRef>
-          <a:effectRef idx="0">
-            <a:schemeClr val="accent1"/>
-          </a:effectRef>
-          <a:fontRef idx="minor">
-            <a:schemeClr val="lt1"/>
-          </a:fontRef>
-        </p:style>
-        <p:txBody>
-          <a:bodyPr rtlCol="0" anchor="ctr"/>
-          <a:lstStyle/>
-          <a:p>
-            <a:pPr algn="ctr"/>
-            <a:endParaRPr lang="en-JP"/>
-          </a:p>
-        </p:txBody>
-      </p:sp>
-      <p:sp>
-        <p:nvSpPr>
-          <p:cNvPr id="137" name="Triangle 136">
-            <a:extLst>
-              <a:ext uri="{FF2B5EF4-FFF2-40B4-BE49-F238E27FC236}">
-                <a16:creationId xmlns:a16="http://schemas.microsoft.com/office/drawing/2014/main" id="{D11FF29E-595E-3346-A43D-48AAA25B5647}"/>
-              </a:ext>
-            </a:extLst>
-          </p:cNvPr>
-          <p:cNvSpPr/>
-          <p:nvPr/>
-        </p:nvSpPr>
-        <p:spPr>
-          <a:xfrm rot="5400000">
-            <a:off x="4969630" y="7321723"/>
-            <a:ext cx="53034" cy="45719"/>
-          </a:xfrm>
-          <a:prstGeom prst="triangle">
-            <a:avLst/>
-          </a:prstGeom>
-          <a:solidFill>
-            <a:schemeClr val="bg1"/>
-          </a:solidFill>
-          <a:ln>
-            <a:noFill/>
-          </a:ln>
-        </p:spPr>
-        <p:style>
-          <a:lnRef idx="2">
-            <a:schemeClr val="accent1">
-              <a:shade val="50000"/>
-            </a:schemeClr>
-          </a:lnRef>
-          <a:fillRef idx="1">
-            <a:schemeClr val="accent1"/>
-          </a:fillRef>
-          <a:effectRef idx="0">
-            <a:schemeClr val="accent1"/>
-          </a:effectRef>
-          <a:fontRef idx="minor">
-            <a:schemeClr val="lt1"/>
-          </a:fontRef>
-        </p:style>
-        <p:txBody>
-          <a:bodyPr rtlCol="0" anchor="ctr"/>
-          <a:lstStyle/>
-          <a:p>
-            <a:pPr algn="ctr"/>
-            <a:endParaRPr lang="en-JP"/>
-          </a:p>
-        </p:txBody>
-      </p:sp>
-      <p:sp>
-        <p:nvSpPr>
-          <p:cNvPr id="138" name="Triangle 137">
-            <a:extLst>
-              <a:ext uri="{FF2B5EF4-FFF2-40B4-BE49-F238E27FC236}">
-                <a16:creationId xmlns:a16="http://schemas.microsoft.com/office/drawing/2014/main" id="{C54DFBF6-065C-1844-9FAD-CCDEB2B02CBE}"/>
-              </a:ext>
-            </a:extLst>
-          </p:cNvPr>
-          <p:cNvSpPr/>
-          <p:nvPr/>
-        </p:nvSpPr>
-        <p:spPr>
-          <a:xfrm rot="5400000">
-            <a:off x="5122030" y="7321723"/>
-            <a:ext cx="53034" cy="45719"/>
-          </a:xfrm>
-          <a:prstGeom prst="triangle">
-            <a:avLst/>
-          </a:prstGeom>
-          <a:solidFill>
-            <a:schemeClr val="bg1"/>
-          </a:solidFill>
-          <a:ln>
-            <a:noFill/>
-          </a:ln>
-        </p:spPr>
-        <p:style>
-          <a:lnRef idx="2">
-            <a:schemeClr val="accent1">
-              <a:shade val="50000"/>
-            </a:schemeClr>
-          </a:lnRef>
-          <a:fillRef idx="1">
-            <a:schemeClr val="accent1"/>
-          </a:fillRef>
-          <a:effectRef idx="0">
-            <a:schemeClr val="accent1"/>
-          </a:effectRef>
-          <a:fontRef idx="minor">
-            <a:schemeClr val="lt1"/>
-          </a:fontRef>
-        </p:style>
-        <p:txBody>
-          <a:bodyPr rtlCol="0" anchor="ctr"/>
-          <a:lstStyle/>
-          <a:p>
-            <a:pPr algn="ctr"/>
-            <a:endParaRPr lang="en-JP"/>
-          </a:p>
-        </p:txBody>
-      </p:sp>
-      <p:sp>
-        <p:nvSpPr>
-          <p:cNvPr id="139" name="Triangle 138">
-            <a:extLst>
-              <a:ext uri="{FF2B5EF4-FFF2-40B4-BE49-F238E27FC236}">
-                <a16:creationId xmlns:a16="http://schemas.microsoft.com/office/drawing/2014/main" id="{2111B620-5361-A54D-BB44-83022D855B35}"/>
-              </a:ext>
-            </a:extLst>
-          </p:cNvPr>
-          <p:cNvSpPr/>
-          <p:nvPr/>
-        </p:nvSpPr>
-        <p:spPr>
-          <a:xfrm rot="5400000">
-            <a:off x="5274430" y="7321723"/>
-            <a:ext cx="53034" cy="45719"/>
-          </a:xfrm>
-          <a:prstGeom prst="triangle">
-            <a:avLst/>
-          </a:prstGeom>
-          <a:solidFill>
-            <a:schemeClr val="bg1"/>
-          </a:solidFill>
-          <a:ln>
-            <a:noFill/>
-          </a:ln>
-        </p:spPr>
-        <p:style>
-          <a:lnRef idx="2">
-            <a:schemeClr val="accent1">
-              <a:shade val="50000"/>
-            </a:schemeClr>
-          </a:lnRef>
-          <a:fillRef idx="1">
-            <a:schemeClr val="accent1"/>
-          </a:fillRef>
-          <a:effectRef idx="0">
-            <a:schemeClr val="accent1"/>
-          </a:effectRef>
-          <a:fontRef idx="minor">
-            <a:schemeClr val="lt1"/>
-          </a:fontRef>
-        </p:style>
-        <p:txBody>
-          <a:bodyPr rtlCol="0" anchor="ctr"/>
-          <a:lstStyle/>
-          <a:p>
-            <a:pPr algn="ctr"/>
-            <a:endParaRPr lang="en-JP"/>
-          </a:p>
-        </p:txBody>
-      </p:sp>
-      <p:sp>
-        <p:nvSpPr>
-          <p:cNvPr id="140" name="Triangle 139">
-            <a:extLst>
-              <a:ext uri="{FF2B5EF4-FFF2-40B4-BE49-F238E27FC236}">
-                <a16:creationId xmlns:a16="http://schemas.microsoft.com/office/drawing/2014/main" id="{FF57E695-362E-EF41-A105-BC8C447AC5D6}"/>
-              </a:ext>
-            </a:extLst>
-          </p:cNvPr>
-          <p:cNvSpPr/>
-          <p:nvPr/>
-        </p:nvSpPr>
-        <p:spPr>
-          <a:xfrm rot="5400000">
-            <a:off x="5426830" y="7321723"/>
-            <a:ext cx="53034" cy="45719"/>
-          </a:xfrm>
-          <a:prstGeom prst="triangle">
-            <a:avLst/>
-          </a:prstGeom>
-          <a:solidFill>
-            <a:schemeClr val="bg1"/>
-          </a:solidFill>
-          <a:ln>
-            <a:noFill/>
-          </a:ln>
-        </p:spPr>
-        <p:style>
-          <a:lnRef idx="2">
-            <a:schemeClr val="accent1">
-              <a:shade val="50000"/>
-            </a:schemeClr>
-          </a:lnRef>
-          <a:fillRef idx="1">
-            <a:schemeClr val="accent1"/>
-          </a:fillRef>
-          <a:effectRef idx="0">
-            <a:schemeClr val="accent1"/>
-          </a:effectRef>
-          <a:fontRef idx="minor">
-            <a:schemeClr val="lt1"/>
-          </a:fontRef>
-        </p:style>
-        <p:txBody>
-          <a:bodyPr rtlCol="0" anchor="ctr"/>
-          <a:lstStyle/>
-          <a:p>
-            <a:pPr algn="ctr"/>
-            <a:endParaRPr lang="en-JP"/>
-          </a:p>
-        </p:txBody>
-      </p:sp>
-      <p:sp>
-        <p:nvSpPr>
-          <p:cNvPr id="142" name="Triangle 141">
-            <a:extLst>
-              <a:ext uri="{FF2B5EF4-FFF2-40B4-BE49-F238E27FC236}">
-                <a16:creationId xmlns:a16="http://schemas.microsoft.com/office/drawing/2014/main" id="{5FF53ABB-37DE-A543-84F8-D1215EE09769}"/>
-              </a:ext>
-            </a:extLst>
-          </p:cNvPr>
-          <p:cNvSpPr/>
-          <p:nvPr/>
-        </p:nvSpPr>
-        <p:spPr>
-          <a:xfrm rot="5400000">
-            <a:off x="5579230" y="7321723"/>
-            <a:ext cx="53034" cy="45719"/>
-          </a:xfrm>
-          <a:prstGeom prst="triangle">
-            <a:avLst/>
-          </a:prstGeom>
-          <a:solidFill>
-            <a:schemeClr val="bg1"/>
-          </a:solidFill>
-          <a:ln>
-            <a:noFill/>
-          </a:ln>
-        </p:spPr>
-        <p:style>
-          <a:lnRef idx="2">
-            <a:schemeClr val="accent1">
-              <a:shade val="50000"/>
-            </a:schemeClr>
-          </a:lnRef>
-          <a:fillRef idx="1">
-            <a:schemeClr val="accent1"/>
-          </a:fillRef>
-          <a:effectRef idx="0">
-            <a:schemeClr val="accent1"/>
-          </a:effectRef>
-          <a:fontRef idx="minor">
-            <a:schemeClr val="lt1"/>
-          </a:fontRef>
-        </p:style>
-        <p:txBody>
-          <a:bodyPr rtlCol="0" anchor="ctr"/>
-          <a:lstStyle/>
-          <a:p>
-            <a:pPr algn="ctr"/>
-            <a:endParaRPr lang="en-JP"/>
-          </a:p>
-        </p:txBody>
-      </p:sp>
-      <p:sp>
-        <p:nvSpPr>
-          <p:cNvPr id="143" name="Triangle 142">
-            <a:extLst>
-              <a:ext uri="{FF2B5EF4-FFF2-40B4-BE49-F238E27FC236}">
-                <a16:creationId xmlns:a16="http://schemas.microsoft.com/office/drawing/2014/main" id="{700847D2-D26C-9A47-A6DF-806FF3405572}"/>
-              </a:ext>
-            </a:extLst>
-          </p:cNvPr>
-          <p:cNvSpPr/>
-          <p:nvPr/>
-        </p:nvSpPr>
-        <p:spPr>
-          <a:xfrm rot="5400000">
-            <a:off x="5731630" y="7321723"/>
-            <a:ext cx="53034" cy="45719"/>
-          </a:xfrm>
-          <a:prstGeom prst="triangle">
-            <a:avLst/>
-          </a:prstGeom>
-          <a:solidFill>
-            <a:schemeClr val="bg1"/>
-          </a:solidFill>
-          <a:ln>
-            <a:noFill/>
-          </a:ln>
-        </p:spPr>
-        <p:style>
-          <a:lnRef idx="2">
-            <a:schemeClr val="accent1">
-              <a:shade val="50000"/>
-            </a:schemeClr>
-          </a:lnRef>
-          <a:fillRef idx="1">
-            <a:schemeClr val="accent1"/>
-          </a:fillRef>
-          <a:effectRef idx="0">
-            <a:schemeClr val="accent1"/>
-          </a:effectRef>
-          <a:fontRef idx="minor">
-            <a:schemeClr val="lt1"/>
-          </a:fontRef>
-        </p:style>
-        <p:txBody>
-          <a:bodyPr rtlCol="0" anchor="ctr"/>
-          <a:lstStyle/>
-          <a:p>
-            <a:pPr algn="ctr"/>
-            <a:endParaRPr lang="en-JP"/>
-          </a:p>
-        </p:txBody>
-      </p:sp>
-      <p:sp>
-        <p:nvSpPr>
-          <p:cNvPr id="144" name="Triangle 143">
-            <a:extLst>
-              <a:ext uri="{FF2B5EF4-FFF2-40B4-BE49-F238E27FC236}">
-                <a16:creationId xmlns:a16="http://schemas.microsoft.com/office/drawing/2014/main" id="{54C9CC97-402E-B14E-B0D5-01A31D748979}"/>
-              </a:ext>
-            </a:extLst>
-          </p:cNvPr>
-          <p:cNvSpPr/>
-          <p:nvPr/>
-        </p:nvSpPr>
-        <p:spPr>
-          <a:xfrm rot="5400000">
-            <a:off x="5884030" y="7321723"/>
-            <a:ext cx="53034" cy="45719"/>
-          </a:xfrm>
-          <a:prstGeom prst="triangle">
-            <a:avLst/>
-          </a:prstGeom>
-          <a:solidFill>
-            <a:schemeClr val="bg1"/>
-          </a:solidFill>
-          <a:ln>
-            <a:noFill/>
-          </a:ln>
-        </p:spPr>
-        <p:style>
-          <a:lnRef idx="2">
-            <a:schemeClr val="accent1">
-              <a:shade val="50000"/>
-            </a:schemeClr>
-          </a:lnRef>
-          <a:fillRef idx="1">
-            <a:schemeClr val="accent1"/>
-          </a:fillRef>
-          <a:effectRef idx="0">
-            <a:schemeClr val="accent1"/>
-          </a:effectRef>
-          <a:fontRef idx="minor">
-            <a:schemeClr val="lt1"/>
-          </a:fontRef>
-        </p:style>
-        <p:txBody>
-          <a:bodyPr rtlCol="0" anchor="ctr"/>
-          <a:lstStyle/>
-          <a:p>
-            <a:pPr algn="ctr"/>
-            <a:endParaRPr lang="en-JP"/>
-          </a:p>
-        </p:txBody>
-      </p:sp>
-      <p:sp>
-        <p:nvSpPr>
-          <p:cNvPr id="147" name="Triangle 146">
-            <a:extLst>
-              <a:ext uri="{FF2B5EF4-FFF2-40B4-BE49-F238E27FC236}">
-                <a16:creationId xmlns:a16="http://schemas.microsoft.com/office/drawing/2014/main" id="{F1FC33EB-C2B6-8449-814E-D0CD63F1A70D}"/>
-              </a:ext>
-            </a:extLst>
-          </p:cNvPr>
-          <p:cNvSpPr/>
-          <p:nvPr/>
-        </p:nvSpPr>
-        <p:spPr>
-          <a:xfrm rot="5400000">
-            <a:off x="6036430" y="7321723"/>
-            <a:ext cx="53034" cy="45719"/>
-          </a:xfrm>
-          <a:prstGeom prst="triangle">
-            <a:avLst/>
-          </a:prstGeom>
-          <a:solidFill>
-            <a:schemeClr val="bg1"/>
-          </a:solidFill>
-          <a:ln>
-            <a:noFill/>
-          </a:ln>
-        </p:spPr>
-        <p:style>
-          <a:lnRef idx="2">
-            <a:schemeClr val="accent1">
-              <a:shade val="50000"/>
-            </a:schemeClr>
-          </a:lnRef>
-          <a:fillRef idx="1">
-            <a:schemeClr val="accent1"/>
-          </a:fillRef>
-          <a:effectRef idx="0">
-            <a:schemeClr val="accent1"/>
-          </a:effectRef>
-          <a:fontRef idx="minor">
-            <a:schemeClr val="lt1"/>
-          </a:fontRef>
-        </p:style>
-        <p:txBody>
-          <a:bodyPr rtlCol="0" anchor="ctr"/>
-          <a:lstStyle/>
-          <a:p>
-            <a:pPr algn="ctr"/>
-            <a:endParaRPr lang="en-JP"/>
-          </a:p>
-        </p:txBody>
-      </p:sp>
-      <p:sp>
-        <p:nvSpPr>
-          <p:cNvPr id="148" name="Triangle 147">
-            <a:extLst>
-              <a:ext uri="{FF2B5EF4-FFF2-40B4-BE49-F238E27FC236}">
-                <a16:creationId xmlns:a16="http://schemas.microsoft.com/office/drawing/2014/main" id="{2778E8F1-F860-E544-A51C-874DEB2D45B8}"/>
-              </a:ext>
-            </a:extLst>
-          </p:cNvPr>
-          <p:cNvSpPr/>
-          <p:nvPr/>
-        </p:nvSpPr>
-        <p:spPr>
-          <a:xfrm rot="5400000">
-            <a:off x="5347886" y="7631618"/>
-            <a:ext cx="53034" cy="45719"/>
-          </a:xfrm>
-          <a:prstGeom prst="triangle">
-            <a:avLst/>
-          </a:prstGeom>
-          <a:solidFill>
-            <a:schemeClr val="bg1"/>
-          </a:solidFill>
-          <a:ln>
-            <a:noFill/>
-          </a:ln>
-        </p:spPr>
-        <p:style>
-          <a:lnRef idx="2">
-            <a:schemeClr val="accent1">
-              <a:shade val="50000"/>
-            </a:schemeClr>
-          </a:lnRef>
-          <a:fillRef idx="1">
-            <a:schemeClr val="accent1"/>
-          </a:fillRef>
-          <a:effectRef idx="0">
-            <a:schemeClr val="accent1"/>
-          </a:effectRef>
-          <a:fontRef idx="minor">
-            <a:schemeClr val="lt1"/>
-          </a:fontRef>
-        </p:style>
-        <p:txBody>
-          <a:bodyPr rtlCol="0" anchor="ctr"/>
-          <a:lstStyle/>
-          <a:p>
-            <a:pPr algn="ctr"/>
-            <a:endParaRPr lang="en-JP"/>
-          </a:p>
-        </p:txBody>
-      </p:sp>
-      <p:sp>
-        <p:nvSpPr>
-          <p:cNvPr id="150" name="Triangle 149">
-            <a:extLst>
-              <a:ext uri="{FF2B5EF4-FFF2-40B4-BE49-F238E27FC236}">
-                <a16:creationId xmlns:a16="http://schemas.microsoft.com/office/drawing/2014/main" id="{565D5534-FA90-9943-9E4E-1319A1E25BED}"/>
-              </a:ext>
-            </a:extLst>
-          </p:cNvPr>
-          <p:cNvSpPr/>
-          <p:nvPr/>
-        </p:nvSpPr>
-        <p:spPr>
-          <a:xfrm rot="5400000">
-            <a:off x="5500286" y="7631618"/>
-            <a:ext cx="53034" cy="45719"/>
-          </a:xfrm>
-          <a:prstGeom prst="triangle">
-            <a:avLst/>
-          </a:prstGeom>
-          <a:solidFill>
-            <a:schemeClr val="bg1"/>
-          </a:solidFill>
-          <a:ln>
-            <a:noFill/>
-          </a:ln>
-        </p:spPr>
-        <p:style>
-          <a:lnRef idx="2">
-            <a:schemeClr val="accent1">
-              <a:shade val="50000"/>
-            </a:schemeClr>
-          </a:lnRef>
-          <a:fillRef idx="1">
-            <a:schemeClr val="accent1"/>
-          </a:fillRef>
-          <a:effectRef idx="0">
-            <a:schemeClr val="accent1"/>
-          </a:effectRef>
-          <a:fontRef idx="minor">
-            <a:schemeClr val="lt1"/>
-          </a:fontRef>
-        </p:style>
-        <p:txBody>
-          <a:bodyPr rtlCol="0" anchor="ctr"/>
-          <a:lstStyle/>
-          <a:p>
-            <a:pPr algn="ctr"/>
-            <a:endParaRPr lang="en-JP"/>
-          </a:p>
-        </p:txBody>
-      </p:sp>
-      <p:sp>
-        <p:nvSpPr>
-          <p:cNvPr id="151" name="Triangle 150">
-            <a:extLst>
-              <a:ext uri="{FF2B5EF4-FFF2-40B4-BE49-F238E27FC236}">
-                <a16:creationId xmlns:a16="http://schemas.microsoft.com/office/drawing/2014/main" id="{4F1B493C-4F68-714F-93C2-166DCA2B78EA}"/>
-              </a:ext>
-            </a:extLst>
-          </p:cNvPr>
-          <p:cNvSpPr/>
-          <p:nvPr/>
-        </p:nvSpPr>
-        <p:spPr>
-          <a:xfrm rot="5400000">
-            <a:off x="5652686" y="7631618"/>
-            <a:ext cx="53034" cy="45719"/>
-          </a:xfrm>
-          <a:prstGeom prst="triangle">
-            <a:avLst/>
-          </a:prstGeom>
-          <a:solidFill>
-            <a:schemeClr val="bg1"/>
-          </a:solidFill>
-          <a:ln>
-            <a:noFill/>
-          </a:ln>
-        </p:spPr>
-        <p:style>
-          <a:lnRef idx="2">
-            <a:schemeClr val="accent1">
-              <a:shade val="50000"/>
-            </a:schemeClr>
-          </a:lnRef>
-          <a:fillRef idx="1">
-            <a:schemeClr val="accent1"/>
-          </a:fillRef>
-          <a:effectRef idx="0">
-            <a:schemeClr val="accent1"/>
-          </a:effectRef>
-          <a:fontRef idx="minor">
-            <a:schemeClr val="lt1"/>
-          </a:fontRef>
-        </p:style>
-        <p:txBody>
-          <a:bodyPr rtlCol="0" anchor="ctr"/>
-          <a:lstStyle/>
-          <a:p>
-            <a:pPr algn="ctr"/>
-            <a:endParaRPr lang="en-JP"/>
-          </a:p>
-        </p:txBody>
-      </p:sp>
-      <p:sp>
-        <p:nvSpPr>
-          <p:cNvPr id="152" name="Rectangle 151">
-            <a:extLst>
-              <a:ext uri="{FF2B5EF4-FFF2-40B4-BE49-F238E27FC236}">
-                <a16:creationId xmlns:a16="http://schemas.microsoft.com/office/drawing/2014/main" id="{FA9550AF-08CF-C544-BEFE-27F71C3C443B}"/>
-              </a:ext>
-            </a:extLst>
-          </p:cNvPr>
-          <p:cNvSpPr/>
-          <p:nvPr/>
-        </p:nvSpPr>
-        <p:spPr>
-          <a:xfrm>
-            <a:off x="5335586" y="3968136"/>
-            <a:ext cx="235478" cy="127168"/>
-          </a:xfrm>
-          <a:prstGeom prst="rect">
-            <a:avLst/>
-          </a:prstGeom>
-          <a:solidFill>
-            <a:srgbClr val="002060"/>
-          </a:solidFill>
-          <a:ln>
-            <a:solidFill>
-              <a:srgbClr val="002060"/>
-            </a:solidFill>
-          </a:ln>
-        </p:spPr>
-        <p:style>
-          <a:lnRef idx="2">
-            <a:schemeClr val="accent1">
-              <a:shade val="50000"/>
-            </a:schemeClr>
-          </a:lnRef>
-          <a:fillRef idx="1">
-            <a:schemeClr val="accent1"/>
-          </a:fillRef>
-          <a:effectRef idx="0">
-            <a:schemeClr val="accent1"/>
-          </a:effectRef>
-          <a:fontRef idx="minor">
-            <a:schemeClr val="lt1"/>
-          </a:fontRef>
-        </p:style>
-        <p:txBody>
-          <a:bodyPr rtlCol="0" anchor="ctr"/>
-          <a:lstStyle/>
-          <a:p>
-            <a:pPr algn="ctr"/>
-            <a:endParaRPr lang="en-JP"/>
-          </a:p>
-        </p:txBody>
-      </p:sp>
-      <p:sp>
-        <p:nvSpPr>
-          <p:cNvPr id="153" name="Triangle 152">
-            <a:extLst>
-              <a:ext uri="{FF2B5EF4-FFF2-40B4-BE49-F238E27FC236}">
-                <a16:creationId xmlns:a16="http://schemas.microsoft.com/office/drawing/2014/main" id="{1D6E05C0-1983-0A4D-AEE6-2B1F310F6E75}"/>
-              </a:ext>
-            </a:extLst>
-          </p:cNvPr>
-          <p:cNvSpPr/>
-          <p:nvPr/>
-        </p:nvSpPr>
-        <p:spPr>
-          <a:xfrm rot="5400000">
-            <a:off x="5352086" y="4008861"/>
-            <a:ext cx="53034" cy="45719"/>
-          </a:xfrm>
-          <a:prstGeom prst="triangle">
-            <a:avLst/>
-          </a:prstGeom>
-          <a:solidFill>
-            <a:schemeClr val="bg1"/>
-          </a:solidFill>
-          <a:ln>
-            <a:noFill/>
-          </a:ln>
-        </p:spPr>
-        <p:style>
-          <a:lnRef idx="2">
-            <a:schemeClr val="accent1">
-              <a:shade val="50000"/>
-            </a:schemeClr>
-          </a:lnRef>
-          <a:fillRef idx="1">
-            <a:schemeClr val="accent1"/>
-          </a:fillRef>
-          <a:effectRef idx="0">
-            <a:schemeClr val="accent1"/>
-          </a:effectRef>
-          <a:fontRef idx="minor">
-            <a:schemeClr val="lt1"/>
-          </a:fontRef>
-        </p:style>
-        <p:txBody>
-          <a:bodyPr rtlCol="0" anchor="ctr"/>
-          <a:lstStyle/>
-          <a:p>
-            <a:pPr algn="ctr"/>
-            <a:endParaRPr lang="en-JP"/>
-          </a:p>
-        </p:txBody>
-      </p:sp>
-      <p:sp>
-        <p:nvSpPr>
-          <p:cNvPr id="154" name="Triangle 153">
-            <a:extLst>
-              <a:ext uri="{FF2B5EF4-FFF2-40B4-BE49-F238E27FC236}">
-                <a16:creationId xmlns:a16="http://schemas.microsoft.com/office/drawing/2014/main" id="{DC83C440-E648-FD4C-93AF-3127CCFBDD5A}"/>
-              </a:ext>
-            </a:extLst>
-          </p:cNvPr>
-          <p:cNvSpPr/>
-          <p:nvPr/>
-        </p:nvSpPr>
-        <p:spPr>
-          <a:xfrm rot="5400000">
-            <a:off x="5504486" y="4008861"/>
-            <a:ext cx="53034" cy="45719"/>
-          </a:xfrm>
-          <a:prstGeom prst="triangle">
-            <a:avLst/>
-          </a:prstGeom>
-          <a:solidFill>
-            <a:schemeClr val="bg1"/>
-          </a:solidFill>
-          <a:ln>
-            <a:noFill/>
-          </a:ln>
-        </p:spPr>
-        <p:style>
-          <a:lnRef idx="2">
-            <a:schemeClr val="accent1">
-              <a:shade val="50000"/>
-            </a:schemeClr>
-          </a:lnRef>
-          <a:fillRef idx="1">
-            <a:schemeClr val="accent1"/>
-          </a:fillRef>
-          <a:effectRef idx="0">
-            <a:schemeClr val="accent1"/>
-          </a:effectRef>
-          <a:fontRef idx="minor">
-            <a:schemeClr val="lt1"/>
-          </a:fontRef>
-        </p:style>
-        <p:txBody>
-          <a:bodyPr rtlCol="0" anchor="ctr"/>
-          <a:lstStyle/>
-          <a:p>
-            <a:pPr algn="ctr"/>
-            <a:endParaRPr lang="en-JP"/>
-          </a:p>
-        </p:txBody>
-      </p:sp>
-      <p:sp>
-        <p:nvSpPr>
-          <p:cNvPr id="156" name="Rectangle 155">
-            <a:extLst>
-              <a:ext uri="{FF2B5EF4-FFF2-40B4-BE49-F238E27FC236}">
-                <a16:creationId xmlns:a16="http://schemas.microsoft.com/office/drawing/2014/main" id="{8E1A07C0-16C9-3546-B031-F6790E07BF2E}"/>
-              </a:ext>
-            </a:extLst>
-          </p:cNvPr>
-          <p:cNvSpPr/>
-          <p:nvPr/>
-        </p:nvSpPr>
-        <p:spPr>
-          <a:xfrm>
-            <a:off x="6054252" y="3968136"/>
-            <a:ext cx="137462" cy="127168"/>
-          </a:xfrm>
-          <a:prstGeom prst="rect">
-            <a:avLst/>
-          </a:prstGeom>
-          <a:solidFill>
-            <a:srgbClr val="002060"/>
-          </a:solidFill>
-          <a:ln>
-            <a:solidFill>
-              <a:srgbClr val="002060"/>
-            </a:solidFill>
-          </a:ln>
-        </p:spPr>
-        <p:style>
-          <a:lnRef idx="2">
-            <a:schemeClr val="accent1">
-              <a:shade val="50000"/>
-            </a:schemeClr>
-          </a:lnRef>
-          <a:fillRef idx="1">
-            <a:schemeClr val="accent1"/>
-          </a:fillRef>
-          <a:effectRef idx="0">
-            <a:schemeClr val="accent1"/>
-          </a:effectRef>
-          <a:fontRef idx="minor">
-            <a:schemeClr val="lt1"/>
-          </a:fontRef>
-        </p:style>
-        <p:txBody>
-          <a:bodyPr rtlCol="0" anchor="ctr"/>
-          <a:lstStyle/>
-          <a:p>
-            <a:pPr algn="ctr"/>
-            <a:endParaRPr lang="en-JP"/>
-          </a:p>
-        </p:txBody>
-      </p:sp>
-      <p:sp>
-        <p:nvSpPr>
-          <p:cNvPr id="157" name="Triangle 156">
-            <a:extLst>
-              <a:ext uri="{FF2B5EF4-FFF2-40B4-BE49-F238E27FC236}">
-                <a16:creationId xmlns:a16="http://schemas.microsoft.com/office/drawing/2014/main" id="{165A6BDB-F00C-6D4D-9001-41FB0DFF5A74}"/>
-              </a:ext>
-            </a:extLst>
-          </p:cNvPr>
-          <p:cNvSpPr/>
-          <p:nvPr/>
-        </p:nvSpPr>
-        <p:spPr>
-          <a:xfrm rot="5400000">
-            <a:off x="6084712" y="4008861"/>
-            <a:ext cx="53034" cy="45719"/>
-          </a:xfrm>
-          <a:prstGeom prst="triangle">
-            <a:avLst/>
-          </a:prstGeom>
-          <a:solidFill>
-            <a:schemeClr val="bg1"/>
-          </a:solidFill>
-          <a:ln>
-            <a:noFill/>
-          </a:ln>
-        </p:spPr>
-        <p:style>
-          <a:lnRef idx="2">
-            <a:schemeClr val="accent1">
-              <a:shade val="50000"/>
-            </a:schemeClr>
-          </a:lnRef>
-          <a:fillRef idx="1">
-            <a:schemeClr val="accent1"/>
-          </a:fillRef>
-          <a:effectRef idx="0">
-            <a:schemeClr val="accent1"/>
-          </a:effectRef>
-          <a:fontRef idx="minor">
-            <a:schemeClr val="lt1"/>
-          </a:fontRef>
-        </p:style>
-        <p:txBody>
-          <a:bodyPr rtlCol="0" anchor="ctr"/>
-          <a:lstStyle/>
-          <a:p>
-            <a:pPr algn="ctr"/>
-            <a:endParaRPr lang="en-JP"/>
-          </a:p>
-        </p:txBody>
-      </p:sp>
+        </p:spPr>
+      </p:pic>
     </p:spTree>
     <p:extLst>
       <p:ext uri="{BB962C8B-B14F-4D97-AF65-F5344CB8AC3E}">
-        <p14:creationId xmlns:p14="http://schemas.microsoft.com/office/powerpoint/2010/main" val="93732838"/>
+        <p14:creationId xmlns:p14="http://schemas.microsoft.com/office/powerpoint/2010/main" val="1669536165"/>
       </p:ext>
     </p:extLst>
   </p:cSld>
@@ -21741,7 +23422,7 @@
     </p:spTree>
     <p:extLst>
       <p:ext uri="{BB962C8B-B14F-4D97-AF65-F5344CB8AC3E}">
-        <p14:creationId xmlns:p14="http://schemas.microsoft.com/office/powerpoint/2010/main" val="1669536165"/>
+        <p14:creationId xmlns:p14="http://schemas.microsoft.com/office/powerpoint/2010/main" val="2845291479"/>
       </p:ext>
     </p:extLst>
   </p:cSld>
